--- a/powerpoints/08-building-basic-pages.pptx
+++ b/powerpoints/08-building-basic-pages.pptx
@@ -5,7 +5,7 @@
     <p:sldMasterId id="2147483648" r:id="rId1"/>
   </p:sldMasterIdLst>
   <p:notesMasterIdLst>
-    <p:NotesMasterId r:id="rId9"/>
+    <p:NotesMasterId r:id="rId10"/>
   </p:notesMasterIdLst>
   <p:sldIdLst>
     <p:sldId id="256" r:id="rId2"/>
@@ -15,6 +15,7 @@
     <p:sldId id="260" r:id="rId6"/>
     <p:sldId id="261" r:id="rId7"/>
     <p:sldId id="262" r:id="rId8"/>
+    <p:sldId id="263" r:id="rId9"/>
   </p:sldIdLst>
   <p:sldSz cx="9144000" cy="6858000" type="screen4x3"/>
   <p:notesSz cx="6858000" cy="9144000"/>
@@ -10987,8 +10988,8 @@
         </p:blipFill>
         <p:spPr bwMode="auto">
           <a:xfrm>
-            <a:off x="533400" y="1600200"/>
-            <a:ext cx="8077200" cy="4521200"/>
+            <a:off x="990600" y="1600200"/>
+            <a:ext cx="7175500" cy="4013200"/>
           </a:xfrm>
           <a:prstGeom prst="rect">
             <a:avLst/>
@@ -11001,6 +11002,52 @@
           </a:ln>
         </p:spPr>
       </p:pic>
+      <p:sp>
+        <p:nvSpPr>
+          <p:cNvPr id="1" name="TextBox 3"/>
+          <p:cNvSpPr txBox="1"/>
+          <p:nvPr/>
+        </p:nvSpPr>
+        <p:spPr>
+          <a:xfrm>
+            <a:off x="457200" y="5613400"/>
+            <a:ext cx="8229600" cy="508000"/>
+          </a:xfrm>
+          <a:prstGeom prst="rect">
+            <a:avLst/>
+          </a:prstGeom>
+          <a:noFill/>
+        </p:spPr>
+        <p:txBody>
+          <a:bodyPr/>
+          <a:lstStyle/>
+          <a:p>
+            <a:pPr lvl="0" marL="0" indent="0" algn="ctr">
+              <a:buNone/>
+            </a:pPr>
+            <a:r>
+              <a:rPr/>
+              <a:t>Building</a:t>
+            </a:r>
+            <a:r>
+              <a:rPr/>
+              <a:t> </a:t>
+            </a:r>
+            <a:r>
+              <a:rPr/>
+              <a:t>Basic</a:t>
+            </a:r>
+            <a:r>
+              <a:rPr/>
+              <a:t> </a:t>
+            </a:r>
+            <a:r>
+              <a:rPr/>
+              <a:t>Pages</a:t>
+            </a:r>
+          </a:p>
+        </p:txBody>
+      </p:sp>
     </p:spTree>
   </p:cSld>
 </p:sld>
@@ -11655,6 +11702,84 @@
             <a:r>
               <a:rPr sz="2000"/>
               <a:t>Tip! If time, have a brief discussion of web hosting, what it means, how it works, how much it costs, what hosting companies do.</a:t>
+            </a:r>
+          </a:p>
+        </p:txBody>
+      </p:sp>
+    </p:spTree>
+  </p:cSld>
+</p:sld>
+</file>
+
+<file path=ppt/slides/slide8.xml><?xml version="1.0" encoding="utf-8"?>
+<p:sld xmlns:a="http://schemas.openxmlformats.org/drawingml/2006/main" xmlns:r="http://schemas.openxmlformats.org/officeDocument/2006/relationships" xmlns:p="http://schemas.openxmlformats.org/presentationml/2006/main">
+  <p:cSld>
+    <p:spTree>
+      <p:nvGrpSpPr>
+        <p:cNvPr id="1" name=""/>
+        <p:cNvGrpSpPr/>
+        <p:nvPr/>
+      </p:nvGrpSpPr>
+      <p:grpSpPr>
+        <a:xfrm>
+          <a:off x="0" y="0"/>
+          <a:ext cx="0" cy="0"/>
+          <a:chOff x="0" y="0"/>
+          <a:chExt cx="0" cy="0"/>
+        </a:xfrm>
+      </p:grpSpPr>
+      <p:sp>
+        <p:nvSpPr>
+          <p:cNvPr id="2" name="Title 1"/>
+          <p:cNvSpPr>
+            <a:spLocks noGrp="1"/>
+          </p:cNvSpPr>
+          <p:nvPr>
+            <p:ph type="title"/>
+          </p:nvPr>
+        </p:nvSpPr>
+        <p:spPr/>
+        <p:txBody>
+          <a:bodyPr/>
+          <a:lstStyle/>
+          <a:p>
+            <a:pPr lvl="0" marL="0" indent="0">
+              <a:buNone/>
+            </a:pPr>
+            <a:r>
+              <a:rPr/>
+              <a:t>mozilla</a:t>
+            </a:r>
+          </a:p>
+        </p:txBody>
+      </p:sp>
+      <p:sp>
+        <p:nvSpPr>
+          <p:cNvPr id="3" name="Content Placeholder 2"/>
+          <p:cNvSpPr>
+            <a:spLocks noGrp="1"/>
+          </p:cNvSpPr>
+          <p:nvPr>
+            <p:ph idx="1"/>
+          </p:nvPr>
+        </p:nvSpPr>
+        <p:spPr/>
+        <p:txBody>
+          <a:bodyPr/>
+          <a:lstStyle/>
+          <a:p>
+            <a:pPr lvl="0" marL="0" indent="0">
+              <a:buNone/>
+            </a:pPr>
+            <a:r>
+              <a:rPr/>
+              <a:t>Mozilla is a global non-profit dedicated to putting you in control of your online experience and shaping the future of the web for the public good. Visit us at </a:t>
+            </a:r>
+            <a:r>
+              <a:rPr>
+                <a:hlinkClick r:id="rId2"/>
+              </a:rPr>
+              <a:t>mozilla.org</a:t>
             </a:r>
           </a:p>
         </p:txBody>

--- a/powerpoints/08-building-basic-pages.pptx
+++ b/powerpoints/08-building-basic-pages.pptx
@@ -5,7 +5,7 @@
     <p:sldMasterId id="2147483648" r:id="rId1"/>
   </p:sldMasterIdLst>
   <p:notesMasterIdLst>
-    <p:NotesMasterId r:id="rId10"/>
+    <p:NotesMasterId r:id="rId12"/>
   </p:notesMasterIdLst>
   <p:sldIdLst>
     <p:sldId id="256" r:id="rId2"/>
@@ -16,6 +16,8 @@
     <p:sldId id="261" r:id="rId7"/>
     <p:sldId id="262" r:id="rId8"/>
     <p:sldId id="263" r:id="rId9"/>
+    <p:sldId id="264" r:id="rId10"/>
+    <p:sldId id="265" r:id="rId11"/>
   </p:sldIdLst>
   <p:sldSz cx="9144000" cy="6858000" type="screen4x3"/>
   <p:notesSz cx="6858000" cy="9144000"/>
@@ -7208,28 +7210,1194 @@
           <a:bodyPr/>
           <a:lstStyle/>
           <a:p>
+            <a:pPr lvl="1"/>
+            <a:r>
+              <a:rPr/>
+              <a:t>:</a:t>
+            </a:r>
+            <a:r>
+              <a:rPr/>
+              <a:t> </a:t>
+            </a:r>
+            <a:r>
+              <a:rPr/>
+              <a:t>Have</a:t>
+            </a:r>
+            <a:r>
+              <a:rPr/>
+              <a:t> </a:t>
+            </a:r>
+            <a:r>
+              <a:rPr/>
+              <a:t>each</a:t>
+            </a:r>
+            <a:r>
+              <a:rPr/>
+              <a:t> </a:t>
+            </a:r>
+            <a:r>
+              <a:rPr/>
+              <a:t>learner</a:t>
+            </a:r>
+            <a:r>
+              <a:rPr/>
+              <a:t> </a:t>
+            </a:r>
+            <a:r>
+              <a:rPr/>
+              <a:t>take</a:t>
+            </a:r>
+            <a:r>
+              <a:rPr/>
+              <a:t> </a:t>
+            </a:r>
+            <a:r>
+              <a:rPr/>
+              <a:t>the</a:t>
+            </a:r>
+            <a:r>
+              <a:rPr/>
+              <a:t> </a:t>
+            </a:r>
+            <a:r>
+              <a:rPr/>
+              <a:t>notes</a:t>
+            </a:r>
+            <a:r>
+              <a:rPr/>
+              <a:t> </a:t>
+            </a:r>
+            <a:r>
+              <a:rPr/>
+              <a:t>from</a:t>
+            </a:r>
+            <a:r>
+              <a:rPr/>
+              <a:t> </a:t>
+            </a:r>
+            <a:r>
+              <a:rPr/>
+              <a:t>their</a:t>
+            </a:r>
+            <a:r>
+              <a:rPr/>
+              <a:t> </a:t>
+            </a:r>
+            <a:r>
+              <a:rPr/>
+              <a:t>story</a:t>
+            </a:r>
+            <a:r>
+              <a:rPr/>
+              <a:t> </a:t>
+            </a:r>
+            <a:r>
+              <a:rPr/>
+              <a:t>and</a:t>
+            </a:r>
+            <a:r>
+              <a:rPr/>
+              <a:t> </a:t>
+            </a:r>
+            <a:r>
+              <a:rPr/>
+              <a:t>review</a:t>
+            </a:r>
+            <a:r>
+              <a:rPr/>
+              <a:t> </a:t>
+            </a:r>
+            <a:r>
+              <a:rPr/>
+              <a:t>them–</a:t>
+            </a:r>
+            <a:r>
+              <a:rPr/>
+              <a:t> </a:t>
+            </a:r>
+            <a:r>
+              <a:rPr/>
+              <a:t>consider</a:t>
+            </a:r>
+            <a:r>
+              <a:rPr/>
+              <a:t> </a:t>
+            </a:r>
+            <a:r>
+              <a:rPr/>
+              <a:t>adding</a:t>
+            </a:r>
+            <a:r>
+              <a:rPr/>
+              <a:t> </a:t>
+            </a:r>
+            <a:r>
+              <a:rPr/>
+              <a:t>details,</a:t>
+            </a:r>
+            <a:r>
+              <a:rPr/>
+              <a:t> </a:t>
+            </a:r>
+            <a:r>
+              <a:rPr/>
+              <a:t>think</a:t>
+            </a:r>
+            <a:r>
+              <a:rPr/>
+              <a:t> </a:t>
+            </a:r>
+            <a:r>
+              <a:rPr/>
+              <a:t>of</a:t>
+            </a:r>
+            <a:r>
+              <a:rPr/>
+              <a:t> </a:t>
+            </a:r>
+            <a:r>
+              <a:rPr/>
+              <a:t>what</a:t>
+            </a:r>
+            <a:r>
+              <a:rPr/>
+              <a:t> </a:t>
+            </a:r>
+            <a:r>
+              <a:rPr/>
+              <a:t>you</a:t>
+            </a:r>
+            <a:r>
+              <a:rPr/>
+              <a:t> </a:t>
+            </a:r>
+            <a:r>
+              <a:rPr/>
+              <a:t>left</a:t>
+            </a:r>
+            <a:r>
+              <a:rPr/>
+              <a:t> </a:t>
+            </a:r>
+            <a:r>
+              <a:rPr/>
+              <a:t>out.</a:t>
+            </a:r>
+          </a:p>
+          <a:p>
             <a:pPr lvl="0" marL="0" indent="0">
               <a:buNone/>
             </a:pPr>
-            <a:r>
-              <a:rPr/>
-              <a:t>[10</a:t>
-            </a:r>
-            <a:r>
-              <a:rPr/>
-              <a:t> </a:t>
-            </a:r>
-            <a:r>
-              <a:rPr/>
-              <a:t>mins</a:t>
-            </a:r>
-            <a:r>
-              <a:rPr/>
-              <a:t> </a:t>
-            </a:r>
-            <a:r>
-              <a:rPr/>
-              <a:t>]</a:t>
+          </a:p>
+          <a:p>
+            <a:pPr lvl="1"/>
+            <a:r>
+              <a:rPr/>
+              <a:t>Organize,</a:t>
+            </a:r>
+            <a:r>
+              <a:rPr/>
+              <a:t> </a:t>
+            </a:r>
+            <a:r>
+              <a:rPr/>
+              <a:t>and</a:t>
+            </a:r>
+            <a:r>
+              <a:rPr/>
+              <a:t> </a:t>
+            </a:r>
+            <a:r>
+              <a:rPr/>
+              <a:t>Type</a:t>
+            </a:r>
+            <a:r>
+              <a:rPr/>
+              <a:t> </a:t>
+            </a:r>
+            <a:r>
+              <a:rPr/>
+              <a:t>Up:</a:t>
+            </a:r>
+            <a:r>
+              <a:rPr/>
+              <a:t> </a:t>
+            </a:r>
+            <a:r>
+              <a:rPr/>
+              <a:t>Have</a:t>
+            </a:r>
+            <a:r>
+              <a:rPr/>
+              <a:t> </a:t>
+            </a:r>
+            <a:r>
+              <a:rPr/>
+              <a:t>learners</a:t>
+            </a:r>
+            <a:r>
+              <a:rPr/>
+              <a:t> </a:t>
+            </a:r>
+            <a:r>
+              <a:rPr/>
+              <a:t>type</a:t>
+            </a:r>
+            <a:r>
+              <a:rPr/>
+              <a:t> </a:t>
+            </a:r>
+            <a:r>
+              <a:rPr/>
+              <a:t>up</a:t>
+            </a:r>
+            <a:r>
+              <a:rPr/>
+              <a:t> </a:t>
+            </a:r>
+            <a:r>
+              <a:rPr/>
+              <a:t>their</a:t>
+            </a:r>
+            <a:r>
+              <a:rPr/>
+              <a:t> </a:t>
+            </a:r>
+            <a:r>
+              <a:rPr/>
+              <a:t>stories</a:t>
+            </a:r>
+            <a:r>
+              <a:rPr/>
+              <a:t> </a:t>
+            </a:r>
+            <a:r>
+              <a:rPr/>
+              <a:t>in</a:t>
+            </a:r>
+            <a:r>
+              <a:rPr/>
+              <a:t> </a:t>
+            </a:r>
+            <a:r>
+              <a:rPr/>
+              <a:t>a</a:t>
+            </a:r>
+            <a:r>
+              <a:rPr/>
+              <a:t> </a:t>
+            </a:r>
+            <a:r>
+              <a:rPr/>
+              <a:t>basic</a:t>
+            </a:r>
+            <a:r>
+              <a:rPr/>
+              <a:t> </a:t>
+            </a:r>
+            <a:r>
+              <a:rPr/>
+              <a:t>text</a:t>
+            </a:r>
+            <a:r>
+              <a:rPr/>
+              <a:t> </a:t>
+            </a:r>
+            <a:r>
+              <a:rPr/>
+              <a:t>editor,</a:t>
+            </a:r>
+            <a:r>
+              <a:rPr/>
+              <a:t> </a:t>
+            </a:r>
+            <a:r>
+              <a:rPr/>
+              <a:t>being</a:t>
+            </a:r>
+            <a:r>
+              <a:rPr/>
+              <a:t> </a:t>
+            </a:r>
+            <a:r>
+              <a:rPr/>
+              <a:t>sure</a:t>
+            </a:r>
+            <a:r>
+              <a:rPr/>
+              <a:t> </a:t>
+            </a:r>
+            <a:r>
+              <a:rPr/>
+              <a:t>to</a:t>
+            </a:r>
+            <a:r>
+              <a:rPr/>
+              <a:t> </a:t>
+            </a:r>
+            <a:r>
+              <a:rPr/>
+              <a:t>use</a:t>
+            </a:r>
+            <a:r>
+              <a:rPr/>
+              <a:t> </a:t>
+            </a:r>
+            <a:r>
+              <a:rPr/>
+              <a:t>“</a:t>
+            </a:r>
+            <a:r>
+              <a:rPr/>
+              <a:t>plain</a:t>
+            </a:r>
+            <a:r>
+              <a:rPr/>
+              <a:t> </a:t>
+            </a:r>
+            <a:r>
+              <a:rPr/>
+              <a:t>text</a:t>
+            </a:r>
+            <a:r>
+              <a:rPr/>
+              <a:t> </a:t>
+            </a:r>
+            <a:r>
+              <a:rPr/>
+              <a:t>mode</a:t>
+            </a:r>
+            <a:r>
+              <a:rPr/>
+              <a:t>”</a:t>
+            </a:r>
+            <a:r>
+              <a:rPr/>
+              <a:t> </a:t>
+            </a:r>
+            <a:r>
+              <a:rPr/>
+              <a:t>(not</a:t>
+            </a:r>
+            <a:r>
+              <a:rPr/>
+              <a:t> </a:t>
+            </a:r>
+            <a:r>
+              <a:rPr/>
+              <a:t>Rich</a:t>
+            </a:r>
+            <a:r>
+              <a:rPr/>
+              <a:t> </a:t>
+            </a:r>
+            <a:r>
+              <a:rPr/>
+              <a:t>Text</a:t>
+            </a:r>
+            <a:r>
+              <a:rPr/>
+              <a:t> </a:t>
+            </a:r>
+            <a:r>
+              <a:rPr/>
+              <a:t>mode).</a:t>
+            </a:r>
+            <a:r>
+              <a:rPr/>
+              <a:t> </a:t>
+            </a:r>
+            <a:r>
+              <a:rPr/>
+              <a:t>As</a:t>
+            </a:r>
+            <a:r>
+              <a:rPr/>
+              <a:t> </a:t>
+            </a:r>
+            <a:r>
+              <a:rPr/>
+              <a:t>they</a:t>
+            </a:r>
+            <a:r>
+              <a:rPr/>
+              <a:t> </a:t>
+            </a:r>
+            <a:r>
+              <a:rPr/>
+              <a:t>type</a:t>
+            </a:r>
+            <a:r>
+              <a:rPr/>
+              <a:t> </a:t>
+            </a:r>
+            <a:r>
+              <a:rPr/>
+              <a:t>up</a:t>
+            </a:r>
+            <a:r>
+              <a:rPr/>
+              <a:t> </a:t>
+            </a:r>
+            <a:r>
+              <a:rPr/>
+              <a:t>the</a:t>
+            </a:r>
+            <a:r>
+              <a:rPr/>
+              <a:t> </a:t>
+            </a:r>
+            <a:r>
+              <a:rPr/>
+              <a:t>story,</a:t>
+            </a:r>
+            <a:r>
+              <a:rPr/>
+              <a:t> </a:t>
+            </a:r>
+            <a:r>
+              <a:rPr/>
+              <a:t>they</a:t>
+            </a:r>
+            <a:r>
+              <a:rPr/>
+              <a:t> </a:t>
+            </a:r>
+            <a:r>
+              <a:rPr/>
+              <a:t>might</a:t>
+            </a:r>
+            <a:r>
+              <a:rPr/>
+              <a:t> </a:t>
+            </a:r>
+            <a:r>
+              <a:rPr/>
+              <a:t>consider</a:t>
+            </a:r>
+            <a:r>
+              <a:rPr/>
+              <a:t> </a:t>
+            </a:r>
+            <a:r>
+              <a:rPr/>
+              <a:t>organizing</a:t>
+            </a:r>
+            <a:r>
+              <a:rPr/>
+              <a:t> </a:t>
+            </a:r>
+            <a:r>
+              <a:rPr/>
+              <a:t>and</a:t>
+            </a:r>
+            <a:r>
+              <a:rPr/>
+              <a:t> </a:t>
+            </a:r>
+            <a:r>
+              <a:rPr/>
+              <a:t>structuring</a:t>
+            </a:r>
+            <a:r>
+              <a:rPr/>
+              <a:t> </a:t>
+            </a:r>
+            <a:r>
+              <a:rPr/>
+              <a:t>the</a:t>
+            </a:r>
+            <a:r>
+              <a:rPr/>
+              <a:t> </a:t>
+            </a:r>
+            <a:r>
+              <a:rPr/>
+              <a:t>story</a:t>
+            </a:r>
+            <a:r>
+              <a:rPr/>
+              <a:t> </a:t>
+            </a:r>
+            <a:r>
+              <a:rPr/>
+              <a:t>into</a:t>
+            </a:r>
+            <a:r>
+              <a:rPr/>
+              <a:t> </a:t>
+            </a:r>
+            <a:r>
+              <a:rPr/>
+              <a:t>a</a:t>
+            </a:r>
+            <a:r>
+              <a:rPr/>
+              <a:t> </a:t>
+            </a:r>
+            <a:r>
+              <a:rPr/>
+              <a:t>beginning,</a:t>
+            </a:r>
+            <a:r>
+              <a:rPr/>
+              <a:t> </a:t>
+            </a:r>
+            <a:r>
+              <a:rPr/>
+              <a:t>middle,</a:t>
+            </a:r>
+            <a:r>
+              <a:rPr/>
+              <a:t> </a:t>
+            </a:r>
+            <a:r>
+              <a:rPr/>
+              <a:t>and</a:t>
+            </a:r>
+            <a:r>
+              <a:rPr/>
+              <a:t> </a:t>
+            </a:r>
+            <a:r>
+              <a:rPr/>
+              <a:t>end.</a:t>
+            </a:r>
+            <a:r>
+              <a:rPr/>
+              <a:t> </a:t>
+            </a:r>
+            <a:r>
+              <a:rPr/>
+              <a:t>Maybe</a:t>
+            </a:r>
+            <a:r>
+              <a:rPr/>
+              <a:t> </a:t>
+            </a:r>
+            <a:r>
+              <a:rPr/>
+              <a:t>they</a:t>
+            </a:r>
+            <a:r>
+              <a:rPr/>
+              <a:t> </a:t>
+            </a:r>
+            <a:r>
+              <a:rPr/>
+              <a:t>can</a:t>
+            </a:r>
+            <a:r>
+              <a:rPr/>
+              <a:t> </a:t>
+            </a:r>
+            <a:r>
+              <a:rPr/>
+              <a:t>think</a:t>
+            </a:r>
+            <a:r>
+              <a:rPr/>
+              <a:t> </a:t>
+            </a:r>
+            <a:r>
+              <a:rPr/>
+              <a:t>of</a:t>
+            </a:r>
+            <a:r>
+              <a:rPr/>
+              <a:t> </a:t>
+            </a:r>
+            <a:r>
+              <a:rPr/>
+              <a:t>titles</a:t>
+            </a:r>
+            <a:r>
+              <a:rPr/>
+              <a:t> </a:t>
+            </a:r>
+            <a:r>
+              <a:rPr/>
+              <a:t>for</a:t>
+            </a:r>
+            <a:r>
+              <a:rPr/>
+              <a:t> </a:t>
+            </a:r>
+            <a:r>
+              <a:rPr/>
+              <a:t>the</a:t>
+            </a:r>
+            <a:r>
+              <a:rPr/>
+              <a:t> </a:t>
+            </a:r>
+            <a:r>
+              <a:rPr/>
+              <a:t>sections:</a:t>
+            </a:r>
+            <a:r>
+              <a:rPr/>
+              <a:t> </a:t>
+            </a:r>
+            <a:r>
+              <a:rPr/>
+              <a:t>“</a:t>
+            </a:r>
+            <a:r>
+              <a:rPr/>
+              <a:t>Early</a:t>
+            </a:r>
+            <a:r>
+              <a:rPr/>
+              <a:t> </a:t>
+            </a:r>
+            <a:r>
+              <a:rPr/>
+              <a:t>Days</a:t>
+            </a:r>
+            <a:r>
+              <a:rPr/>
+              <a:t>”</a:t>
+            </a:r>
+            <a:r>
+              <a:rPr/>
+              <a:t> </a:t>
+            </a:r>
+            <a:r>
+              <a:rPr/>
+              <a:t>“</a:t>
+            </a:r>
+            <a:r>
+              <a:rPr/>
+              <a:t>These</a:t>
+            </a:r>
+            <a:r>
+              <a:rPr/>
+              <a:t> </a:t>
+            </a:r>
+            <a:r>
+              <a:rPr/>
+              <a:t>Days</a:t>
+            </a:r>
+            <a:r>
+              <a:rPr/>
+              <a:t>”</a:t>
+            </a:r>
+            <a:r>
+              <a:rPr/>
+              <a:t> </a:t>
+            </a:r>
+            <a:r>
+              <a:rPr/>
+              <a:t>“</a:t>
+            </a:r>
+            <a:r>
+              <a:rPr/>
+              <a:t>What’s</a:t>
+            </a:r>
+            <a:r>
+              <a:rPr/>
+              <a:t> </a:t>
+            </a:r>
+            <a:r>
+              <a:rPr/>
+              <a:t>Next</a:t>
+            </a:r>
+            <a:r>
+              <a:rPr/>
+              <a:t>”</a:t>
+            </a:r>
+            <a:r>
+              <a:rPr/>
+              <a:t> </a:t>
+            </a:r>
+            <a:r>
+              <a:rPr/>
+              <a:t>Or</a:t>
+            </a:r>
+            <a:r>
+              <a:rPr/>
+              <a:t> </a:t>
+            </a:r>
+            <a:r>
+              <a:rPr/>
+              <a:t>they</a:t>
+            </a:r>
+            <a:r>
+              <a:rPr/>
+              <a:t> </a:t>
+            </a:r>
+            <a:r>
+              <a:rPr/>
+              <a:t>can</a:t>
+            </a:r>
+            <a:r>
+              <a:rPr/>
+              <a:t> </a:t>
+            </a:r>
+            <a:r>
+              <a:rPr/>
+              <a:t>find</a:t>
+            </a:r>
+            <a:r>
+              <a:rPr/>
+              <a:t> </a:t>
+            </a:r>
+            <a:r>
+              <a:rPr/>
+              <a:t>ways</a:t>
+            </a:r>
+            <a:r>
+              <a:rPr/>
+              <a:t> </a:t>
+            </a:r>
+            <a:r>
+              <a:rPr/>
+              <a:t>other</a:t>
+            </a:r>
+            <a:r>
+              <a:rPr/>
+              <a:t> </a:t>
+            </a:r>
+            <a:r>
+              <a:rPr/>
+              <a:t>ways</a:t>
+            </a:r>
+            <a:r>
+              <a:rPr/>
+              <a:t> </a:t>
+            </a:r>
+            <a:r>
+              <a:rPr/>
+              <a:t>to</a:t>
+            </a:r>
+            <a:r>
+              <a:rPr/>
+              <a:t> </a:t>
+            </a:r>
+            <a:r>
+              <a:rPr/>
+              <a:t>organize</a:t>
+            </a:r>
+            <a:r>
+              <a:rPr/>
+              <a:t> </a:t>
+            </a:r>
+            <a:r>
+              <a:rPr/>
+              <a:t>the</a:t>
+            </a:r>
+            <a:r>
+              <a:rPr/>
+              <a:t> </a:t>
+            </a:r>
+            <a:r>
+              <a:rPr/>
+              <a:t>content,</a:t>
+            </a:r>
+            <a:r>
+              <a:rPr/>
+              <a:t> </a:t>
+            </a:r>
+            <a:r>
+              <a:rPr/>
+              <a:t>if</a:t>
+            </a:r>
+            <a:r>
+              <a:rPr/>
+              <a:t> </a:t>
+            </a:r>
+            <a:r>
+              <a:rPr/>
+              <a:t>they</a:t>
+            </a:r>
+            <a:r>
+              <a:rPr/>
+              <a:t> </a:t>
+            </a:r>
+            <a:r>
+              <a:rPr/>
+              <a:t>talked</a:t>
+            </a:r>
+            <a:r>
+              <a:rPr/>
+              <a:t> </a:t>
+            </a:r>
+            <a:r>
+              <a:rPr/>
+              <a:t>more</a:t>
+            </a:r>
+            <a:r>
+              <a:rPr/>
+              <a:t> </a:t>
+            </a:r>
+            <a:r>
+              <a:rPr/>
+              <a:t>about</a:t>
+            </a:r>
+            <a:r>
+              <a:rPr/>
+              <a:t> </a:t>
+            </a:r>
+            <a:r>
+              <a:rPr/>
+              <a:t>interest</a:t>
+            </a:r>
+            <a:r>
+              <a:rPr/>
+              <a:t> </a:t>
+            </a:r>
+            <a:r>
+              <a:rPr/>
+              <a:t>sections–</a:t>
+            </a:r>
+            <a:r>
+              <a:rPr/>
+              <a:t> </a:t>
+            </a:r>
+            <a:r>
+              <a:rPr/>
+              <a:t>“</a:t>
+            </a:r>
+            <a:r>
+              <a:rPr/>
+              <a:t>My</a:t>
+            </a:r>
+            <a:r>
+              <a:rPr/>
+              <a:t> </a:t>
+            </a:r>
+            <a:r>
+              <a:rPr/>
+              <a:t>favorite</a:t>
+            </a:r>
+            <a:r>
+              <a:rPr/>
+              <a:t> </a:t>
+            </a:r>
+            <a:r>
+              <a:rPr/>
+              <a:t>songs</a:t>
+            </a:r>
+            <a:r>
+              <a:rPr/>
+              <a:t>”</a:t>
+            </a:r>
+            <a:r>
+              <a:rPr/>
+              <a:t> </a:t>
+            </a:r>
+            <a:r>
+              <a:rPr/>
+              <a:t>“</a:t>
+            </a:r>
+            <a:r>
+              <a:rPr/>
+              <a:t>My</a:t>
+            </a:r>
+            <a:r>
+              <a:rPr/>
+              <a:t> </a:t>
+            </a:r>
+            <a:r>
+              <a:rPr/>
+              <a:t>favorite</a:t>
+            </a:r>
+            <a:r>
+              <a:rPr/>
+              <a:t> </a:t>
+            </a:r>
+            <a:r>
+              <a:rPr/>
+              <a:t>places</a:t>
+            </a:r>
+            <a:r>
+              <a:rPr/>
+              <a:t>”</a:t>
+            </a:r>
+            <a:r>
+              <a:rPr/>
+              <a:t> </a:t>
+            </a:r>
+            <a:r>
+              <a:rPr/>
+              <a:t>etc.</a:t>
+            </a:r>
+            <a:r>
+              <a:rPr/>
+              <a:t> </a:t>
+            </a:r>
+            <a:r>
+              <a:rPr/>
+              <a:t>Creating</a:t>
+            </a:r>
+            <a:r>
+              <a:rPr/>
+              <a:t> </a:t>
+            </a:r>
+            <a:r>
+              <a:rPr/>
+              <a:t>these</a:t>
+            </a:r>
+            <a:r>
+              <a:rPr/>
+              <a:t> </a:t>
+            </a:r>
+            <a:r>
+              <a:rPr/>
+              <a:t>sections</a:t>
+            </a:r>
+            <a:r>
+              <a:rPr/>
+              <a:t> </a:t>
+            </a:r>
+            <a:r>
+              <a:rPr/>
+              <a:t>will</a:t>
+            </a:r>
+            <a:r>
+              <a:rPr/>
+              <a:t> </a:t>
+            </a:r>
+            <a:r>
+              <a:rPr/>
+              <a:t>help</a:t>
+            </a:r>
+            <a:r>
+              <a:rPr/>
+              <a:t> </a:t>
+            </a:r>
+            <a:r>
+              <a:rPr/>
+              <a:t>structure</a:t>
+            </a:r>
+            <a:r>
+              <a:rPr/>
+              <a:t> </a:t>
+            </a:r>
+            <a:r>
+              <a:rPr/>
+              <a:t>the</a:t>
+            </a:r>
+            <a:r>
+              <a:rPr/>
+              <a:t> </a:t>
+            </a:r>
+            <a:r>
+              <a:rPr/>
+              <a:t>biography</a:t>
+            </a:r>
+            <a:r>
+              <a:rPr/>
+              <a:t> </a:t>
+            </a:r>
+            <a:r>
+              <a:rPr/>
+              <a:t>for</a:t>
+            </a:r>
+            <a:r>
+              <a:rPr/>
+              <a:t> </a:t>
+            </a:r>
+            <a:r>
+              <a:rPr/>
+              <a:t>easy</a:t>
+            </a:r>
+            <a:r>
+              <a:rPr/>
+              <a:t> </a:t>
+            </a:r>
+            <a:r>
+              <a:rPr/>
+              <a:t>reading</a:t>
+            </a:r>
+            <a:r>
+              <a:rPr/>
+              <a:t> </a:t>
+            </a:r>
+            <a:r>
+              <a:rPr/>
+              <a:t>as</a:t>
+            </a:r>
+            <a:r>
+              <a:rPr/>
+              <a:t> </a:t>
+            </a:r>
+            <a:r>
+              <a:rPr/>
+              <a:t>a</a:t>
+            </a:r>
+            <a:r>
+              <a:rPr/>
+              <a:t> </a:t>
+            </a:r>
+            <a:r>
+              <a:rPr/>
+              <a:t>web</a:t>
+            </a:r>
+            <a:r>
+              <a:rPr/>
+              <a:t> </a:t>
+            </a:r>
+            <a:r>
+              <a:rPr/>
+              <a:t>page.</a:t>
+            </a:r>
+          </a:p>
+          <a:p>
+            <a:pPr lvl="0" marL="0" indent="0">
+              <a:buNone/>
+            </a:pPr>
+          </a:p>
+          <a:p>
+            <a:pPr lvl="1"/>
+            <a:r>
+              <a:rPr/>
+              <a:t>Title</a:t>
+            </a:r>
+            <a:r>
+              <a:rPr/>
+              <a:t> </a:t>
+            </a:r>
+            <a:r>
+              <a:rPr/>
+              <a:t>Your</a:t>
+            </a:r>
+            <a:r>
+              <a:rPr/>
+              <a:t> </a:t>
+            </a:r>
+            <a:r>
+              <a:rPr/>
+              <a:t>Story!</a:t>
+            </a:r>
+            <a:r>
+              <a:rPr/>
+              <a:t> </a:t>
+            </a:r>
+            <a:r>
+              <a:rPr/>
+              <a:t>Come</a:t>
+            </a:r>
+            <a:r>
+              <a:rPr/>
+              <a:t> </a:t>
+            </a:r>
+            <a:r>
+              <a:rPr/>
+              <a:t>up</a:t>
+            </a:r>
+            <a:r>
+              <a:rPr/>
+              <a:t> </a:t>
+            </a:r>
+            <a:r>
+              <a:rPr/>
+              <a:t>with</a:t>
+            </a:r>
+            <a:r>
+              <a:rPr/>
+              <a:t> </a:t>
+            </a:r>
+            <a:r>
+              <a:rPr/>
+              <a:t>a</a:t>
+            </a:r>
+            <a:r>
+              <a:rPr/>
+              <a:t> </a:t>
+            </a:r>
+            <a:r>
+              <a:rPr/>
+              <a:t>snappy</a:t>
+            </a:r>
+            <a:r>
+              <a:rPr/>
+              <a:t> </a:t>
+            </a:r>
+            <a:r>
+              <a:rPr/>
+              <a:t>title</a:t>
+            </a:r>
+            <a:r>
+              <a:rPr/>
+              <a:t> </a:t>
+            </a:r>
+            <a:r>
+              <a:rPr/>
+              <a:t>for</a:t>
+            </a:r>
+            <a:r>
+              <a:rPr/>
+              <a:t> </a:t>
+            </a:r>
+            <a:r>
+              <a:rPr/>
+              <a:t>your</a:t>
+            </a:r>
+            <a:r>
+              <a:rPr/>
+              <a:t> </a:t>
+            </a:r>
+            <a:r>
+              <a:rPr/>
+              <a:t>story</a:t>
+            </a:r>
+            <a:r>
+              <a:rPr/>
+              <a:t> </a:t>
+            </a:r>
+            <a:r>
+              <a:rPr/>
+              <a:t>or</a:t>
+            </a:r>
+            <a:r>
+              <a:rPr/>
+              <a:t> </a:t>
+            </a:r>
+            <a:r>
+              <a:rPr/>
+              <a:t>content</a:t>
+            </a:r>
+            <a:r>
+              <a:rPr/>
+              <a:t> </a:t>
+            </a:r>
+            <a:r>
+              <a:rPr/>
+              <a:t>or</a:t>
+            </a:r>
+            <a:r>
+              <a:rPr/>
+              <a:t> </a:t>
+            </a:r>
+            <a:r>
+              <a:rPr/>
+              <a:t>go</a:t>
+            </a:r>
+            <a:r>
+              <a:rPr/>
+              <a:t> </a:t>
+            </a:r>
+            <a:r>
+              <a:rPr/>
+              <a:t>with</a:t>
+            </a:r>
+            <a:r>
+              <a:rPr/>
+              <a:t> </a:t>
+            </a:r>
+            <a:r>
+              <a:rPr/>
+              <a:t>something</a:t>
+            </a:r>
+            <a:r>
+              <a:rPr/>
+              <a:t> </a:t>
+            </a:r>
+            <a:r>
+              <a:rPr/>
+              <a:t>basic.</a:t>
             </a:r>
           </a:p>
         </p:txBody>
@@ -7311,7 +8479,7 @@
             </a:pPr>
             <a:r>
               <a:rPr/>
-              <a:t>[15</a:t>
+              <a:t>[10</a:t>
             </a:r>
             <a:r>
               <a:rPr/>
@@ -7328,31 +8496,490 @@
             </a:pPr>
           </a:p>
           <a:p>
-            <a:pPr lvl="0" marL="0" indent="0">
-              <a:spcBef>
-                <a:spcPts val="3000"/>
-              </a:spcBef>
-              <a:buNone/>
-            </a:pPr>
-            <a:r>
-              <a:rPr b="1"/>
-              <a:t>Learning</a:t>
-            </a:r>
-            <a:r>
-              <a:rPr b="1"/>
-              <a:t> </a:t>
-            </a:r>
-            <a:r>
-              <a:rPr b="1"/>
-              <a:t>Experience</a:t>
-            </a:r>
-            <a:r>
-              <a:rPr b="1"/>
-              <a:t> </a:t>
-            </a:r>
-            <a:r>
-              <a:rPr b="1"/>
-              <a:t>Reflection</a:t>
+            <a:pPr lvl="1"/>
+            <a:r>
+              <a:rPr/>
+              <a:t>Explain</a:t>
+            </a:r>
+            <a:r>
+              <a:rPr/>
+              <a:t> </a:t>
+            </a:r>
+            <a:r>
+              <a:rPr/>
+              <a:t>to</a:t>
+            </a:r>
+            <a:r>
+              <a:rPr/>
+              <a:t> </a:t>
+            </a:r>
+            <a:r>
+              <a:rPr/>
+              <a:t>users</a:t>
+            </a:r>
+            <a:r>
+              <a:rPr/>
+              <a:t> </a:t>
+            </a:r>
+            <a:r>
+              <a:rPr/>
+              <a:t>that</a:t>
+            </a:r>
+            <a:r>
+              <a:rPr/>
+              <a:t> </a:t>
+            </a:r>
+            <a:r>
+              <a:rPr/>
+              <a:t>they’ll</a:t>
+            </a:r>
+            <a:r>
+              <a:rPr/>
+              <a:t> </a:t>
+            </a:r>
+            <a:r>
+              <a:rPr/>
+              <a:t>be</a:t>
+            </a:r>
+            <a:r>
+              <a:rPr/>
+              <a:t> </a:t>
+            </a:r>
+            <a:r>
+              <a:rPr/>
+              <a:t>marking</a:t>
+            </a:r>
+            <a:r>
+              <a:rPr/>
+              <a:t> </a:t>
+            </a:r>
+            <a:r>
+              <a:rPr/>
+              <a:t>up</a:t>
+            </a:r>
+            <a:r>
+              <a:rPr/>
+              <a:t> </a:t>
+            </a:r>
+            <a:r>
+              <a:rPr/>
+              <a:t>their</a:t>
+            </a:r>
+            <a:r>
+              <a:rPr/>
+              <a:t> </a:t>
+            </a:r>
+            <a:r>
+              <a:rPr/>
+              <a:t>story–</a:t>
+            </a:r>
+            <a:r>
+              <a:rPr/>
+              <a:t> </a:t>
+            </a:r>
+            <a:r>
+              <a:rPr/>
+              <a:t>the</a:t>
+            </a:r>
+            <a:r>
+              <a:rPr/>
+              <a:t> </a:t>
+            </a:r>
+            <a:r>
+              <a:rPr/>
+              <a:t>.html</a:t>
+            </a:r>
+            <a:r>
+              <a:rPr/>
+              <a:t> </a:t>
+            </a:r>
+            <a:r>
+              <a:rPr/>
+              <a:t>version–</a:t>
+            </a:r>
+            <a:r>
+              <a:rPr/>
+              <a:t> </a:t>
+            </a:r>
+            <a:r>
+              <a:rPr/>
+              <a:t>with</a:t>
+            </a:r>
+            <a:r>
+              <a:rPr/>
+              <a:t> </a:t>
+            </a:r>
+            <a:r>
+              <a:rPr/>
+              <a:t>HTML,</a:t>
+            </a:r>
+            <a:r>
+              <a:rPr/>
+              <a:t> </a:t>
+            </a:r>
+            <a:r>
+              <a:rPr/>
+              <a:t>to</a:t>
+            </a:r>
+            <a:r>
+              <a:rPr/>
+              <a:t> </a:t>
+            </a:r>
+            <a:r>
+              <a:rPr/>
+              <a:t>make</a:t>
+            </a:r>
+            <a:r>
+              <a:rPr/>
+              <a:t> </a:t>
+            </a:r>
+            <a:r>
+              <a:rPr/>
+              <a:t>it</a:t>
+            </a:r>
+            <a:r>
+              <a:rPr/>
+              <a:t> </a:t>
+            </a:r>
+            <a:r>
+              <a:rPr/>
+              <a:t>ready</a:t>
+            </a:r>
+            <a:r>
+              <a:rPr/>
+              <a:t> </a:t>
+            </a:r>
+            <a:r>
+              <a:rPr/>
+              <a:t>for</a:t>
+            </a:r>
+            <a:r>
+              <a:rPr/>
+              <a:t> </a:t>
+            </a:r>
+            <a:r>
+              <a:rPr/>
+              <a:t>display</a:t>
+            </a:r>
+            <a:r>
+              <a:rPr/>
+              <a:t> </a:t>
+            </a:r>
+            <a:r>
+              <a:rPr/>
+              <a:t>in</a:t>
+            </a:r>
+            <a:r>
+              <a:rPr/>
+              <a:t> </a:t>
+            </a:r>
+            <a:r>
+              <a:rPr/>
+              <a:t>the</a:t>
+            </a:r>
+            <a:r>
+              <a:rPr/>
+              <a:t> </a:t>
+            </a:r>
+            <a:r>
+              <a:rPr/>
+              <a:t>browser.</a:t>
+            </a:r>
+            <a:r>
+              <a:rPr/>
+              <a:t> </a:t>
+            </a:r>
+            <a:r>
+              <a:rPr/>
+              <a:t>Explain</a:t>
+            </a:r>
+            <a:r>
+              <a:rPr/>
+              <a:t> </a:t>
+            </a:r>
+            <a:r>
+              <a:rPr/>
+              <a:t>that</a:t>
+            </a:r>
+            <a:r>
+              <a:rPr/>
+              <a:t> </a:t>
+            </a:r>
+            <a:r>
+              <a:rPr/>
+              <a:t>since</a:t>
+            </a:r>
+            <a:r>
+              <a:rPr/>
+              <a:t> </a:t>
+            </a:r>
+            <a:r>
+              <a:rPr/>
+              <a:t>coding</a:t>
+            </a:r>
+            <a:r>
+              <a:rPr/>
+              <a:t> </a:t>
+            </a:r>
+            <a:r>
+              <a:rPr/>
+              <a:t>HTML</a:t>
+            </a:r>
+            <a:r>
+              <a:rPr/>
+              <a:t> </a:t>
+            </a:r>
+            <a:r>
+              <a:rPr/>
+              <a:t>and</a:t>
+            </a:r>
+            <a:r>
+              <a:rPr/>
+              <a:t> </a:t>
+            </a:r>
+            <a:r>
+              <a:rPr/>
+              <a:t>thinking</a:t>
+            </a:r>
+            <a:r>
+              <a:rPr/>
+              <a:t> </a:t>
+            </a:r>
+            <a:r>
+              <a:rPr/>
+              <a:t>of</a:t>
+            </a:r>
+            <a:r>
+              <a:rPr/>
+              <a:t> </a:t>
+            </a:r>
+            <a:r>
+              <a:rPr/>
+              <a:t>and</a:t>
+            </a:r>
+            <a:r>
+              <a:rPr/>
+              <a:t> </a:t>
+            </a:r>
+            <a:r>
+              <a:rPr/>
+              <a:t>writing</a:t>
+            </a:r>
+            <a:r>
+              <a:rPr/>
+              <a:t> </a:t>
+            </a:r>
+            <a:r>
+              <a:rPr/>
+              <a:t>content</a:t>
+            </a:r>
+            <a:r>
+              <a:rPr/>
+              <a:t> </a:t>
+            </a:r>
+            <a:r>
+              <a:rPr/>
+              <a:t>are</a:t>
+            </a:r>
+            <a:r>
+              <a:rPr/>
+              <a:t> </a:t>
+            </a:r>
+            <a:r>
+              <a:rPr/>
+              <a:t>two</a:t>
+            </a:r>
+            <a:r>
+              <a:rPr/>
+              <a:t> </a:t>
+            </a:r>
+            <a:r>
+              <a:rPr/>
+              <a:t>different</a:t>
+            </a:r>
+            <a:r>
+              <a:rPr/>
+              <a:t> </a:t>
+            </a:r>
+            <a:r>
+              <a:rPr/>
+              <a:t>ways</a:t>
+            </a:r>
+            <a:r>
+              <a:rPr/>
+              <a:t> </a:t>
+            </a:r>
+            <a:r>
+              <a:rPr/>
+              <a:t>of</a:t>
+            </a:r>
+            <a:r>
+              <a:rPr/>
+              <a:t> </a:t>
+            </a:r>
+            <a:r>
+              <a:rPr/>
+              <a:t>thinking,</a:t>
+            </a:r>
+            <a:r>
+              <a:rPr/>
+              <a:t> </a:t>
+            </a:r>
+            <a:r>
+              <a:rPr/>
+              <a:t>they</a:t>
+            </a:r>
+            <a:r>
+              <a:rPr/>
+              <a:t> </a:t>
+            </a:r>
+            <a:r>
+              <a:rPr/>
+              <a:t>should</a:t>
+            </a:r>
+            <a:r>
+              <a:rPr/>
+              <a:t> </a:t>
+            </a:r>
+            <a:r>
+              <a:rPr/>
+              <a:t>always</a:t>
+            </a:r>
+            <a:r>
+              <a:rPr/>
+              <a:t> </a:t>
+            </a:r>
+            <a:r>
+              <a:rPr/>
+              <a:t>have</a:t>
+            </a:r>
+            <a:r>
+              <a:rPr/>
+              <a:t> </a:t>
+            </a:r>
+            <a:r>
+              <a:rPr/>
+              <a:t>content</a:t>
+            </a:r>
+            <a:r>
+              <a:rPr/>
+              <a:t> </a:t>
+            </a:r>
+            <a:r>
+              <a:rPr/>
+              <a:t>written</a:t>
+            </a:r>
+            <a:r>
+              <a:rPr/>
+              <a:t> </a:t>
+            </a:r>
+            <a:r>
+              <a:rPr/>
+              <a:t>before</a:t>
+            </a:r>
+            <a:r>
+              <a:rPr/>
+              <a:t> </a:t>
+            </a:r>
+            <a:r>
+              <a:rPr/>
+              <a:t>they</a:t>
+            </a:r>
+            <a:r>
+              <a:rPr/>
+              <a:t> </a:t>
+            </a:r>
+            <a:r>
+              <a:rPr/>
+              <a:t>mark</a:t>
+            </a:r>
+            <a:r>
+              <a:rPr/>
+              <a:t> </a:t>
+            </a:r>
+            <a:r>
+              <a:rPr/>
+              <a:t>it</a:t>
+            </a:r>
+            <a:r>
+              <a:rPr/>
+              <a:t> </a:t>
+            </a:r>
+            <a:r>
+              <a:rPr/>
+              <a:t>up,</a:t>
+            </a:r>
+            <a:r>
+              <a:rPr/>
+              <a:t> </a:t>
+            </a:r>
+            <a:r>
+              <a:rPr/>
+              <a:t>rather</a:t>
+            </a:r>
+            <a:r>
+              <a:rPr/>
+              <a:t> </a:t>
+            </a:r>
+            <a:r>
+              <a:rPr/>
+              <a:t>than</a:t>
+            </a:r>
+            <a:r>
+              <a:rPr/>
+              <a:t> </a:t>
+            </a:r>
+            <a:r>
+              <a:rPr/>
+              <a:t>write</a:t>
+            </a:r>
+            <a:r>
+              <a:rPr/>
+              <a:t> </a:t>
+            </a:r>
+            <a:r>
+              <a:rPr/>
+              <a:t>and</a:t>
+            </a:r>
+            <a:r>
+              <a:rPr/>
+              <a:t> </a:t>
+            </a:r>
+            <a:r>
+              <a:rPr/>
+              <a:t>mark-up</a:t>
+            </a:r>
+            <a:r>
+              <a:rPr/>
+              <a:t> </a:t>
+            </a:r>
+            <a:r>
+              <a:rPr/>
+              <a:t>at</a:t>
+            </a:r>
+            <a:r>
+              <a:rPr/>
+              <a:t> </a:t>
+            </a:r>
+            <a:r>
+              <a:rPr/>
+              <a:t>the</a:t>
+            </a:r>
+            <a:r>
+              <a:rPr/>
+              <a:t> </a:t>
+            </a:r>
+            <a:r>
+              <a:rPr/>
+              <a:t>same</a:t>
+            </a:r>
+            <a:r>
+              <a:rPr/>
+              <a:t> </a:t>
+            </a:r>
+            <a:r>
+              <a:rPr/>
+              <a:t>time.</a:t>
             </a:r>
           </a:p>
           <a:p>
@@ -7361,20 +8988,640 @@
             </a:pPr>
           </a:p>
           <a:p>
+            <a:pPr lvl="0" marL="1270000" indent="0">
+              <a:buNone/>
+            </a:pPr>
+            <a:r>
+              <a:rPr sz="2000"/>
+              <a:t>Tip!</a:t>
+            </a:r>
+            <a:r>
+              <a:rPr sz="2000"/>
+              <a:t> </a:t>
+            </a:r>
+            <a:r>
+              <a:rPr sz="2000"/>
+              <a:t>A</a:t>
+            </a:r>
+            <a:r>
+              <a:rPr sz="2000"/>
+              <a:t> </a:t>
+            </a:r>
+            <a:r>
+              <a:rPr sz="2000"/>
+              <a:t>great</a:t>
+            </a:r>
+            <a:r>
+              <a:rPr sz="2000"/>
+              <a:t> </a:t>
+            </a:r>
+            <a:r>
+              <a:rPr sz="2000"/>
+              <a:t>way</a:t>
+            </a:r>
+            <a:r>
+              <a:rPr sz="2000"/>
+              <a:t> </a:t>
+            </a:r>
+            <a:r>
+              <a:rPr sz="2000"/>
+              <a:t>to</a:t>
+            </a:r>
+            <a:r>
+              <a:rPr sz="2000"/>
+              <a:t> </a:t>
+            </a:r>
+            <a:r>
+              <a:rPr sz="2000"/>
+              <a:t>help</a:t>
+            </a:r>
+            <a:r>
+              <a:rPr sz="2000"/>
+              <a:t> </a:t>
+            </a:r>
+            <a:r>
+              <a:rPr sz="2000"/>
+              <a:t>learners</a:t>
+            </a:r>
+            <a:r>
+              <a:rPr sz="2000"/>
+              <a:t> </a:t>
+            </a:r>
+            <a:r>
+              <a:rPr sz="2000"/>
+              <a:t>do</a:t>
+            </a:r>
+            <a:r>
+              <a:rPr sz="2000"/>
+              <a:t> </a:t>
+            </a:r>
+            <a:r>
+              <a:rPr sz="2000"/>
+              <a:t>this,</a:t>
+            </a:r>
+            <a:r>
+              <a:rPr sz="2000"/>
+              <a:t> </a:t>
+            </a:r>
+            <a:r>
+              <a:rPr sz="2000"/>
+              <a:t>if</a:t>
+            </a:r>
+            <a:r>
+              <a:rPr sz="2000"/>
+              <a:t> </a:t>
+            </a:r>
+            <a:r>
+              <a:rPr sz="2000"/>
+              <a:t>you</a:t>
+            </a:r>
+            <a:r>
+              <a:rPr sz="2000"/>
+              <a:t> </a:t>
+            </a:r>
+            <a:r>
+              <a:rPr sz="2000"/>
+              <a:t>have</a:t>
+            </a:r>
+            <a:r>
+              <a:rPr sz="2000"/>
+              <a:t> </a:t>
+            </a:r>
+            <a:r>
+              <a:rPr sz="2000"/>
+              <a:t>access</a:t>
+            </a:r>
+            <a:r>
+              <a:rPr sz="2000"/>
+              <a:t> </a:t>
+            </a:r>
+            <a:r>
+              <a:rPr sz="2000"/>
+              <a:t>to</a:t>
+            </a:r>
+            <a:r>
+              <a:rPr sz="2000"/>
+              <a:t> </a:t>
+            </a:r>
+            <a:r>
+              <a:rPr sz="2000"/>
+              <a:t>an</a:t>
+            </a:r>
+            <a:r>
+              <a:rPr sz="2000"/>
+              <a:t> </a:t>
+            </a:r>
+            <a:r>
+              <a:rPr sz="2000"/>
+              <a:t>instructor’s</a:t>
+            </a:r>
+            <a:r>
+              <a:rPr sz="2000"/>
+              <a:t> </a:t>
+            </a:r>
+            <a:r>
+              <a:rPr sz="2000"/>
+              <a:t>computer</a:t>
+            </a:r>
+            <a:r>
+              <a:rPr sz="2000"/>
+              <a:t> </a:t>
+            </a:r>
+            <a:r>
+              <a:rPr sz="2000"/>
+              <a:t>and</a:t>
+            </a:r>
+            <a:r>
+              <a:rPr sz="2000"/>
+              <a:t> </a:t>
+            </a:r>
+            <a:r>
+              <a:rPr sz="2000"/>
+              <a:t>projector,</a:t>
+            </a:r>
+            <a:r>
+              <a:rPr sz="2000"/>
+              <a:t> </a:t>
+            </a:r>
+            <a:r>
+              <a:rPr sz="2000"/>
+              <a:t>is</a:t>
+            </a:r>
+            <a:r>
+              <a:rPr sz="2000"/>
+              <a:t> </a:t>
+            </a:r>
+            <a:r>
+              <a:rPr sz="2000"/>
+              <a:t>to</a:t>
+            </a:r>
+            <a:r>
+              <a:rPr sz="2000"/>
+              <a:t> </a:t>
+            </a:r>
+            <a:r>
+              <a:rPr sz="2000"/>
+              <a:t>do</a:t>
+            </a:r>
+            <a:r>
+              <a:rPr sz="2000"/>
+              <a:t> </a:t>
+            </a:r>
+            <a:r>
+              <a:rPr sz="2000"/>
+              <a:t>the</a:t>
+            </a:r>
+            <a:r>
+              <a:rPr sz="2000"/>
+              <a:t> </a:t>
+            </a:r>
+            <a:r>
+              <a:rPr sz="2000"/>
+              <a:t>activity</a:t>
+            </a:r>
+            <a:r>
+              <a:rPr sz="2000"/>
+              <a:t> </a:t>
+            </a:r>
+            <a:r>
+              <a:rPr sz="2000"/>
+              <a:t>on</a:t>
+            </a:r>
+            <a:r>
+              <a:rPr sz="2000"/>
+              <a:t> </a:t>
+            </a:r>
+            <a:r>
+              <a:rPr sz="2000"/>
+              <a:t>your</a:t>
+            </a:r>
+            <a:r>
+              <a:rPr sz="2000"/>
+              <a:t> </a:t>
+            </a:r>
+            <a:r>
+              <a:rPr sz="2000"/>
+              <a:t>own</a:t>
+            </a:r>
+            <a:r>
+              <a:rPr sz="2000"/>
+              <a:t> </a:t>
+            </a:r>
+            <a:r>
+              <a:rPr sz="2000"/>
+              <a:t>content</a:t>
+            </a:r>
+            <a:r>
+              <a:rPr sz="2000"/>
+              <a:t> </a:t>
+            </a:r>
+            <a:r>
+              <a:rPr sz="2000"/>
+              <a:t>along</a:t>
+            </a:r>
+            <a:r>
+              <a:rPr sz="2000"/>
+              <a:t> </a:t>
+            </a:r>
+            <a:r>
+              <a:rPr sz="2000"/>
+              <a:t>with</a:t>
+            </a:r>
+            <a:r>
+              <a:rPr sz="2000"/>
+              <a:t> </a:t>
+            </a:r>
+            <a:r>
+              <a:rPr sz="2000"/>
+              <a:t>learners,</a:t>
+            </a:r>
+            <a:r>
+              <a:rPr sz="2000"/>
+              <a:t> </a:t>
+            </a:r>
+            <a:r>
+              <a:rPr sz="2000"/>
+              <a:t>and</a:t>
+            </a:r>
+            <a:r>
+              <a:rPr sz="2000"/>
+              <a:t> </a:t>
+            </a:r>
+            <a:r>
+              <a:rPr sz="2000"/>
+              <a:t>project</a:t>
+            </a:r>
+            <a:r>
+              <a:rPr sz="2000"/>
+              <a:t> </a:t>
+            </a:r>
+            <a:r>
+              <a:rPr sz="2000"/>
+              <a:t>the</a:t>
+            </a:r>
+            <a:r>
+              <a:rPr sz="2000"/>
+              <a:t> </a:t>
+            </a:r>
+            <a:r>
+              <a:rPr sz="2000"/>
+              <a:t>results</a:t>
+            </a:r>
+            <a:r>
+              <a:rPr sz="2000"/>
+              <a:t> </a:t>
+            </a:r>
+            <a:r>
+              <a:rPr sz="2000"/>
+              <a:t>so</a:t>
+            </a:r>
+            <a:r>
+              <a:rPr sz="2000"/>
+              <a:t> </a:t>
+            </a:r>
+            <a:r>
+              <a:rPr sz="2000"/>
+              <a:t>everyone</a:t>
+            </a:r>
+            <a:r>
+              <a:rPr sz="2000"/>
+              <a:t> </a:t>
+            </a:r>
+            <a:r>
+              <a:rPr sz="2000"/>
+              <a:t>can</a:t>
+            </a:r>
+            <a:r>
+              <a:rPr sz="2000"/>
+              <a:t> </a:t>
+            </a:r>
+            <a:r>
+              <a:rPr sz="2000"/>
+              <a:t>see</a:t>
+            </a:r>
+            <a:r>
+              <a:rPr sz="2000"/>
+              <a:t> </a:t>
+            </a:r>
+            <a:r>
+              <a:rPr sz="2000"/>
+              <a:t>what</a:t>
+            </a:r>
+            <a:r>
+              <a:rPr sz="2000"/>
+              <a:t> </a:t>
+            </a:r>
+            <a:r>
+              <a:rPr sz="2000"/>
+              <a:t>you’re</a:t>
+            </a:r>
+            <a:r>
+              <a:rPr sz="2000"/>
+              <a:t> </a:t>
+            </a:r>
+            <a:r>
+              <a:rPr sz="2000"/>
+              <a:t>doing.</a:t>
+            </a:r>
+          </a:p>
+          <a:p>
             <a:pPr lvl="0" marL="0" indent="0">
               <a:buNone/>
             </a:pPr>
-            <a:r>
-              <a:rPr/>
-              <a:t>[5</a:t>
-            </a:r>
-            <a:r>
-              <a:rPr/>
-              <a:t> </a:t>
-            </a:r>
-            <a:r>
-              <a:rPr/>
-              <a:t>mins]</a:t>
+          </a:p>
+          <a:p>
+            <a:pPr lvl="1"/>
+            <a:r>
+              <a:rPr/>
+              <a:t>Start</a:t>
+            </a:r>
+            <a:r>
+              <a:rPr/>
+              <a:t> </a:t>
+            </a:r>
+            <a:r>
+              <a:rPr/>
+              <a:t>the</a:t>
+            </a:r>
+            <a:r>
+              <a:rPr/>
+              <a:t> </a:t>
+            </a:r>
+            <a:r>
+              <a:rPr/>
+              <a:t>file</a:t>
+            </a:r>
+            <a:r>
+              <a:rPr/>
+              <a:t> </a:t>
+            </a:r>
+            <a:r>
+              <a:rPr/>
+              <a:t>with</a:t>
+            </a:r>
+            <a:r>
+              <a:rPr/>
+              <a:t> </a:t>
+            </a:r>
+            <a:r>
+              <a:rPr/>
+              <a:t>a</a:t>
+            </a:r>
+            <a:r>
+              <a:rPr/>
+              <a:t> </a:t>
+            </a:r>
+            <a:r>
+              <a:rPr/>
+              <a:t>doctype</a:t>
+            </a:r>
+            <a:r>
+              <a:rPr/>
+              <a:t> </a:t>
+            </a:r>
+            <a:r>
+              <a:rPr/>
+              <a:t>tag–</a:t>
+            </a:r>
+            <a:r>
+              <a:rPr/>
+              <a:t> </a:t>
+            </a:r>
+            <a:r>
+              <a:rPr/>
+              <a:t>this</a:t>
+            </a:r>
+            <a:r>
+              <a:rPr/>
+              <a:t> </a:t>
+            </a:r>
+            <a:r>
+              <a:rPr/>
+              <a:t>is</a:t>
+            </a:r>
+            <a:r>
+              <a:rPr/>
+              <a:t> </a:t>
+            </a:r>
+            <a:r>
+              <a:rPr/>
+              <a:t>one</a:t>
+            </a:r>
+            <a:r>
+              <a:rPr/>
+              <a:t> </a:t>
+            </a:r>
+            <a:r>
+              <a:rPr/>
+              <a:t>of</a:t>
+            </a:r>
+            <a:r>
+              <a:rPr/>
+              <a:t> </a:t>
+            </a:r>
+            <a:r>
+              <a:rPr/>
+              <a:t>the</a:t>
+            </a:r>
+            <a:r>
+              <a:rPr/>
+              <a:t> </a:t>
+            </a:r>
+            <a:r>
+              <a:rPr/>
+              <a:t>only</a:t>
+            </a:r>
+            <a:r>
+              <a:rPr/>
+              <a:t> </a:t>
+            </a:r>
+            <a:r>
+              <a:rPr/>
+              <a:t>tags</a:t>
+            </a:r>
+            <a:r>
+              <a:rPr/>
+              <a:t> </a:t>
+            </a:r>
+            <a:r>
+              <a:rPr/>
+              <a:t>that</a:t>
+            </a:r>
+            <a:r>
+              <a:rPr/>
+              <a:t> </a:t>
+            </a:r>
+            <a:r>
+              <a:rPr/>
+              <a:t>doesn’t</a:t>
+            </a:r>
+            <a:r>
+              <a:rPr/>
+              <a:t> </a:t>
+            </a:r>
+            <a:r>
+              <a:rPr/>
+              <a:t>have</a:t>
+            </a:r>
+            <a:r>
+              <a:rPr/>
+              <a:t> </a:t>
+            </a:r>
+            <a:r>
+              <a:rPr/>
+              <a:t>content</a:t>
+            </a:r>
+            <a:r>
+              <a:rPr/>
+              <a:t> </a:t>
+            </a:r>
+            <a:r>
+              <a:rPr/>
+              <a:t>inside,</a:t>
+            </a:r>
+            <a:r>
+              <a:rPr/>
+              <a:t> </a:t>
+            </a:r>
+            <a:r>
+              <a:rPr/>
+              <a:t>and</a:t>
+            </a:r>
+            <a:r>
+              <a:rPr/>
+              <a:t> </a:t>
+            </a:r>
+            <a:r>
+              <a:rPr/>
+              <a:t>no</a:t>
+            </a:r>
+            <a:r>
+              <a:rPr/>
+              <a:t> </a:t>
+            </a:r>
+            <a:r>
+              <a:rPr/>
+              <a:t>closing</a:t>
+            </a:r>
+            <a:r>
+              <a:rPr/>
+              <a:t> </a:t>
+            </a:r>
+            <a:r>
+              <a:rPr/>
+              <a:t>tag–</a:t>
+            </a:r>
+            <a:r>
+              <a:rPr/>
+              <a:t> </a:t>
+            </a:r>
+            <a:r>
+              <a:rPr/>
+              <a:t>it’s</a:t>
+            </a:r>
+            <a:r>
+              <a:rPr/>
+              <a:t> </a:t>
+            </a:r>
+            <a:r>
+              <a:rPr/>
+              <a:t>a</a:t>
+            </a:r>
+            <a:r>
+              <a:rPr/>
+              <a:t> </a:t>
+            </a:r>
+            <a:r>
+              <a:rPr/>
+              <a:t>lonely</a:t>
+            </a:r>
+            <a:r>
+              <a:rPr/>
+              <a:t> </a:t>
+            </a:r>
+            <a:r>
+              <a:rPr/>
+              <a:t>single</a:t>
+            </a:r>
+            <a:r>
+              <a:rPr/>
+              <a:t> </a:t>
+            </a:r>
+            <a:r>
+              <a:rPr/>
+              <a:t>tag,</a:t>
+            </a:r>
+            <a:r>
+              <a:rPr/>
+              <a:t> </a:t>
+            </a:r>
+            <a:r>
+              <a:rPr/>
+              <a:t>reminding</a:t>
+            </a:r>
+            <a:r>
+              <a:rPr/>
+              <a:t> </a:t>
+            </a:r>
+            <a:r>
+              <a:rPr/>
+              <a:t>the</a:t>
+            </a:r>
+            <a:r>
+              <a:rPr/>
+              <a:t> </a:t>
+            </a:r>
+            <a:r>
+              <a:rPr/>
+              <a:t>browser,</a:t>
+            </a:r>
+            <a:r>
+              <a:rPr/>
+              <a:t> </a:t>
+            </a:r>
+            <a:r>
+              <a:rPr/>
+              <a:t>again</a:t>
+            </a:r>
+            <a:r>
+              <a:rPr/>
+              <a:t> </a:t>
+            </a:r>
+            <a:r>
+              <a:rPr/>
+              <a:t>that</a:t>
+            </a:r>
+            <a:r>
+              <a:rPr/>
+              <a:t> </a:t>
+            </a:r>
+            <a:r>
+              <a:rPr/>
+              <a:t>we’re</a:t>
+            </a:r>
+            <a:r>
+              <a:rPr/>
+              <a:t> </a:t>
+            </a:r>
+            <a:r>
+              <a:rPr/>
+              <a:t>writing</a:t>
+            </a:r>
+            <a:r>
+              <a:rPr/>
+              <a:t> </a:t>
+            </a:r>
+            <a:r>
+              <a:rPr/>
+              <a:t>html&lt;!DOCTYPE</a:t>
+            </a:r>
+            <a:r>
+              <a:rPr/>
+              <a:t> </a:t>
+            </a:r>
+            <a:r>
+              <a:rPr/>
+              <a:t>html&gt;</a:t>
             </a:r>
           </a:p>
           <a:p>
@@ -7386,55 +9633,171 @@
             <a:pPr lvl="1"/>
             <a:r>
               <a:rPr/>
-              <a:t>What</a:t>
-            </a:r>
-            <a:r>
-              <a:rPr/>
-              <a:t> </a:t>
-            </a:r>
-            <a:r>
-              <a:rPr/>
-              <a:t>did</a:t>
-            </a:r>
-            <a:r>
-              <a:rPr/>
-              <a:t> </a:t>
-            </a:r>
-            <a:r>
-              <a:rPr/>
-              <a:t>you</a:t>
-            </a:r>
-            <a:r>
-              <a:rPr/>
-              <a:t> </a:t>
-            </a:r>
-            <a:r>
-              <a:rPr/>
-              <a:t>like</a:t>
-            </a:r>
-            <a:r>
-              <a:rPr/>
-              <a:t> </a:t>
-            </a:r>
-            <a:r>
-              <a:rPr/>
-              <a:t>about</a:t>
-            </a:r>
-            <a:r>
-              <a:rPr/>
-              <a:t> </a:t>
-            </a:r>
-            <a:r>
-              <a:rPr/>
-              <a:t>this</a:t>
-            </a:r>
-            <a:r>
-              <a:rPr/>
-              <a:t> </a:t>
-            </a:r>
-            <a:r>
-              <a:rPr/>
-              <a:t>activity?</a:t>
+              <a:t>Add</a:t>
+            </a:r>
+            <a:r>
+              <a:rPr/>
+              <a:t> </a:t>
+            </a:r>
+            <a:r>
+              <a:rPr/>
+              <a:t>an</a:t>
+            </a:r>
+            <a:r>
+              <a:rPr/>
+              <a:t> </a:t>
+            </a:r>
+            <a:r>
+              <a:rPr>
+                <a:latin typeface="Courier"/>
+              </a:rPr>
+              <a:t>&lt;html&gt;</a:t>
+            </a:r>
+            <a:r>
+              <a:rPr/>
+              <a:t> </a:t>
+            </a:r>
+            <a:r>
+              <a:rPr/>
+              <a:t>and</a:t>
+            </a:r>
+            <a:r>
+              <a:rPr/>
+              <a:t> </a:t>
+            </a:r>
+            <a:r>
+              <a:rPr>
+                <a:latin typeface="Courier"/>
+              </a:rPr>
+              <a:t>&lt;/html&gt;</a:t>
+            </a:r>
+            <a:r>
+              <a:rPr/>
+              <a:t> </a:t>
+            </a:r>
+            <a:r>
+              <a:rPr/>
+              <a:t>tags</a:t>
+            </a:r>
+            <a:r>
+              <a:rPr/>
+              <a:t> </a:t>
+            </a:r>
+            <a:r>
+              <a:rPr/>
+              <a:t>that</a:t>
+            </a:r>
+            <a:r>
+              <a:rPr/>
+              <a:t> </a:t>
+            </a:r>
+            <a:r>
+              <a:rPr/>
+              <a:t>wrap</a:t>
+            </a:r>
+            <a:r>
+              <a:rPr/>
+              <a:t> </a:t>
+            </a:r>
+            <a:r>
+              <a:rPr/>
+              <a:t>around</a:t>
+            </a:r>
+            <a:r>
+              <a:rPr/>
+              <a:t> </a:t>
+            </a:r>
+            <a:r>
+              <a:rPr/>
+              <a:t>the</a:t>
+            </a:r>
+            <a:r>
+              <a:rPr/>
+              <a:t> </a:t>
+            </a:r>
+            <a:r>
+              <a:rPr/>
+              <a:t>ENTIRE</a:t>
+            </a:r>
+            <a:r>
+              <a:rPr/>
+              <a:t> </a:t>
+            </a:r>
+            <a:r>
+              <a:rPr/>
+              <a:t>page–</a:t>
+            </a:r>
+            <a:r>
+              <a:rPr/>
+              <a:t> </a:t>
+            </a:r>
+            <a:r>
+              <a:rPr/>
+              <a:t>so</a:t>
+            </a:r>
+            <a:r>
+              <a:rPr/>
+              <a:t> </a:t>
+            </a:r>
+            <a:r>
+              <a:rPr/>
+              <a:t>everything</a:t>
+            </a:r>
+            <a:r>
+              <a:rPr/>
+              <a:t> </a:t>
+            </a:r>
+            <a:r>
+              <a:rPr/>
+              <a:t>inside</a:t>
+            </a:r>
+            <a:r>
+              <a:rPr/>
+              <a:t> </a:t>
+            </a:r>
+            <a:r>
+              <a:rPr/>
+              <a:t>can</a:t>
+            </a:r>
+            <a:r>
+              <a:rPr/>
+              <a:t> </a:t>
+            </a:r>
+            <a:r>
+              <a:rPr/>
+              <a:t>get</a:t>
+            </a:r>
+            <a:r>
+              <a:rPr/>
+              <a:t> </a:t>
+            </a:r>
+            <a:r>
+              <a:rPr/>
+              <a:t>tagged</a:t>
+            </a:r>
+            <a:r>
+              <a:rPr/>
+              <a:t> </a:t>
+            </a:r>
+            <a:r>
+              <a:rPr/>
+              <a:t>with</a:t>
+            </a:r>
+            <a:r>
+              <a:rPr/>
+              <a:t> </a:t>
+            </a:r>
+            <a:r>
+              <a:rPr/>
+              <a:t>markup</a:t>
+            </a:r>
+            <a:r>
+              <a:rPr/>
+              <a:t> </a:t>
+            </a:r>
+            <a:r>
+              <a:rPr/>
+              <a:t>language.</a:t>
             </a:r>
           </a:p>
           <a:p>
@@ -7446,55 +9809,23 @@
             <a:pPr lvl="1"/>
             <a:r>
               <a:rPr/>
-              <a:t>If</a:t>
-            </a:r>
-            <a:r>
-              <a:rPr/>
-              <a:t> </a:t>
-            </a:r>
-            <a:r>
-              <a:rPr/>
-              <a:t>you</a:t>
-            </a:r>
-            <a:r>
-              <a:rPr/>
-              <a:t> </a:t>
-            </a:r>
-            <a:r>
-              <a:rPr/>
-              <a:t>might</a:t>
-            </a:r>
-            <a:r>
-              <a:rPr/>
-              <a:t> </a:t>
-            </a:r>
-            <a:r>
-              <a:rPr/>
-              <a:t>teach</a:t>
-            </a:r>
-            <a:r>
-              <a:rPr/>
-              <a:t> </a:t>
-            </a:r>
-            <a:r>
-              <a:rPr/>
-              <a:t>this</a:t>
-            </a:r>
-            <a:r>
-              <a:rPr/>
-              <a:t> </a:t>
-            </a:r>
-            <a:r>
-              <a:rPr/>
-              <a:t>activity</a:t>
-            </a:r>
-            <a:r>
-              <a:rPr/>
-              <a:t> </a:t>
-            </a:r>
-            <a:r>
-              <a:rPr/>
-              <a:t>to</a:t>
+              <a:t>After</a:t>
+            </a:r>
+            <a:r>
+              <a:rPr/>
+              <a:t> </a:t>
+            </a:r>
+            <a:r>
+              <a:rPr/>
+              <a:t>this,</a:t>
+            </a:r>
+            <a:r>
+              <a:rPr/>
+              <a:t> </a:t>
+            </a:r>
+            <a:r>
+              <a:rPr/>
+              <a:t>make</a:t>
             </a:r>
             <a:r>
               <a:rPr/>
@@ -7510,55 +9841,73 @@
             </a:r>
             <a:r>
               <a:rPr/>
-              <a:t>particular</a:t>
-            </a:r>
-            <a:r>
-              <a:rPr/>
-              <a:t> </a:t>
-            </a:r>
-            <a:r>
-              <a:rPr/>
-              <a:t>audience,</a:t>
-            </a:r>
-            <a:r>
-              <a:rPr/>
-              <a:t> </a:t>
-            </a:r>
-            <a:r>
-              <a:rPr/>
-              <a:t>what</a:t>
-            </a:r>
-            <a:r>
-              <a:rPr/>
-              <a:t> </a:t>
-            </a:r>
-            <a:r>
-              <a:rPr/>
-              <a:t>might</a:t>
-            </a:r>
-            <a:r>
-              <a:rPr/>
-              <a:t> </a:t>
-            </a:r>
-            <a:r>
-              <a:rPr/>
-              <a:t>you</a:t>
-            </a:r>
-            <a:r>
-              <a:rPr/>
-              <a:t> </a:t>
-            </a:r>
-            <a:r>
-              <a:rPr/>
-              <a:t>change</a:t>
-            </a:r>
-            <a:r>
-              <a:rPr/>
-              <a:t> </a:t>
-            </a:r>
-            <a:r>
-              <a:rPr/>
-              <a:t>about</a:t>
+              <a:t>section</a:t>
+            </a:r>
+            <a:r>
+              <a:rPr/>
+              <a:t> </a:t>
+            </a:r>
+            <a:r>
+              <a:rPr/>
+              <a:t>with</a:t>
+            </a:r>
+            <a:r>
+              <a:rPr/>
+              <a:t> </a:t>
+            </a:r>
+            <a:r>
+              <a:rPr/>
+              <a:t>a</a:t>
+            </a:r>
+            <a:r>
+              <a:rPr/>
+              <a:t> </a:t>
+            </a:r>
+            <a:r>
+              <a:rPr/>
+              <a:t>set</a:t>
+            </a:r>
+            <a:r>
+              <a:rPr/>
+              <a:t> </a:t>
+            </a:r>
+            <a:r>
+              <a:rPr/>
+              <a:t>of</a:t>
+            </a:r>
+            <a:r>
+              <a:rPr/>
+              <a:t> </a:t>
+            </a:r>
+            <a:r>
+              <a:rPr/>
+              <a:t>tags</a:t>
+            </a:r>
+            <a:r>
+              <a:rPr/>
+              <a:t> </a:t>
+            </a:r>
+            <a:r>
+              <a:rPr/>
+              <a:t>called</a:t>
+            </a:r>
+            <a:r>
+              <a:rPr/>
+              <a:t> </a:t>
+            </a:r>
+            <a:r>
+              <a:rPr>
+                <a:latin typeface="Courier"/>
+              </a:rPr>
+              <a:t>&lt;head&gt; &lt;/head&gt;</a:t>
+            </a:r>
+            <a:r>
+              <a:rPr/>
+              <a:t> </a:t>
+            </a:r>
+            <a:r>
+              <a:rPr/>
+              <a:t>at</a:t>
             </a:r>
             <a:r>
               <a:rPr/>
@@ -7574,23 +9923,111 @@
             </a:r>
             <a:r>
               <a:rPr/>
-              <a:t>process,</a:t>
-            </a:r>
-            <a:r>
-              <a:rPr/>
-              <a:t> </a:t>
-            </a:r>
-            <a:r>
-              <a:rPr/>
-              <a:t>structure,</a:t>
-            </a:r>
-            <a:r>
-              <a:rPr/>
-              <a:t> </a:t>
-            </a:r>
-            <a:r>
-              <a:rPr/>
-              <a:t>or</a:t>
+              <a:t>top</a:t>
+            </a:r>
+            <a:r>
+              <a:rPr/>
+              <a:t> </a:t>
+            </a:r>
+            <a:r>
+              <a:rPr/>
+              <a:t>of</a:t>
+            </a:r>
+            <a:r>
+              <a:rPr/>
+              <a:t> </a:t>
+            </a:r>
+            <a:r>
+              <a:rPr/>
+              <a:t>the</a:t>
+            </a:r>
+            <a:r>
+              <a:rPr/>
+              <a:t> </a:t>
+            </a:r>
+            <a:r>
+              <a:rPr/>
+              <a:t>page,</a:t>
+            </a:r>
+            <a:r>
+              <a:rPr/>
+              <a:t> </a:t>
+            </a:r>
+            <a:r>
+              <a:rPr/>
+              <a:t>before</a:t>
+            </a:r>
+            <a:r>
+              <a:rPr/>
+              <a:t> </a:t>
+            </a:r>
+            <a:r>
+              <a:rPr/>
+              <a:t>all</a:t>
+            </a:r>
+            <a:r>
+              <a:rPr/>
+              <a:t> </a:t>
+            </a:r>
+            <a:r>
+              <a:rPr/>
+              <a:t>your</a:t>
+            </a:r>
+            <a:r>
+              <a:rPr/>
+              <a:t> </a:t>
+            </a:r>
+            <a:r>
+              <a:rPr/>
+              <a:t>written</a:t>
+            </a:r>
+            <a:r>
+              <a:rPr/>
+              <a:t> </a:t>
+            </a:r>
+            <a:r>
+              <a:rPr/>
+              <a:t>content.</a:t>
+            </a:r>
+            <a:r>
+              <a:rPr/>
+              <a:t> </a:t>
+            </a:r>
+            <a:r>
+              <a:rPr/>
+              <a:t>We’ll</a:t>
+            </a:r>
+            <a:r>
+              <a:rPr/>
+              <a:t> </a:t>
+            </a:r>
+            <a:r>
+              <a:rPr/>
+              <a:t>put</a:t>
+            </a:r>
+            <a:r>
+              <a:rPr/>
+              <a:t> </a:t>
+            </a:r>
+            <a:r>
+              <a:rPr/>
+              <a:t>one</a:t>
+            </a:r>
+            <a:r>
+              <a:rPr/>
+              <a:t> </a:t>
+            </a:r>
+            <a:r>
+              <a:rPr/>
+              <a:t>bit</a:t>
+            </a:r>
+            <a:r>
+              <a:rPr/>
+              <a:t> </a:t>
+            </a:r>
+            <a:r>
+              <a:rPr/>
+              <a:t>of</a:t>
             </a:r>
             <a:r>
               <a:rPr/>
@@ -7606,23 +10043,23 @@
             </a:r>
             <a:r>
               <a:rPr/>
-              <a:t>to</a:t>
-            </a:r>
-            <a:r>
-              <a:rPr/>
-              <a:t> </a:t>
-            </a:r>
-            <a:r>
-              <a:rPr/>
-              <a:t>better</a:t>
-            </a:r>
-            <a:r>
-              <a:rPr/>
-              <a:t> </a:t>
-            </a:r>
-            <a:r>
-              <a:rPr/>
-              <a:t>meet</a:t>
+              <a:t>in</a:t>
+            </a:r>
+            <a:r>
+              <a:rPr/>
+              <a:t> </a:t>
+            </a:r>
+            <a:r>
+              <a:rPr/>
+              <a:t>here</a:t>
+            </a:r>
+            <a:r>
+              <a:rPr/>
+              <a:t> </a:t>
+            </a:r>
+            <a:r>
+              <a:rPr/>
+              <a:t>for</a:t>
             </a:r>
             <a:r>
               <a:rPr/>
@@ -7638,31 +10075,143 @@
             </a:r>
             <a:r>
               <a:rPr/>
-              <a:t>needs</a:t>
-            </a:r>
-            <a:r>
-              <a:rPr/>
-              <a:t> </a:t>
-            </a:r>
-            <a:r>
-              <a:rPr/>
-              <a:t>of</a:t>
-            </a:r>
-            <a:r>
-              <a:rPr/>
-              <a:t> </a:t>
-            </a:r>
-            <a:r>
-              <a:rPr/>
-              <a:t>that</a:t>
-            </a:r>
-            <a:r>
-              <a:rPr/>
-              <a:t> </a:t>
-            </a:r>
-            <a:r>
-              <a:rPr/>
-              <a:t>audience?</a:t>
+              <a:t>browser,</a:t>
+            </a:r>
+            <a:r>
+              <a:rPr/>
+              <a:t> </a:t>
+            </a:r>
+            <a:r>
+              <a:rPr/>
+              <a:t>but</a:t>
+            </a:r>
+            <a:r>
+              <a:rPr/>
+              <a:t> </a:t>
+            </a:r>
+            <a:r>
+              <a:rPr/>
+              <a:t>we</a:t>
+            </a:r>
+            <a:r>
+              <a:rPr/>
+              <a:t> </a:t>
+            </a:r>
+            <a:r>
+              <a:rPr/>
+              <a:t>won’t</a:t>
+            </a:r>
+            <a:r>
+              <a:rPr/>
+              <a:t> </a:t>
+            </a:r>
+            <a:r>
+              <a:rPr/>
+              <a:t>see</a:t>
+            </a:r>
+            <a:r>
+              <a:rPr/>
+              <a:t> </a:t>
+            </a:r>
+            <a:r>
+              <a:rPr/>
+              <a:t>it</a:t>
+            </a:r>
+            <a:r>
+              <a:rPr/>
+              <a:t> </a:t>
+            </a:r>
+            <a:r>
+              <a:rPr/>
+              <a:t>appear</a:t>
+            </a:r>
+            <a:r>
+              <a:rPr/>
+              <a:t> </a:t>
+            </a:r>
+            <a:r>
+              <a:rPr/>
+              <a:t>on</a:t>
+            </a:r>
+            <a:r>
+              <a:rPr/>
+              <a:t> </a:t>
+            </a:r>
+            <a:r>
+              <a:rPr/>
+              <a:t>the</a:t>
+            </a:r>
+            <a:r>
+              <a:rPr/>
+              <a:t> </a:t>
+            </a:r>
+            <a:r>
+              <a:rPr/>
+              <a:t>main</a:t>
+            </a:r>
+            <a:r>
+              <a:rPr/>
+              <a:t> </a:t>
+            </a:r>
+            <a:r>
+              <a:rPr/>
+              <a:t>page</a:t>
+            </a:r>
+            <a:r>
+              <a:rPr/>
+              <a:t> </a:t>
+            </a:r>
+            <a:r>
+              <a:rPr/>
+              <a:t>itself.</a:t>
+            </a:r>
+            <a:r>
+              <a:rPr/>
+              <a:t> </a:t>
+            </a:r>
+            <a:r>
+              <a:rPr/>
+              <a:t>This</a:t>
+            </a:r>
+            <a:r>
+              <a:rPr/>
+              <a:t> </a:t>
+            </a:r>
+            <a:r>
+              <a:rPr/>
+              <a:t>is</a:t>
+            </a:r>
+            <a:r>
+              <a:rPr/>
+              <a:t> </a:t>
+            </a:r>
+            <a:r>
+              <a:rPr/>
+              <a:t>the</a:t>
+            </a:r>
+            <a:r>
+              <a:rPr/>
+              <a:t> </a:t>
+            </a:r>
+            <a:r>
+              <a:rPr/>
+              <a:t>page</a:t>
+            </a:r>
+            <a:r>
+              <a:rPr/>
+              <a:t> </a:t>
+            </a:r>
+            <a:r>
+              <a:rPr/>
+              <a:t>title,</a:t>
+            </a:r>
+            <a:r>
+              <a:rPr/>
+              <a:t> </a:t>
+            </a:r>
+            <a:r>
+              <a:rPr/>
+              <a:t>which:</a:t>
             </a:r>
           </a:p>
           <a:p>
@@ -7671,39 +10220,58 @@
             </a:pPr>
           </a:p>
           <a:p>
-            <a:pPr lvl="0" marL="0" indent="0">
-              <a:spcBef>
-                <a:spcPts val="3000"/>
-              </a:spcBef>
-              <a:buNone/>
-            </a:pPr>
-            <a:r>
-              <a:rPr b="1"/>
-              <a:t>Feedback</a:t>
-            </a:r>
-            <a:r>
-              <a:rPr b="1"/>
-              <a:t> </a:t>
-            </a:r>
-            <a:r>
-              <a:rPr b="1"/>
-              <a:t>on</a:t>
-            </a:r>
-            <a:r>
-              <a:rPr b="1"/>
-              <a:t> </a:t>
-            </a:r>
-            <a:r>
-              <a:rPr b="1"/>
-              <a:t>Core</a:t>
-            </a:r>
-            <a:r>
-              <a:rPr b="1"/>
-              <a:t> </a:t>
-            </a:r>
-            <a:r>
-              <a:rPr b="1"/>
-              <a:t>Curriculum</a:t>
+            <a:pPr lvl="2"/>
+            <a:r>
+              <a:rPr/>
+              <a:t>defines</a:t>
+            </a:r>
+            <a:r>
+              <a:rPr/>
+              <a:t> </a:t>
+            </a:r>
+            <a:r>
+              <a:rPr/>
+              <a:t>a</a:t>
+            </a:r>
+            <a:r>
+              <a:rPr/>
+              <a:t> </a:t>
+            </a:r>
+            <a:r>
+              <a:rPr/>
+              <a:t>title</a:t>
+            </a:r>
+            <a:r>
+              <a:rPr/>
+              <a:t> </a:t>
+            </a:r>
+            <a:r>
+              <a:rPr/>
+              <a:t>in</a:t>
+            </a:r>
+            <a:r>
+              <a:rPr/>
+              <a:t> </a:t>
+            </a:r>
+            <a:r>
+              <a:rPr/>
+              <a:t>the</a:t>
+            </a:r>
+            <a:r>
+              <a:rPr/>
+              <a:t> </a:t>
+            </a:r>
+            <a:r>
+              <a:rPr/>
+              <a:t>browser</a:t>
+            </a:r>
+            <a:r>
+              <a:rPr/>
+              <a:t> </a:t>
+            </a:r>
+            <a:r>
+              <a:rPr/>
+              <a:t>tab</a:t>
             </a:r>
           </a:p>
           <a:p>
@@ -7712,18 +10280,2508 @@
             </a:pPr>
           </a:p>
           <a:p>
+            <a:pPr lvl="2"/>
+            <a:r>
+              <a:rPr/>
+              <a:t>provides</a:t>
+            </a:r>
+            <a:r>
+              <a:rPr/>
+              <a:t> </a:t>
+            </a:r>
+            <a:r>
+              <a:rPr/>
+              <a:t>a</a:t>
+            </a:r>
+            <a:r>
+              <a:rPr/>
+              <a:t> </a:t>
+            </a:r>
+            <a:r>
+              <a:rPr/>
+              <a:t>title</a:t>
+            </a:r>
+            <a:r>
+              <a:rPr/>
+              <a:t> </a:t>
+            </a:r>
+            <a:r>
+              <a:rPr/>
+              <a:t>for</a:t>
+            </a:r>
+            <a:r>
+              <a:rPr/>
+              <a:t> </a:t>
+            </a:r>
+            <a:r>
+              <a:rPr/>
+              <a:t>the</a:t>
+            </a:r>
+            <a:r>
+              <a:rPr/>
+              <a:t> </a:t>
+            </a:r>
+            <a:r>
+              <a:rPr/>
+              <a:t>page</a:t>
+            </a:r>
+            <a:r>
+              <a:rPr/>
+              <a:t> </a:t>
+            </a:r>
+            <a:r>
+              <a:rPr/>
+              <a:t>when</a:t>
+            </a:r>
+            <a:r>
+              <a:rPr/>
+              <a:t> </a:t>
+            </a:r>
+            <a:r>
+              <a:rPr/>
+              <a:t>it</a:t>
+            </a:r>
+            <a:r>
+              <a:rPr/>
+              <a:t> </a:t>
+            </a:r>
+            <a:r>
+              <a:rPr/>
+              <a:t>is</a:t>
+            </a:r>
+            <a:r>
+              <a:rPr/>
+              <a:t> </a:t>
+            </a:r>
+            <a:r>
+              <a:rPr/>
+              <a:t>added</a:t>
+            </a:r>
+            <a:r>
+              <a:rPr/>
+              <a:t> </a:t>
+            </a:r>
+            <a:r>
+              <a:rPr/>
+              <a:t>to</a:t>
+            </a:r>
+            <a:r>
+              <a:rPr/>
+              <a:t> </a:t>
+            </a:r>
+            <a:r>
+              <a:rPr/>
+              <a:t>favorites</a:t>
+            </a:r>
+          </a:p>
+          <a:p>
+            <a:pPr lvl="0" marL="0" indent="0">
+              <a:buNone/>
+            </a:pPr>
+          </a:p>
+          <a:p>
+            <a:pPr lvl="2"/>
+            <a:r>
+              <a:rPr/>
+              <a:t>displays</a:t>
+            </a:r>
+            <a:r>
+              <a:rPr/>
+              <a:t> </a:t>
+            </a:r>
+            <a:r>
+              <a:rPr/>
+              <a:t>a</a:t>
+            </a:r>
+            <a:r>
+              <a:rPr/>
+              <a:t> </a:t>
+            </a:r>
+            <a:r>
+              <a:rPr/>
+              <a:t>title</a:t>
+            </a:r>
+            <a:r>
+              <a:rPr/>
+              <a:t> </a:t>
+            </a:r>
+            <a:r>
+              <a:rPr/>
+              <a:t>for</a:t>
+            </a:r>
+            <a:r>
+              <a:rPr/>
+              <a:t> </a:t>
+            </a:r>
+            <a:r>
+              <a:rPr/>
+              <a:t>the</a:t>
+            </a:r>
+            <a:r>
+              <a:rPr/>
+              <a:t> </a:t>
+            </a:r>
+            <a:r>
+              <a:rPr/>
+              <a:t>page</a:t>
+            </a:r>
+            <a:r>
+              <a:rPr/>
+              <a:t> </a:t>
+            </a:r>
+            <a:r>
+              <a:rPr/>
+              <a:t>in</a:t>
+            </a:r>
+            <a:r>
+              <a:rPr/>
+              <a:t> </a:t>
+            </a:r>
+            <a:r>
+              <a:rPr/>
+              <a:t>search</a:t>
+            </a:r>
+            <a:r>
+              <a:rPr/>
+              <a:t> </a:t>
+            </a:r>
+            <a:r>
+              <a:rPr/>
+              <a:t>engine</a:t>
+            </a:r>
+            <a:r>
+              <a:rPr/>
+              <a:t> </a:t>
+            </a:r>
+            <a:r>
+              <a:rPr/>
+              <a:t>results.</a:t>
+            </a:r>
+          </a:p>
+          <a:p>
+            <a:pPr lvl="0" marL="0" indent="0">
+              <a:buNone/>
+            </a:pPr>
+          </a:p>
+          <a:p>
             <a:pPr lvl="1"/>
             <a:r>
               <a:rPr/>
-              <a:t>Tell</a:t>
-            </a:r>
-            <a:r>
-              <a:rPr/>
-              <a:t> </a:t>
-            </a:r>
-            <a:r>
-              <a:rPr/>
-              <a:t>us</a:t>
+              <a:t>Next,</a:t>
+            </a:r>
+            <a:r>
+              <a:rPr/>
+              <a:t> </a:t>
+            </a:r>
+            <a:r>
+              <a:rPr/>
+              <a:t>add</a:t>
+            </a:r>
+            <a:r>
+              <a:rPr/>
+              <a:t> </a:t>
+            </a:r>
+            <a:r>
+              <a:rPr/>
+              <a:t>the</a:t>
+            </a:r>
+            <a:r>
+              <a:rPr/>
+              <a:t> </a:t>
+            </a:r>
+            <a:r>
+              <a:rPr/>
+              <a:t>tags–</a:t>
+            </a:r>
+            <a:r>
+              <a:rPr/>
+              <a:t> </a:t>
+            </a:r>
+            <a:r>
+              <a:rPr/>
+              <a:t>these</a:t>
+            </a:r>
+            <a:r>
+              <a:rPr/>
+              <a:t> </a:t>
+            </a:r>
+            <a:r>
+              <a:rPr/>
+              <a:t>should</a:t>
+            </a:r>
+            <a:r>
+              <a:rPr/>
+              <a:t> </a:t>
+            </a:r>
+            <a:r>
+              <a:rPr/>
+              <a:t>be</a:t>
+            </a:r>
+            <a:r>
+              <a:rPr/>
+              <a:t> </a:t>
+            </a:r>
+            <a:r>
+              <a:rPr/>
+              <a:t>around</a:t>
+            </a:r>
+            <a:r>
+              <a:rPr/>
+              <a:t> </a:t>
+            </a:r>
+            <a:r>
+              <a:rPr/>
+              <a:t>the</a:t>
+            </a:r>
+            <a:r>
+              <a:rPr/>
+              <a:t> </a:t>
+            </a:r>
+            <a:r>
+              <a:rPr/>
+              <a:t>entire</a:t>
+            </a:r>
+            <a:r>
+              <a:rPr/>
+              <a:t> </a:t>
+            </a:r>
+            <a:r>
+              <a:rPr/>
+              <a:t>text</a:t>
+            </a:r>
+            <a:r>
+              <a:rPr/>
+              <a:t> </a:t>
+            </a:r>
+            <a:r>
+              <a:rPr/>
+              <a:t>for</a:t>
+            </a:r>
+            <a:r>
+              <a:rPr/>
+              <a:t> </a:t>
+            </a:r>
+            <a:r>
+              <a:rPr/>
+              <a:t>the</a:t>
+            </a:r>
+            <a:r>
+              <a:rPr/>
+              <a:t> </a:t>
+            </a:r>
+            <a:r>
+              <a:rPr/>
+              <a:t>page.</a:t>
+            </a:r>
+          </a:p>
+          <a:p>
+            <a:pPr lvl="0" marL="0" indent="0">
+              <a:buNone/>
+            </a:pPr>
+          </a:p>
+          <a:p>
+            <a:pPr lvl="1"/>
+            <a:r>
+              <a:rPr/>
+              <a:t>Use</a:t>
+            </a:r>
+            <a:r>
+              <a:rPr/>
+              <a:t> </a:t>
+            </a:r>
+            <a:r>
+              <a:rPr/>
+              <a:t>h1</a:t>
+            </a:r>
+            <a:r>
+              <a:rPr/>
+              <a:t> </a:t>
+            </a:r>
+            <a:r>
+              <a:rPr/>
+              <a:t>for</a:t>
+            </a:r>
+            <a:r>
+              <a:rPr/>
+              <a:t> </a:t>
+            </a:r>
+            <a:r>
+              <a:rPr/>
+              <a:t>your</a:t>
+            </a:r>
+            <a:r>
+              <a:rPr/>
+              <a:t> </a:t>
+            </a:r>
+            <a:r>
+              <a:rPr/>
+              <a:t>page’s</a:t>
+            </a:r>
+            <a:r>
+              <a:rPr/>
+              <a:t> </a:t>
+            </a:r>
+            <a:r>
+              <a:rPr/>
+              <a:t>top</a:t>
+            </a:r>
+            <a:r>
+              <a:rPr/>
+              <a:t> </a:t>
+            </a:r>
+            <a:r>
+              <a:rPr/>
+              <a:t>headline,</a:t>
+            </a:r>
+            <a:r>
+              <a:rPr/>
+              <a:t> </a:t>
+            </a:r>
+            <a:r>
+              <a:rPr/>
+              <a:t>the</a:t>
+            </a:r>
+            <a:r>
+              <a:rPr/>
+              <a:t> </a:t>
+            </a:r>
+            <a:r>
+              <a:rPr/>
+              <a:t>on-screen</a:t>
+            </a:r>
+            <a:r>
+              <a:rPr/>
+              <a:t> </a:t>
+            </a:r>
+            <a:r>
+              <a:rPr/>
+              <a:t>title</a:t>
+            </a:r>
+            <a:r>
+              <a:rPr/>
+              <a:t> </a:t>
+            </a:r>
+            <a:r>
+              <a:rPr/>
+              <a:t>for</a:t>
+            </a:r>
+            <a:r>
+              <a:rPr/>
+              <a:t> </a:t>
+            </a:r>
+            <a:r>
+              <a:rPr/>
+              <a:t>your</a:t>
+            </a:r>
+            <a:r>
+              <a:rPr/>
+              <a:t> </a:t>
+            </a:r>
+            <a:r>
+              <a:rPr/>
+              <a:t>story</a:t>
+            </a:r>
+            <a:r>
+              <a:rPr/>
+              <a:t> </a:t>
+            </a:r>
+            <a:r>
+              <a:rPr/>
+              <a:t>(different</a:t>
+            </a:r>
+            <a:r>
+              <a:rPr/>
+              <a:t> </a:t>
+            </a:r>
+            <a:r>
+              <a:rPr/>
+              <a:t>from</a:t>
+            </a:r>
+            <a:r>
+              <a:rPr/>
+              <a:t> </a:t>
+            </a:r>
+            <a:r>
+              <a:rPr/>
+              <a:t>the</a:t>
+            </a:r>
+            <a:r>
+              <a:rPr/>
+              <a:t> </a:t>
+            </a:r>
+            <a:r>
+              <a:rPr/>
+              <a:t>title</a:t>
+            </a:r>
+            <a:r>
+              <a:rPr/>
+              <a:t> </a:t>
+            </a:r>
+            <a:r>
+              <a:rPr/>
+              <a:t>tag)</a:t>
+            </a:r>
+          </a:p>
+          <a:p>
+            <a:pPr lvl="0" marL="0" indent="0">
+              <a:buNone/>
+            </a:pPr>
+          </a:p>
+          <a:p>
+            <a:pPr lvl="1"/>
+            <a:r>
+              <a:rPr/>
+              <a:t>Use</a:t>
+            </a:r>
+            <a:r>
+              <a:rPr/>
+              <a:t> </a:t>
+            </a:r>
+            <a:r>
+              <a:rPr/>
+              <a:t>h2</a:t>
+            </a:r>
+            <a:r>
+              <a:rPr/>
+              <a:t> </a:t>
+            </a:r>
+            <a:r>
+              <a:rPr/>
+              <a:t>or</a:t>
+            </a:r>
+            <a:r>
+              <a:rPr/>
+              <a:t> </a:t>
+            </a:r>
+            <a:r>
+              <a:rPr/>
+              <a:t>h3</a:t>
+            </a:r>
+            <a:r>
+              <a:rPr/>
+              <a:t> </a:t>
+            </a:r>
+            <a:r>
+              <a:rPr/>
+              <a:t>tags</a:t>
+            </a:r>
+            <a:r>
+              <a:rPr/>
+              <a:t> </a:t>
+            </a:r>
+            <a:r>
+              <a:rPr/>
+              <a:t>for</a:t>
+            </a:r>
+            <a:r>
+              <a:rPr/>
+              <a:t> </a:t>
+            </a:r>
+            <a:r>
+              <a:rPr/>
+              <a:t>section</a:t>
+            </a:r>
+            <a:r>
+              <a:rPr/>
+              <a:t> </a:t>
+            </a:r>
+            <a:r>
+              <a:rPr/>
+              <a:t>headings</a:t>
+            </a:r>
+          </a:p>
+          <a:p>
+            <a:pPr lvl="0" marL="0" indent="0">
+              <a:buNone/>
+            </a:pPr>
+          </a:p>
+          <a:p>
+            <a:pPr lvl="1"/>
+            <a:r>
+              <a:rPr/>
+              <a:t>Use</a:t>
+            </a:r>
+            <a:r>
+              <a:rPr/>
+              <a:t> </a:t>
+            </a:r>
+            <a:r>
+              <a:rPr/>
+              <a:t>p</a:t>
+            </a:r>
+            <a:r>
+              <a:rPr/>
+              <a:t> </a:t>
+            </a:r>
+            <a:r>
+              <a:rPr/>
+              <a:t>tags</a:t>
+            </a:r>
+            <a:r>
+              <a:rPr/>
+              <a:t> </a:t>
+            </a:r>
+            <a:r>
+              <a:rPr/>
+              <a:t>for</a:t>
+            </a:r>
+            <a:r>
+              <a:rPr/>
+              <a:t> </a:t>
+            </a:r>
+            <a:r>
+              <a:rPr/>
+              <a:t>paragraphs</a:t>
+            </a:r>
+          </a:p>
+          <a:p>
+            <a:pPr lvl="0" marL="0" indent="0">
+              <a:buNone/>
+            </a:pPr>
+          </a:p>
+          <a:p>
+            <a:pPr lvl="1"/>
+            <a:r>
+              <a:rPr/>
+              <a:t>Don’t</a:t>
+            </a:r>
+            <a:r>
+              <a:rPr/>
+              <a:t> </a:t>
+            </a:r>
+            <a:r>
+              <a:rPr/>
+              <a:t>forget</a:t>
+            </a:r>
+            <a:r>
+              <a:rPr/>
+              <a:t> </a:t>
+            </a:r>
+            <a:r>
+              <a:rPr/>
+              <a:t>your</a:t>
+            </a:r>
+            <a:r>
+              <a:rPr/>
+              <a:t> </a:t>
+            </a:r>
+            <a:r>
+              <a:rPr/>
+              <a:t>closing</a:t>
+            </a:r>
+            <a:r>
+              <a:rPr/>
+              <a:t> </a:t>
+            </a:r>
+            <a:r>
+              <a:rPr/>
+              <a:t>tags!</a:t>
+            </a:r>
+          </a:p>
+          <a:p>
+            <a:pPr lvl="0" marL="0" indent="0">
+              <a:buNone/>
+            </a:pPr>
+          </a:p>
+          <a:p>
+            <a:pPr lvl="1"/>
+            <a:r>
+              <a:rPr/>
+              <a:t>For</a:t>
+            </a:r>
+            <a:r>
+              <a:rPr/>
+              <a:t> </a:t>
+            </a:r>
+            <a:r>
+              <a:rPr/>
+              <a:t>extra</a:t>
+            </a:r>
+            <a:r>
+              <a:rPr/>
+              <a:t> </a:t>
+            </a:r>
+            <a:r>
+              <a:rPr/>
+              <a:t>credit,</a:t>
+            </a:r>
+            <a:r>
+              <a:rPr/>
+              <a:t> </a:t>
+            </a:r>
+            <a:r>
+              <a:rPr/>
+              <a:t>add</a:t>
+            </a:r>
+            <a:r>
+              <a:rPr/>
+              <a:t> </a:t>
+            </a:r>
+            <a:r>
+              <a:rPr/>
+              <a:t>links</a:t>
+            </a:r>
+            <a:r>
+              <a:rPr/>
+              <a:t> </a:t>
+            </a:r>
+            <a:r>
+              <a:rPr/>
+              <a:t>to</a:t>
+            </a:r>
+            <a:r>
+              <a:rPr/>
+              <a:t> </a:t>
+            </a:r>
+            <a:r>
+              <a:rPr/>
+              <a:t>other</a:t>
+            </a:r>
+            <a:r>
+              <a:rPr/>
+              <a:t> </a:t>
+            </a:r>
+            <a:r>
+              <a:rPr/>
+              <a:t>sites</a:t>
+            </a:r>
+            <a:r>
+              <a:rPr/>
+              <a:t> </a:t>
+            </a:r>
+            <a:r>
+              <a:rPr/>
+              <a:t>(such</a:t>
+            </a:r>
+            <a:r>
+              <a:rPr/>
+              <a:t> </a:t>
+            </a:r>
+            <a:r>
+              <a:rPr/>
+              <a:t>as</a:t>
+            </a:r>
+            <a:r>
+              <a:rPr/>
+              <a:t> </a:t>
+            </a:r>
+            <a:r>
+              <a:rPr/>
+              <a:t>a</a:t>
+            </a:r>
+            <a:r>
+              <a:rPr/>
+              <a:t> </a:t>
+            </a:r>
+            <a:r>
+              <a:rPr/>
+              <a:t>page</a:t>
+            </a:r>
+            <a:r>
+              <a:rPr/>
+              <a:t> </a:t>
+            </a:r>
+            <a:r>
+              <a:rPr/>
+              <a:t>about</a:t>
+            </a:r>
+            <a:r>
+              <a:rPr/>
+              <a:t> </a:t>
+            </a:r>
+            <a:r>
+              <a:rPr/>
+              <a:t>your</a:t>
+            </a:r>
+            <a:r>
+              <a:rPr/>
+              <a:t> </a:t>
+            </a:r>
+            <a:r>
+              <a:rPr/>
+              <a:t>hometown,</a:t>
+            </a:r>
+            <a:r>
+              <a:rPr/>
+              <a:t> </a:t>
+            </a:r>
+            <a:r>
+              <a:rPr/>
+              <a:t>your</a:t>
+            </a:r>
+            <a:r>
+              <a:rPr/>
+              <a:t> </a:t>
+            </a:r>
+            <a:r>
+              <a:rPr/>
+              <a:t>favorite</a:t>
+            </a:r>
+            <a:r>
+              <a:rPr/>
+              <a:t> </a:t>
+            </a:r>
+            <a:r>
+              <a:rPr/>
+              <a:t>sports</a:t>
+            </a:r>
+            <a:r>
+              <a:rPr/>
+              <a:t> </a:t>
+            </a:r>
+            <a:r>
+              <a:rPr/>
+              <a:t>team,</a:t>
+            </a:r>
+            <a:r>
+              <a:rPr/>
+              <a:t> </a:t>
+            </a:r>
+            <a:r>
+              <a:rPr/>
+              <a:t>artist</a:t>
+            </a:r>
+            <a:r>
+              <a:rPr/>
+              <a:t> </a:t>
+            </a:r>
+            <a:r>
+              <a:rPr/>
+              <a:t>or</a:t>
+            </a:r>
+            <a:r>
+              <a:rPr/>
+              <a:t> </a:t>
+            </a:r>
+            <a:r>
+              <a:rPr/>
+              <a:t>musician,</a:t>
+            </a:r>
+            <a:r>
+              <a:rPr/>
+              <a:t> </a:t>
+            </a:r>
+            <a:r>
+              <a:rPr/>
+              <a:t>or</a:t>
+            </a:r>
+            <a:r>
+              <a:rPr/>
+              <a:t> </a:t>
+            </a:r>
+            <a:r>
+              <a:rPr/>
+              <a:t>a</a:t>
+            </a:r>
+            <a:r>
+              <a:rPr/>
+              <a:t> </a:t>
+            </a:r>
+            <a:r>
+              <a:rPr/>
+              <a:t>favorite</a:t>
+            </a:r>
+            <a:r>
+              <a:rPr/>
+              <a:t> </a:t>
+            </a:r>
+            <a:r>
+              <a:rPr/>
+              <a:t>recipe).</a:t>
+            </a:r>
+            <a:r>
+              <a:rPr/>
+              <a:t> </a:t>
+            </a:r>
+            <a:r>
+              <a:rPr/>
+              <a:t>You</a:t>
+            </a:r>
+            <a:r>
+              <a:rPr/>
+              <a:t> </a:t>
+            </a:r>
+            <a:r>
+              <a:rPr/>
+              <a:t>can</a:t>
+            </a:r>
+            <a:r>
+              <a:rPr/>
+              <a:t> </a:t>
+            </a:r>
+            <a:r>
+              <a:rPr/>
+              <a:t>also</a:t>
+            </a:r>
+            <a:r>
+              <a:rPr/>
+              <a:t> </a:t>
+            </a:r>
+            <a:r>
+              <a:rPr/>
+              <a:t>download</a:t>
+            </a:r>
+            <a:r>
+              <a:rPr/>
+              <a:t> </a:t>
+            </a:r>
+            <a:r>
+              <a:rPr/>
+              <a:t>and</a:t>
+            </a:r>
+            <a:r>
+              <a:rPr/>
+              <a:t> </a:t>
+            </a:r>
+            <a:r>
+              <a:rPr/>
+              <a:t>add</a:t>
+            </a:r>
+            <a:r>
+              <a:rPr/>
+              <a:t> </a:t>
+            </a:r>
+            <a:r>
+              <a:rPr/>
+              <a:t>images,</a:t>
+            </a:r>
+            <a:r>
+              <a:rPr/>
+              <a:t> </a:t>
+            </a:r>
+            <a:r>
+              <a:rPr/>
+              <a:t>just</a:t>
+            </a:r>
+            <a:r>
+              <a:rPr/>
+              <a:t> </a:t>
+            </a:r>
+            <a:r>
+              <a:rPr/>
+              <a:t>make</a:t>
+            </a:r>
+            <a:r>
+              <a:rPr/>
+              <a:t> </a:t>
+            </a:r>
+            <a:r>
+              <a:rPr/>
+              <a:t>sure</a:t>
+            </a:r>
+            <a:r>
+              <a:rPr/>
+              <a:t> </a:t>
+            </a:r>
+            <a:r>
+              <a:rPr/>
+              <a:t>they</a:t>
+            </a:r>
+            <a:r>
+              <a:rPr/>
+              <a:t> </a:t>
+            </a:r>
+            <a:r>
+              <a:rPr/>
+              <a:t>are</a:t>
+            </a:r>
+            <a:r>
+              <a:rPr/>
+              <a:t> </a:t>
+            </a:r>
+            <a:r>
+              <a:rPr/>
+              <a:t>in</a:t>
+            </a:r>
+            <a:r>
+              <a:rPr/>
+              <a:t> </a:t>
+            </a:r>
+            <a:r>
+              <a:rPr/>
+              <a:t>the</a:t>
+            </a:r>
+            <a:r>
+              <a:rPr/>
+              <a:t> </a:t>
+            </a:r>
+            <a:r>
+              <a:rPr/>
+              <a:t>“</a:t>
+            </a:r>
+            <a:r>
+              <a:rPr/>
+              <a:t>xx-webpage</a:t>
+            </a:r>
+            <a:r>
+              <a:rPr/>
+              <a:t>”</a:t>
+            </a:r>
+            <a:r>
+              <a:rPr/>
+              <a:t> </a:t>
+            </a:r>
+            <a:r>
+              <a:rPr/>
+              <a:t>folder.</a:t>
+            </a:r>
+          </a:p>
+          <a:p>
+            <a:pPr lvl="0" marL="0" indent="0">
+              <a:buNone/>
+            </a:pPr>
+          </a:p>
+          <a:p>
+            <a:pPr lvl="1"/>
+            <a:r>
+              <a:rPr/>
+              <a:t>Finally,</a:t>
+            </a:r>
+            <a:r>
+              <a:rPr/>
+              <a:t> </a:t>
+            </a:r>
+            <a:r>
+              <a:rPr/>
+              <a:t>when</a:t>
+            </a:r>
+            <a:r>
+              <a:rPr/>
+              <a:t> </a:t>
+            </a:r>
+            <a:r>
+              <a:rPr/>
+              <a:t>you’ve</a:t>
+            </a:r>
+            <a:r>
+              <a:rPr/>
+              <a:t> </a:t>
+            </a:r>
+            <a:r>
+              <a:rPr/>
+              <a:t>added</a:t>
+            </a:r>
+            <a:r>
+              <a:rPr/>
+              <a:t> </a:t>
+            </a:r>
+            <a:r>
+              <a:rPr/>
+              <a:t>all</a:t>
+            </a:r>
+            <a:r>
+              <a:rPr/>
+              <a:t> </a:t>
+            </a:r>
+            <a:r>
+              <a:rPr/>
+              <a:t>your</a:t>
+            </a:r>
+            <a:r>
+              <a:rPr/>
+              <a:t> </a:t>
+            </a:r>
+            <a:r>
+              <a:rPr/>
+              <a:t>tags,</a:t>
+            </a:r>
+            <a:r>
+              <a:rPr/>
+              <a:t> </a:t>
+            </a:r>
+            <a:r>
+              <a:rPr/>
+              <a:t>save</a:t>
+            </a:r>
+            <a:r>
+              <a:rPr/>
+              <a:t> </a:t>
+            </a:r>
+            <a:r>
+              <a:rPr/>
+              <a:t>the</a:t>
+            </a:r>
+            <a:r>
+              <a:rPr/>
+              <a:t> </a:t>
+            </a:r>
+            <a:r>
+              <a:rPr/>
+              <a:t>page!</a:t>
+            </a:r>
+          </a:p>
+          <a:p>
+            <a:pPr lvl="0" marL="0" indent="0">
+              <a:buNone/>
+            </a:pPr>
+          </a:p>
+          <a:p>
+            <a:pPr lvl="1"/>
+            <a:r>
+              <a:rPr/>
+              <a:t>Now,</a:t>
+            </a:r>
+            <a:r>
+              <a:rPr/>
+              <a:t> </a:t>
+            </a:r>
+            <a:r>
+              <a:rPr/>
+              <a:t>open</a:t>
+            </a:r>
+            <a:r>
+              <a:rPr/>
+              <a:t> </a:t>
+            </a:r>
+            <a:r>
+              <a:rPr/>
+              <a:t>your</a:t>
+            </a:r>
+            <a:r>
+              <a:rPr/>
+              <a:t> </a:t>
+            </a:r>
+            <a:r>
+              <a:rPr/>
+              <a:t>favorite</a:t>
+            </a:r>
+            <a:r>
+              <a:rPr/>
+              <a:t> </a:t>
+            </a:r>
+            <a:r>
+              <a:rPr/>
+              <a:t>browser,</a:t>
+            </a:r>
+            <a:r>
+              <a:rPr/>
+              <a:t> </a:t>
+            </a:r>
+            <a:r>
+              <a:rPr/>
+              <a:t>and</a:t>
+            </a:r>
+            <a:r>
+              <a:rPr/>
+              <a:t> </a:t>
+            </a:r>
+            <a:r>
+              <a:rPr/>
+              <a:t>go</a:t>
+            </a:r>
+            <a:r>
+              <a:rPr/>
+              <a:t> </a:t>
+            </a:r>
+            <a:r>
+              <a:rPr/>
+              <a:t>to</a:t>
+            </a:r>
+            <a:r>
+              <a:rPr/>
+              <a:t> </a:t>
+            </a:r>
+            <a:r>
+              <a:rPr/>
+              <a:t>File</a:t>
+            </a:r>
+            <a:r>
+              <a:rPr/>
+              <a:t> </a:t>
+            </a:r>
+            <a:r>
+              <a:rPr/>
+              <a:t>&gt;</a:t>
+            </a:r>
+            <a:r>
+              <a:rPr/>
+              <a:t> </a:t>
+            </a:r>
+            <a:r>
+              <a:rPr/>
+              <a:t>open</a:t>
+            </a:r>
+            <a:r>
+              <a:rPr/>
+              <a:t> </a:t>
+            </a:r>
+            <a:r>
+              <a:rPr/>
+              <a:t>file.</a:t>
+            </a:r>
+            <a:r>
+              <a:rPr/>
+              <a:t> </a:t>
+            </a:r>
+            <a:r>
+              <a:rPr/>
+              <a:t>Navigate</a:t>
+            </a:r>
+            <a:r>
+              <a:rPr/>
+              <a:t> </a:t>
+            </a:r>
+            <a:r>
+              <a:rPr/>
+              <a:t>to</a:t>
+            </a:r>
+            <a:r>
+              <a:rPr/>
+              <a:t> </a:t>
+            </a:r>
+            <a:r>
+              <a:rPr/>
+              <a:t>your</a:t>
+            </a:r>
+            <a:r>
+              <a:rPr/>
+              <a:t> </a:t>
+            </a:r>
+            <a:r>
+              <a:rPr/>
+              <a:t>folder,</a:t>
+            </a:r>
+            <a:r>
+              <a:rPr/>
+              <a:t> </a:t>
+            </a:r>
+            <a:r>
+              <a:rPr/>
+              <a:t>and</a:t>
+            </a:r>
+            <a:r>
+              <a:rPr/>
+              <a:t> </a:t>
+            </a:r>
+            <a:r>
+              <a:rPr/>
+              <a:t>click</a:t>
+            </a:r>
+            <a:r>
+              <a:rPr/>
+              <a:t> </a:t>
+            </a:r>
+            <a:r>
+              <a:rPr/>
+              <a:t>on</a:t>
+            </a:r>
+            <a:r>
+              <a:rPr/>
+              <a:t> </a:t>
+            </a:r>
+            <a:r>
+              <a:rPr/>
+              <a:t>the</a:t>
+            </a:r>
+            <a:r>
+              <a:rPr/>
+              <a:t> </a:t>
+            </a:r>
+            <a:r>
+              <a:rPr/>
+              <a:t>html</a:t>
+            </a:r>
+            <a:r>
+              <a:rPr/>
+              <a:t> </a:t>
+            </a:r>
+            <a:r>
+              <a:rPr/>
+              <a:t>file</a:t>
+            </a:r>
+            <a:r>
+              <a:rPr/>
+              <a:t> </a:t>
+            </a:r>
+            <a:r>
+              <a:rPr/>
+              <a:t>you</a:t>
+            </a:r>
+            <a:r>
+              <a:rPr/>
+              <a:t> </a:t>
+            </a:r>
+            <a:r>
+              <a:rPr/>
+              <a:t>just</a:t>
+            </a:r>
+            <a:r>
+              <a:rPr/>
+              <a:t> </a:t>
+            </a:r>
+            <a:r>
+              <a:rPr/>
+              <a:t>made.</a:t>
+            </a:r>
+            <a:r>
+              <a:rPr/>
+              <a:t> </a:t>
+            </a:r>
+            <a:r>
+              <a:rPr/>
+              <a:t>How</a:t>
+            </a:r>
+            <a:r>
+              <a:rPr/>
+              <a:t> </a:t>
+            </a:r>
+            <a:r>
+              <a:rPr/>
+              <a:t>does</a:t>
+            </a:r>
+            <a:r>
+              <a:rPr/>
+              <a:t> </a:t>
+            </a:r>
+            <a:r>
+              <a:rPr/>
+              <a:t>it</a:t>
+            </a:r>
+            <a:r>
+              <a:rPr/>
+              <a:t> </a:t>
+            </a:r>
+            <a:r>
+              <a:rPr/>
+              <a:t>look?</a:t>
+            </a:r>
+            <a:r>
+              <a:rPr/>
+              <a:t> </a:t>
+            </a:r>
+            <a:r>
+              <a:rPr/>
+              <a:t>Are</a:t>
+            </a:r>
+            <a:r>
+              <a:rPr/>
+              <a:t> </a:t>
+            </a:r>
+            <a:r>
+              <a:rPr/>
+              <a:t>you</a:t>
+            </a:r>
+            <a:r>
+              <a:rPr/>
+              <a:t> </a:t>
+            </a:r>
+            <a:r>
+              <a:rPr/>
+              <a:t>seeing</a:t>
+            </a:r>
+            <a:r>
+              <a:rPr/>
+              <a:t> </a:t>
+            </a:r>
+            <a:r>
+              <a:rPr/>
+              <a:t>your</a:t>
+            </a:r>
+            <a:r>
+              <a:rPr/>
+              <a:t> </a:t>
+            </a:r>
+            <a:r>
+              <a:rPr/>
+              <a:t>content</a:t>
+            </a:r>
+            <a:r>
+              <a:rPr/>
+              <a:t> </a:t>
+            </a:r>
+            <a:r>
+              <a:rPr/>
+              <a:t>formatted</a:t>
+            </a:r>
+            <a:r>
+              <a:rPr/>
+              <a:t> </a:t>
+            </a:r>
+            <a:r>
+              <a:rPr/>
+              <a:t>for</a:t>
+            </a:r>
+            <a:r>
+              <a:rPr/>
+              <a:t> </a:t>
+            </a:r>
+            <a:r>
+              <a:rPr/>
+              <a:t>the</a:t>
+            </a:r>
+            <a:r>
+              <a:rPr/>
+              <a:t> </a:t>
+            </a:r>
+            <a:r>
+              <a:rPr/>
+              <a:t>web?</a:t>
+            </a:r>
+            <a:r>
+              <a:rPr/>
+              <a:t> </a:t>
+            </a:r>
+            <a:r>
+              <a:rPr/>
+              <a:t>Do</a:t>
+            </a:r>
+            <a:r>
+              <a:rPr/>
+              <a:t> </a:t>
+            </a:r>
+            <a:r>
+              <a:rPr/>
+              <a:t>you</a:t>
+            </a:r>
+            <a:r>
+              <a:rPr/>
+              <a:t> </a:t>
+            </a:r>
+            <a:r>
+              <a:rPr/>
+              <a:t>see</a:t>
+            </a:r>
+            <a:r>
+              <a:rPr/>
+              <a:t> </a:t>
+            </a:r>
+            <a:r>
+              <a:rPr/>
+              <a:t>your</a:t>
+            </a:r>
+            <a:r>
+              <a:rPr/>
+              <a:t> </a:t>
+            </a:r>
+            <a:r>
+              <a:rPr/>
+              <a:t>title</a:t>
+            </a:r>
+            <a:r>
+              <a:rPr/>
+              <a:t> </a:t>
+            </a:r>
+            <a:r>
+              <a:rPr/>
+              <a:t>appearing</a:t>
+            </a:r>
+            <a:r>
+              <a:rPr/>
+              <a:t> </a:t>
+            </a:r>
+            <a:r>
+              <a:rPr/>
+              <a:t>in</a:t>
+            </a:r>
+            <a:r>
+              <a:rPr/>
+              <a:t> </a:t>
+            </a:r>
+            <a:r>
+              <a:rPr/>
+              <a:t>the</a:t>
+            </a:r>
+            <a:r>
+              <a:rPr/>
+              <a:t> </a:t>
+            </a:r>
+            <a:r>
+              <a:rPr/>
+              <a:t>tab</a:t>
+            </a:r>
+            <a:r>
+              <a:rPr/>
+              <a:t> </a:t>
+            </a:r>
+            <a:r>
+              <a:rPr/>
+              <a:t>at</a:t>
+            </a:r>
+            <a:r>
+              <a:rPr/>
+              <a:t> </a:t>
+            </a:r>
+            <a:r>
+              <a:rPr/>
+              <a:t>the</a:t>
+            </a:r>
+            <a:r>
+              <a:rPr/>
+              <a:t> </a:t>
+            </a:r>
+            <a:r>
+              <a:rPr/>
+              <a:t>top</a:t>
+            </a:r>
+            <a:r>
+              <a:rPr/>
+              <a:t> </a:t>
+            </a:r>
+            <a:r>
+              <a:rPr/>
+              <a:t>of</a:t>
+            </a:r>
+            <a:r>
+              <a:rPr/>
+              <a:t> </a:t>
+            </a:r>
+            <a:r>
+              <a:rPr/>
+              <a:t>the</a:t>
+            </a:r>
+            <a:r>
+              <a:rPr/>
+              <a:t> </a:t>
+            </a:r>
+            <a:r>
+              <a:rPr/>
+              <a:t>browser</a:t>
+            </a:r>
+            <a:r>
+              <a:rPr/>
+              <a:t> </a:t>
+            </a:r>
+            <a:r>
+              <a:rPr/>
+              <a:t>bar?</a:t>
+            </a:r>
+            <a:r>
+              <a:rPr/>
+              <a:t> </a:t>
+            </a:r>
+            <a:r>
+              <a:rPr/>
+              <a:t>If</a:t>
+            </a:r>
+            <a:r>
+              <a:rPr/>
+              <a:t> </a:t>
+            </a:r>
+            <a:r>
+              <a:rPr/>
+              <a:t>things</a:t>
+            </a:r>
+            <a:r>
+              <a:rPr/>
+              <a:t> </a:t>
+            </a:r>
+            <a:r>
+              <a:rPr/>
+              <a:t>don’t</a:t>
+            </a:r>
+            <a:r>
+              <a:rPr/>
+              <a:t> </a:t>
+            </a:r>
+            <a:r>
+              <a:rPr/>
+              <a:t>look</a:t>
+            </a:r>
+            <a:r>
+              <a:rPr/>
+              <a:t> </a:t>
+            </a:r>
+            <a:r>
+              <a:rPr/>
+              <a:t>right,</a:t>
+            </a:r>
+            <a:r>
+              <a:rPr/>
+              <a:t> </a:t>
+            </a:r>
+            <a:r>
+              <a:rPr/>
+              <a:t>what</a:t>
+            </a:r>
+            <a:r>
+              <a:rPr/>
+              <a:t> </a:t>
+            </a:r>
+            <a:r>
+              <a:rPr/>
+              <a:t>might</a:t>
+            </a:r>
+            <a:r>
+              <a:rPr/>
+              <a:t> </a:t>
+            </a:r>
+            <a:r>
+              <a:rPr/>
+              <a:t>have</a:t>
+            </a:r>
+            <a:r>
+              <a:rPr/>
+              <a:t> </a:t>
+            </a:r>
+            <a:r>
+              <a:rPr/>
+              <a:t>happened?</a:t>
+            </a:r>
+          </a:p>
+          <a:p>
+            <a:pPr lvl="0" marL="0" indent="0">
+              <a:buNone/>
+            </a:pPr>
+          </a:p>
+          <a:p>
+            <a:pPr lvl="0" marL="1270000" indent="0">
+              <a:buNone/>
+            </a:pPr>
+            <a:r>
+              <a:rPr sz="2000"/>
+              <a:t>Tip!</a:t>
+            </a:r>
+            <a:r>
+              <a:rPr sz="2000"/>
+              <a:t> </a:t>
+            </a:r>
+            <a:r>
+              <a:rPr sz="2000"/>
+              <a:t>Facilitator</a:t>
+            </a:r>
+            <a:r>
+              <a:rPr sz="2000"/>
+              <a:t> </a:t>
+            </a:r>
+            <a:r>
+              <a:rPr sz="2000"/>
+              <a:t>can</a:t>
+            </a:r>
+            <a:r>
+              <a:rPr sz="2000"/>
+              <a:t> </a:t>
+            </a:r>
+            <a:r>
+              <a:rPr sz="2000"/>
+              <a:t>troubleshoot</a:t>
+            </a:r>
+            <a:r>
+              <a:rPr sz="2000"/>
+              <a:t> </a:t>
+            </a:r>
+            <a:r>
+              <a:rPr sz="2000"/>
+              <a:t>here—</a:t>
+            </a:r>
+            <a:r>
+              <a:rPr sz="2000"/>
+              <a:t> </a:t>
+            </a:r>
+            <a:r>
+              <a:rPr sz="2000"/>
+              <a:t>common</a:t>
+            </a:r>
+            <a:r>
+              <a:rPr sz="2000"/>
+              <a:t> </a:t>
+            </a:r>
+            <a:r>
+              <a:rPr sz="2000"/>
+              <a:t>problems</a:t>
+            </a:r>
+            <a:r>
+              <a:rPr sz="2000"/>
+              <a:t> </a:t>
+            </a:r>
+            <a:r>
+              <a:rPr sz="2000"/>
+              <a:t>are</a:t>
+            </a:r>
+            <a:r>
+              <a:rPr sz="2000"/>
+              <a:t> </a:t>
+            </a:r>
+            <a:r>
+              <a:rPr sz="2000"/>
+              <a:t>missing</a:t>
+            </a:r>
+            <a:r>
+              <a:rPr sz="2000"/>
+              <a:t> </a:t>
+            </a:r>
+            <a:r>
+              <a:rPr sz="2000"/>
+              <a:t>tags,</a:t>
+            </a:r>
+            <a:r>
+              <a:rPr sz="2000"/>
+              <a:t> </a:t>
+            </a:r>
+            <a:r>
+              <a:rPr sz="2000"/>
+              <a:t>especially</a:t>
+            </a:r>
+            <a:r>
+              <a:rPr sz="2000"/>
+              <a:t> </a:t>
+            </a:r>
+            <a:r>
+              <a:rPr sz="2000"/>
+              <a:t>closing</a:t>
+            </a:r>
+            <a:r>
+              <a:rPr sz="2000"/>
+              <a:t> </a:t>
+            </a:r>
+            <a:r>
+              <a:rPr sz="2000"/>
+              <a:t>tags,</a:t>
+            </a:r>
+            <a:r>
+              <a:rPr sz="2000"/>
+              <a:t> </a:t>
+            </a:r>
+            <a:r>
+              <a:rPr sz="2000"/>
+              <a:t>typos</a:t>
+            </a:r>
+            <a:r>
+              <a:rPr sz="2000"/>
+              <a:t> </a:t>
+            </a:r>
+            <a:r>
+              <a:rPr sz="2000"/>
+              <a:t>in</a:t>
+            </a:r>
+            <a:r>
+              <a:rPr sz="2000"/>
+              <a:t> </a:t>
+            </a:r>
+            <a:r>
+              <a:rPr sz="2000"/>
+              <a:t>tags,</a:t>
+            </a:r>
+            <a:r>
+              <a:rPr sz="2000"/>
+              <a:t> </a:t>
+            </a:r>
+            <a:r>
+              <a:rPr sz="2000"/>
+              <a:t>a</a:t>
+            </a:r>
+            <a:r>
+              <a:rPr sz="2000"/>
+              <a:t> </a:t>
+            </a:r>
+            <a:r>
+              <a:rPr sz="2000"/>
+              <a:t>document</a:t>
+            </a:r>
+            <a:r>
+              <a:rPr sz="2000"/>
+              <a:t> </a:t>
+            </a:r>
+            <a:r>
+              <a:rPr sz="2000"/>
+              <a:t>not</a:t>
+            </a:r>
+            <a:r>
+              <a:rPr sz="2000"/>
+              <a:t> </a:t>
+            </a:r>
+            <a:r>
+              <a:rPr sz="2000"/>
+              <a:t>saved</a:t>
+            </a:r>
+            <a:r>
+              <a:rPr sz="2000"/>
+              <a:t> </a:t>
+            </a:r>
+            <a:r>
+              <a:rPr sz="2000"/>
+              <a:t>as</a:t>
+            </a:r>
+            <a:r>
+              <a:rPr sz="2000"/>
+              <a:t> </a:t>
+            </a:r>
+            <a:r>
+              <a:rPr sz="2000"/>
+              <a:t>html,</a:t>
+            </a:r>
+            <a:r>
+              <a:rPr sz="2000"/>
+              <a:t> </a:t>
+            </a:r>
+            <a:r>
+              <a:rPr sz="2000"/>
+              <a:t>problems</a:t>
+            </a:r>
+            <a:r>
+              <a:rPr sz="2000"/>
+              <a:t> </a:t>
+            </a:r>
+            <a:r>
+              <a:rPr sz="2000"/>
+              <a:t>with</a:t>
+            </a:r>
+            <a:r>
+              <a:rPr sz="2000"/>
+              <a:t> </a:t>
+            </a:r>
+            <a:r>
+              <a:rPr sz="2000"/>
+              <a:t>image</a:t>
+            </a:r>
+            <a:r>
+              <a:rPr sz="2000"/>
+              <a:t> </a:t>
+            </a:r>
+            <a:r>
+              <a:rPr sz="2000"/>
+              <a:t>file</a:t>
+            </a:r>
+            <a:r>
+              <a:rPr sz="2000"/>
+              <a:t> </a:t>
+            </a:r>
+            <a:r>
+              <a:rPr sz="2000"/>
+              <a:t>names,</a:t>
+            </a:r>
+            <a:r>
+              <a:rPr sz="2000"/>
+              <a:t> </a:t>
+            </a:r>
+            <a:r>
+              <a:rPr sz="2000"/>
+              <a:t>etc.</a:t>
+            </a:r>
+            <a:r>
+              <a:rPr sz="2000"/>
+              <a:t> </a:t>
+            </a:r>
+            <a:r>
+              <a:rPr sz="2000"/>
+              <a:t>Facilitator</a:t>
+            </a:r>
+            <a:r>
+              <a:rPr sz="2000"/>
+              <a:t> </a:t>
+            </a:r>
+            <a:r>
+              <a:rPr sz="2000"/>
+              <a:t>can</a:t>
+            </a:r>
+            <a:r>
+              <a:rPr sz="2000"/>
+              <a:t> </a:t>
+            </a:r>
+            <a:r>
+              <a:rPr sz="2000"/>
+              <a:t>walk</a:t>
+            </a:r>
+            <a:r>
+              <a:rPr sz="2000"/>
+              <a:t> </a:t>
+            </a:r>
+            <a:r>
+              <a:rPr sz="2000"/>
+              <a:t>around</a:t>
+            </a:r>
+            <a:r>
+              <a:rPr sz="2000"/>
+              <a:t> </a:t>
+            </a:r>
+            <a:r>
+              <a:rPr sz="2000"/>
+              <a:t>and</a:t>
+            </a:r>
+            <a:r>
+              <a:rPr sz="2000"/>
+              <a:t> </a:t>
+            </a:r>
+            <a:r>
+              <a:rPr sz="2000"/>
+              <a:t>check</a:t>
+            </a:r>
+            <a:r>
+              <a:rPr sz="2000"/>
+              <a:t> </a:t>
+            </a:r>
+            <a:r>
+              <a:rPr sz="2000"/>
+              <a:t>pages,</a:t>
+            </a:r>
+            <a:r>
+              <a:rPr sz="2000"/>
+              <a:t> </a:t>
+            </a:r>
+            <a:r>
+              <a:rPr sz="2000"/>
+              <a:t>and</a:t>
+            </a:r>
+            <a:r>
+              <a:rPr sz="2000"/>
+              <a:t> </a:t>
+            </a:r>
+            <a:r>
+              <a:rPr sz="2000"/>
+              <a:t>discuss</a:t>
+            </a:r>
+            <a:r>
+              <a:rPr sz="2000"/>
+              <a:t> </a:t>
+            </a:r>
+            <a:r>
+              <a:rPr sz="2000"/>
+              <a:t>or</a:t>
+            </a:r>
+            <a:r>
+              <a:rPr sz="2000"/>
+              <a:t> </a:t>
+            </a:r>
+            <a:r>
+              <a:rPr sz="2000"/>
+              <a:t>even</a:t>
+            </a:r>
+            <a:r>
+              <a:rPr sz="2000"/>
+              <a:t> </a:t>
+            </a:r>
+            <a:r>
+              <a:rPr sz="2000"/>
+              <a:t>demo</a:t>
+            </a:r>
+            <a:r>
+              <a:rPr sz="2000"/>
+              <a:t> </a:t>
+            </a:r>
+            <a:r>
+              <a:rPr sz="2000"/>
+              <a:t>on</a:t>
+            </a:r>
+            <a:r>
+              <a:rPr sz="2000"/>
+              <a:t> </a:t>
+            </a:r>
+            <a:r>
+              <a:rPr sz="2000"/>
+              <a:t>the</a:t>
+            </a:r>
+            <a:r>
+              <a:rPr sz="2000"/>
+              <a:t> </a:t>
+            </a:r>
+            <a:r>
+              <a:rPr sz="2000"/>
+              <a:t>projected</a:t>
+            </a:r>
+            <a:r>
+              <a:rPr sz="2000"/>
+              <a:t> </a:t>
+            </a:r>
+            <a:r>
+              <a:rPr sz="2000"/>
+              <a:t>example</a:t>
+            </a:r>
+            <a:r>
+              <a:rPr sz="2000"/>
+              <a:t> </a:t>
+            </a:r>
+            <a:r>
+              <a:rPr sz="2000"/>
+              <a:t>what</a:t>
+            </a:r>
+            <a:r>
+              <a:rPr sz="2000"/>
+              <a:t> </a:t>
+            </a:r>
+            <a:r>
+              <a:rPr sz="2000"/>
+              <a:t>happens</a:t>
+            </a:r>
+            <a:r>
+              <a:rPr sz="2000"/>
+              <a:t> </a:t>
+            </a:r>
+            <a:r>
+              <a:rPr sz="2000"/>
+              <a:t>when</a:t>
+            </a:r>
+            <a:r>
+              <a:rPr sz="2000"/>
+              <a:t> </a:t>
+            </a:r>
+            <a:r>
+              <a:rPr sz="2000"/>
+              <a:t>tags</a:t>
+            </a:r>
+            <a:r>
+              <a:rPr sz="2000"/>
+              <a:t> </a:t>
+            </a:r>
+            <a:r>
+              <a:rPr sz="2000"/>
+              <a:t>are</a:t>
+            </a:r>
+            <a:r>
+              <a:rPr sz="2000"/>
+              <a:t> </a:t>
+            </a:r>
+            <a:r>
+              <a:rPr sz="2000"/>
+              <a:t>left</a:t>
+            </a:r>
+            <a:r>
+              <a:rPr sz="2000"/>
+              <a:t> </a:t>
+            </a:r>
+            <a:r>
+              <a:rPr sz="2000"/>
+              <a:t>off</a:t>
+            </a:r>
+            <a:r>
+              <a:rPr sz="2000"/>
+              <a:t> </a:t>
+            </a:r>
+            <a:r>
+              <a:rPr sz="2000"/>
+              <a:t>(for</a:t>
+            </a:r>
+            <a:r>
+              <a:rPr sz="2000"/>
+              <a:t> </a:t>
+            </a:r>
+            <a:r>
+              <a:rPr sz="2000"/>
+              <a:t>example,</a:t>
+            </a:r>
+            <a:r>
+              <a:rPr sz="2000"/>
+              <a:t> </a:t>
+            </a:r>
+            <a:r>
+              <a:rPr sz="2000"/>
+              <a:t>never</a:t>
+            </a:r>
+            <a:r>
+              <a:rPr sz="2000"/>
+              <a:t> </a:t>
+            </a:r>
+            <a:r>
+              <a:rPr sz="2000"/>
+              <a:t>closing</a:t>
+            </a:r>
+            <a:r>
+              <a:rPr sz="2000"/>
+              <a:t> </a:t>
+            </a:r>
+            <a:r>
+              <a:rPr sz="2000"/>
+              <a:t>an</a:t>
+            </a:r>
+            <a:r>
+              <a:rPr sz="2000"/>
+              <a:t> </a:t>
+            </a:r>
+            <a:r>
+              <a:rPr sz="2000"/>
+              <a:t>h1</a:t>
+            </a:r>
+            <a:r>
+              <a:rPr sz="2000"/>
+              <a:t> </a:t>
+            </a:r>
+            <a:r>
+              <a:rPr sz="2000"/>
+              <a:t>tag</a:t>
+            </a:r>
+            <a:r>
+              <a:rPr sz="2000"/>
+              <a:t> </a:t>
+            </a:r>
+            <a:r>
+              <a:rPr sz="2000"/>
+              <a:t>is</a:t>
+            </a:r>
+            <a:r>
+              <a:rPr sz="2000"/>
+              <a:t> </a:t>
+            </a:r>
+            <a:r>
+              <a:rPr sz="2000"/>
+              <a:t>a</a:t>
+            </a:r>
+            <a:r>
+              <a:rPr sz="2000"/>
+              <a:t> </a:t>
+            </a:r>
+            <a:r>
+              <a:rPr sz="2000"/>
+              <a:t>great</a:t>
+            </a:r>
+            <a:r>
+              <a:rPr sz="2000"/>
+              <a:t> </a:t>
+            </a:r>
+            <a:r>
+              <a:rPr sz="2000"/>
+              <a:t>way</a:t>
+            </a:r>
+            <a:r>
+              <a:rPr sz="2000"/>
+              <a:t> </a:t>
+            </a:r>
+            <a:r>
+              <a:rPr sz="2000"/>
+              <a:t>to</a:t>
+            </a:r>
+            <a:r>
+              <a:rPr sz="2000"/>
+              <a:t> </a:t>
+            </a:r>
+            <a:r>
+              <a:rPr sz="2000"/>
+              <a:t>show</a:t>
+            </a:r>
+            <a:r>
+              <a:rPr sz="2000"/>
+              <a:t> </a:t>
+            </a:r>
+            <a:r>
+              <a:rPr sz="2000"/>
+              <a:t>the</a:t>
+            </a:r>
+            <a:r>
+              <a:rPr sz="2000"/>
+              <a:t> </a:t>
+            </a:r>
+            <a:r>
+              <a:rPr sz="2000"/>
+              <a:t>importance</a:t>
+            </a:r>
+            <a:r>
+              <a:rPr sz="2000"/>
+              <a:t> </a:t>
+            </a:r>
+            <a:r>
+              <a:rPr sz="2000"/>
+              <a:t>of</a:t>
+            </a:r>
+            <a:r>
+              <a:rPr sz="2000"/>
+              <a:t> </a:t>
+            </a:r>
+            <a:r>
+              <a:rPr sz="2000"/>
+              <a:t>closing</a:t>
+            </a:r>
+            <a:r>
+              <a:rPr sz="2000"/>
+              <a:t> </a:t>
+            </a:r>
+            <a:r>
+              <a:rPr sz="2000"/>
+              <a:t>tags).</a:t>
+            </a:r>
+          </a:p>
+          <a:p>
+            <a:pPr lvl="0" marL="0" indent="0">
+              <a:buNone/>
+            </a:pPr>
+          </a:p>
+          <a:p>
+            <a:pPr lvl="1"/>
+            <a:r>
+              <a:rPr/>
+              <a:t>Congratulate</a:t>
+            </a:r>
+            <a:r>
+              <a:rPr/>
+              <a:t> </a:t>
+            </a:r>
+            <a:r>
+              <a:rPr/>
+              <a:t>everyone</a:t>
+            </a:r>
+            <a:r>
+              <a:rPr/>
+              <a:t> </a:t>
+            </a:r>
+            <a:r>
+              <a:rPr/>
+              <a:t>on</a:t>
+            </a:r>
+            <a:r>
+              <a:rPr/>
+              <a:t> </a:t>
+            </a:r>
+            <a:r>
+              <a:rPr/>
+              <a:t>the</a:t>
+            </a:r>
+            <a:r>
+              <a:rPr/>
+              <a:t> </a:t>
+            </a:r>
+            <a:r>
+              <a:rPr/>
+              <a:t>pages</a:t>
+            </a:r>
+            <a:r>
+              <a:rPr/>
+              <a:t> </a:t>
+            </a:r>
+            <a:r>
+              <a:rPr/>
+              <a:t>they’ve</a:t>
+            </a:r>
+            <a:r>
+              <a:rPr/>
+              <a:t> </a:t>
+            </a:r>
+            <a:r>
+              <a:rPr/>
+              <a:t>made!</a:t>
+            </a:r>
+            <a:r>
+              <a:rPr/>
+              <a:t> </a:t>
+            </a:r>
+            <a:r>
+              <a:rPr/>
+              <a:t>They</a:t>
+            </a:r>
+            <a:r>
+              <a:rPr/>
+              <a:t> </a:t>
+            </a:r>
+            <a:r>
+              <a:rPr/>
+              <a:t>are</a:t>
+            </a:r>
+            <a:r>
+              <a:rPr/>
+              <a:t> </a:t>
+            </a:r>
+            <a:r>
+              <a:rPr/>
+              <a:t>now</a:t>
+            </a:r>
+            <a:r>
+              <a:rPr/>
+              <a:t> </a:t>
+            </a:r>
+            <a:r>
+              <a:rPr/>
+              <a:t>web</a:t>
+            </a:r>
+            <a:r>
+              <a:rPr/>
+              <a:t> </a:t>
+            </a:r>
+            <a:r>
+              <a:rPr/>
+              <a:t>designers!</a:t>
+            </a:r>
+            <a:r>
+              <a:rPr/>
+              <a:t> </a:t>
+            </a:r>
+            <a:r>
+              <a:rPr/>
+              <a:t>Remind</a:t>
+            </a:r>
+            <a:r>
+              <a:rPr/>
+              <a:t> </a:t>
+            </a:r>
+            <a:r>
+              <a:rPr/>
+              <a:t>folks</a:t>
+            </a:r>
+            <a:r>
+              <a:rPr/>
+              <a:t> </a:t>
+            </a:r>
+            <a:r>
+              <a:rPr/>
+              <a:t>that</a:t>
+            </a:r>
+            <a:r>
+              <a:rPr/>
+              <a:t> </a:t>
+            </a:r>
+            <a:r>
+              <a:rPr/>
+              <a:t>the</a:t>
+            </a:r>
+            <a:r>
+              <a:rPr/>
+              <a:t> </a:t>
+            </a:r>
+            <a:r>
+              <a:rPr/>
+              <a:t>pages</a:t>
+            </a:r>
+            <a:r>
+              <a:rPr/>
+              <a:t> </a:t>
+            </a:r>
+            <a:r>
+              <a:rPr/>
+              <a:t>are</a:t>
+            </a:r>
+            <a:r>
+              <a:rPr/>
+              <a:t> </a:t>
+            </a:r>
+            <a:r>
+              <a:rPr/>
+              <a:t>still</a:t>
+            </a:r>
+            <a:r>
+              <a:rPr/>
+              <a:t> </a:t>
+            </a:r>
+            <a:r>
+              <a:rPr/>
+              <a:t>on</a:t>
+            </a:r>
+            <a:r>
+              <a:rPr/>
+              <a:t> </a:t>
+            </a:r>
+            <a:r>
+              <a:rPr/>
+              <a:t>their</a:t>
+            </a:r>
+            <a:r>
+              <a:rPr/>
+              <a:t> </a:t>
+            </a:r>
+            <a:r>
+              <a:rPr/>
+              <a:t>local</a:t>
+            </a:r>
+            <a:r>
+              <a:rPr/>
+              <a:t> </a:t>
+            </a:r>
+            <a:r>
+              <a:rPr/>
+              <a:t>computers,</a:t>
+            </a:r>
+            <a:r>
+              <a:rPr/>
+              <a:t> </a:t>
+            </a:r>
+            <a:r>
+              <a:rPr/>
+              <a:t>and</a:t>
+            </a:r>
+            <a:r>
+              <a:rPr/>
+              <a:t> </a:t>
+            </a:r>
+            <a:r>
+              <a:rPr/>
+              <a:t>not</a:t>
+            </a:r>
+            <a:r>
+              <a:rPr/>
+              <a:t> </a:t>
+            </a:r>
+            <a:r>
+              <a:rPr/>
+              <a:t>actually</a:t>
+            </a:r>
+            <a:r>
+              <a:rPr/>
+              <a:t> </a:t>
+            </a:r>
+            <a:r>
+              <a:rPr/>
+              <a:t>on</a:t>
+            </a:r>
+            <a:r>
+              <a:rPr/>
+              <a:t> </a:t>
+            </a:r>
+            <a:r>
+              <a:rPr/>
+              <a:t>the</a:t>
+            </a:r>
+            <a:r>
+              <a:rPr/>
+              <a:t> </a:t>
+            </a:r>
+            <a:r>
+              <a:rPr/>
+              <a:t>web!</a:t>
+            </a:r>
+            <a:r>
+              <a:rPr/>
+              <a:t> </a:t>
+            </a:r>
+            <a:r>
+              <a:rPr/>
+              <a:t>But</a:t>
+            </a:r>
+            <a:r>
+              <a:rPr/>
+              <a:t> </a:t>
+            </a:r>
+            <a:r>
+              <a:rPr/>
+              <a:t>they</a:t>
+            </a:r>
+            <a:r>
+              <a:rPr/>
+              <a:t> </a:t>
+            </a:r>
+            <a:r>
+              <a:rPr/>
+              <a:t>are</a:t>
+            </a:r>
+            <a:r>
+              <a:rPr/>
+              <a:t> </a:t>
+            </a:r>
+            <a:r>
+              <a:rPr/>
+              <a:t>ready</a:t>
+            </a:r>
+            <a:r>
+              <a:rPr/>
+              <a:t> </a:t>
+            </a:r>
+            <a:r>
+              <a:rPr/>
+              <a:t>to</a:t>
+            </a:r>
+            <a:r>
+              <a:rPr/>
+              <a:t> </a:t>
+            </a:r>
+            <a:r>
+              <a:rPr/>
+              <a:t>go</a:t>
+            </a:r>
+            <a:r>
+              <a:rPr/>
+              <a:t> </a:t>
+            </a:r>
+            <a:r>
+              <a:rPr/>
+              <a:t>there.</a:t>
+            </a:r>
+          </a:p>
+          <a:p>
+            <a:pPr lvl="0" marL="0" indent="0">
+              <a:buNone/>
+            </a:pPr>
+          </a:p>
+          <a:p>
+            <a:pPr lvl="1"/>
+            <a:r>
+              <a:rPr/>
+              <a:t>Have</a:t>
+            </a:r>
+            <a:r>
+              <a:rPr/>
+              <a:t> </a:t>
+            </a:r>
+            <a:r>
+              <a:rPr/>
+              <a:t>a</a:t>
+            </a:r>
+            <a:r>
+              <a:rPr/>
+              <a:t> </a:t>
+            </a:r>
+            <a:r>
+              <a:rPr/>
+              <a:t>brief</a:t>
+            </a:r>
+            <a:r>
+              <a:rPr/>
+              <a:t> </a:t>
+            </a:r>
+            <a:r>
+              <a:rPr/>
+              <a:t>discussion</a:t>
+            </a:r>
+            <a:r>
+              <a:rPr/>
+              <a:t> </a:t>
+            </a:r>
+            <a:r>
+              <a:rPr/>
+              <a:t>about</a:t>
+            </a:r>
+            <a:r>
+              <a:rPr/>
+              <a:t> </a:t>
+            </a:r>
+            <a:r>
+              <a:rPr/>
+              <a:t>uploading</a:t>
+            </a:r>
+            <a:r>
+              <a:rPr/>
+              <a:t> </a:t>
+            </a:r>
+            <a:r>
+              <a:rPr/>
+              <a:t>to</a:t>
+            </a:r>
+            <a:r>
+              <a:rPr/>
+              <a:t> </a:t>
+            </a:r>
+            <a:r>
+              <a:rPr/>
+              <a:t>servers,</a:t>
+            </a:r>
+            <a:r>
+              <a:rPr/>
+              <a:t> </a:t>
+            </a:r>
+            <a:r>
+              <a:rPr/>
+              <a:t>about</a:t>
+            </a:r>
+            <a:r>
+              <a:rPr/>
+              <a:t> </a:t>
+            </a:r>
+            <a:r>
+              <a:rPr/>
+              <a:t>web</a:t>
+            </a:r>
+            <a:r>
+              <a:rPr/>
+              <a:t> </a:t>
+            </a:r>
+            <a:r>
+              <a:rPr/>
+              <a:t>hosting,</a:t>
+            </a:r>
+            <a:r>
+              <a:rPr/>
+              <a:t> </a:t>
+            </a:r>
+            <a:r>
+              <a:rPr/>
+              <a:t>what</a:t>
+            </a:r>
+            <a:r>
+              <a:rPr/>
+              <a:t> </a:t>
+            </a:r>
+            <a:r>
+              <a:rPr/>
+              <a:t>it</a:t>
+            </a:r>
+            <a:r>
+              <a:rPr/>
+              <a:t> </a:t>
+            </a:r>
+            <a:r>
+              <a:rPr/>
+              <a:t>means,</a:t>
             </a:r>
             <a:r>
               <a:rPr/>
@@ -7739,55 +12797,47 @@
             </a:r>
             <a:r>
               <a:rPr/>
-              <a:t>and</a:t>
-            </a:r>
-            <a:r>
-              <a:rPr/>
-              <a:t> </a:t>
-            </a:r>
-            <a:r>
-              <a:rPr/>
-              <a:t>where</a:t>
-            </a:r>
-            <a:r>
-              <a:rPr/>
-              <a:t> </a:t>
-            </a:r>
-            <a:r>
-              <a:rPr/>
-              <a:t>you’re</a:t>
-            </a:r>
-            <a:r>
-              <a:rPr/>
-              <a:t> </a:t>
-            </a:r>
-            <a:r>
-              <a:rPr/>
-              <a:t>using</a:t>
-            </a:r>
-            <a:r>
-              <a:rPr/>
-              <a:t> </a:t>
-            </a:r>
-            <a:r>
-              <a:rPr/>
-              <a:t>the</a:t>
-            </a:r>
-            <a:r>
-              <a:rPr/>
-              <a:t> </a:t>
-            </a:r>
-            <a:r>
-              <a:rPr/>
-              <a:t>curriculum</a:t>
-            </a:r>
-            <a:r>
-              <a:rPr/>
-              <a:t> </a:t>
-            </a:r>
-            <a:r>
-              <a:rPr/>
-              <a:t>and</a:t>
+              <a:t>it</a:t>
+            </a:r>
+            <a:r>
+              <a:rPr/>
+              <a:t> </a:t>
+            </a:r>
+            <a:r>
+              <a:rPr/>
+              <a:t>works,</a:t>
+            </a:r>
+            <a:r>
+              <a:rPr/>
+              <a:t> </a:t>
+            </a:r>
+            <a:r>
+              <a:rPr/>
+              <a:t>how</a:t>
+            </a:r>
+            <a:r>
+              <a:rPr/>
+              <a:t> </a:t>
+            </a:r>
+            <a:r>
+              <a:rPr/>
+              <a:t>much</a:t>
+            </a:r>
+            <a:r>
+              <a:rPr/>
+              <a:t> </a:t>
+            </a:r>
+            <a:r>
+              <a:rPr/>
+              <a:t>it</a:t>
+            </a:r>
+            <a:r>
+              <a:rPr/>
+              <a:t> </a:t>
+            </a:r>
+            <a:r>
+              <a:rPr/>
+              <a:t>costs,</a:t>
             </a:r>
             <a:r>
               <a:rPr/>
@@ -7803,59 +12853,23 @@
             </a:r>
             <a:r>
               <a:rPr/>
-              <a:t>you’ve</a:t>
-            </a:r>
-            <a:r>
-              <a:rPr/>
-              <a:t> </a:t>
-            </a:r>
-            <a:r>
-              <a:rPr/>
-              <a:t>learned</a:t>
-            </a:r>
-            <a:r>
-              <a:rPr/>
-              <a:t> </a:t>
-            </a:r>
-            <a:r>
-              <a:rPr/>
-              <a:t>and</a:t>
-            </a:r>
-            <a:r>
-              <a:rPr/>
-              <a:t> </a:t>
-            </a:r>
-            <a:r>
-              <a:rPr/>
-              <a:t>what</a:t>
-            </a:r>
-            <a:r>
-              <a:rPr/>
-              <a:t> </a:t>
-            </a:r>
-            <a:r>
-              <a:rPr/>
-              <a:t>you</a:t>
-            </a:r>
-            <a:r>
-              <a:rPr/>
-              <a:t> </a:t>
-            </a:r>
-            <a:r>
-              <a:rPr/>
-              <a:t>might</a:t>
-            </a:r>
-            <a:r>
-              <a:rPr/>
-              <a:t> </a:t>
-            </a:r>
-            <a:r>
-              <a:rPr/>
-              <a:t>change</a:t>
-            </a:r>
-            <a:r>
-              <a:rPr/>
-              <a:t>.</a:t>
+              <a:t>hosting</a:t>
+            </a:r>
+            <a:r>
+              <a:rPr/>
+              <a:t> </a:t>
+            </a:r>
+            <a:r>
+              <a:rPr/>
+              <a:t>companies</a:t>
+            </a:r>
+            <a:r>
+              <a:rPr/>
+              <a:t> </a:t>
+            </a:r>
+            <a:r>
+              <a:rPr/>
+              <a:t>do.</a:t>
             </a:r>
           </a:p>
         </p:txBody>
@@ -7877,7 +12891,1604 @@
           <a:p>
             <a:fld id="{18BDFEC3-8487-43E8-A154-7C12CBC1FFF2}" type="slidenum">
               <a:rPr lang="en-US"/>
-              <a:t>7</a:t>
+              <a:t>8</a:t>
+            </a:fld>
+            <a:endParaRPr lang="en-US"/>
+          </a:p>
+        </p:txBody>
+      </p:sp>
+    </p:spTree>
+  </p:cSld>
+</p:notes>
+</file>
+
+<file path=ppt/notesSlides/notesSlide6.xml><?xml version="1.0" encoding="utf-8"?>
+<p:notes xmlns:a="http://schemas.openxmlformats.org/drawingml/2006/main" xmlns:r="http://schemas.openxmlformats.org/officeDocument/2006/relationships" xmlns:p="http://schemas.openxmlformats.org/presentationml/2006/main">
+  <p:cSld>
+    <p:spTree>
+      <p:nvGrpSpPr>
+        <p:cNvPr id="1" name=""/>
+        <p:cNvGrpSpPr/>
+        <p:nvPr/>
+      </p:nvGrpSpPr>
+      <p:grpSpPr>
+        <a:xfrm>
+          <a:off x="0" y="0"/>
+          <a:ext cx="0" cy="0"/>
+          <a:chOff x="0" y="0"/>
+          <a:chExt cx="0" cy="0"/>
+        </a:xfrm>
+      </p:grpSpPr>
+      <p:sp>
+        <p:nvSpPr>
+          <p:cNvPr id="2" name="Slide Image Placeholder 1"/>
+          <p:cNvSpPr>
+            <a:spLocks noGrp="1" noRot="1" noChangeAspect="1"/>
+          </p:cNvSpPr>
+          <p:nvPr>
+            <p:ph type="sldImg"/>
+          </p:nvPr>
+        </p:nvSpPr>
+        <p:spPr/>
+      </p:sp>
+      <p:sp>
+        <p:nvSpPr>
+          <p:cNvPr id="3" name="Notes Placeholder 2"/>
+          <p:cNvSpPr>
+            <a:spLocks noGrp="1"/>
+          </p:cNvSpPr>
+          <p:nvPr>
+            <p:ph type="body" idx="1"/>
+          </p:nvPr>
+        </p:nvSpPr>
+        <p:spPr/>
+        <p:txBody>
+          <a:bodyPr/>
+          <a:lstStyle/>
+          <a:p>
+            <a:pPr lvl="0" marL="0" indent="0">
+              <a:spcBef>
+                <a:spcPts val="3000"/>
+              </a:spcBef>
+              <a:buNone/>
+            </a:pPr>
+            <a:r>
+              <a:rPr b="1"/>
+              <a:t>Go</a:t>
+            </a:r>
+            <a:r>
+              <a:rPr b="1"/>
+              <a:t> </a:t>
+            </a:r>
+            <a:r>
+              <a:rPr b="1"/>
+              <a:t>Online!</a:t>
+            </a:r>
+          </a:p>
+          <a:p>
+            <a:pPr lvl="0" marL="0" indent="0">
+              <a:buNone/>
+            </a:pPr>
+          </a:p>
+          <a:p>
+            <a:pPr lvl="0" marL="0" indent="0">
+              <a:buNone/>
+            </a:pPr>
+            <a:r>
+              <a:rPr/>
+              <a:t>[15</a:t>
+            </a:r>
+            <a:r>
+              <a:rPr/>
+              <a:t> </a:t>
+            </a:r>
+            <a:r>
+              <a:rPr/>
+              <a:t>mins]</a:t>
+            </a:r>
+          </a:p>
+          <a:p>
+            <a:pPr lvl="0" marL="0" indent="0">
+              <a:buNone/>
+            </a:pPr>
+          </a:p>
+          <a:p>
+            <a:pPr lvl="1"/>
+            <a:r>
+              <a:rPr/>
+              <a:t>If</a:t>
+            </a:r>
+            <a:r>
+              <a:rPr/>
+              <a:t> </a:t>
+            </a:r>
+            <a:r>
+              <a:rPr/>
+              <a:t>your</a:t>
+            </a:r>
+            <a:r>
+              <a:rPr/>
+              <a:t> </a:t>
+            </a:r>
+            <a:r>
+              <a:rPr/>
+              <a:t>institution</a:t>
+            </a:r>
+            <a:r>
+              <a:rPr/>
+              <a:t> </a:t>
+            </a:r>
+            <a:r>
+              <a:rPr/>
+              <a:t>has</a:t>
+            </a:r>
+            <a:r>
+              <a:rPr/>
+              <a:t> </a:t>
+            </a:r>
+            <a:r>
+              <a:rPr/>
+              <a:t>server</a:t>
+            </a:r>
+            <a:r>
+              <a:rPr/>
+              <a:t> </a:t>
+            </a:r>
+            <a:r>
+              <a:rPr/>
+              <a:t>space</a:t>
+            </a:r>
+            <a:r>
+              <a:rPr/>
+              <a:t> </a:t>
+            </a:r>
+            <a:r>
+              <a:rPr/>
+              <a:t>and</a:t>
+            </a:r>
+            <a:r>
+              <a:rPr/>
+              <a:t> </a:t>
+            </a:r>
+            <a:r>
+              <a:rPr/>
+              <a:t>resources</a:t>
+            </a:r>
+            <a:r>
+              <a:rPr/>
+              <a:t> </a:t>
+            </a:r>
+            <a:r>
+              <a:rPr/>
+              <a:t>available,</a:t>
+            </a:r>
+            <a:r>
+              <a:rPr/>
+              <a:t> </a:t>
+            </a:r>
+            <a:r>
+              <a:rPr/>
+              <a:t>show</a:t>
+            </a:r>
+            <a:r>
+              <a:rPr/>
+              <a:t> </a:t>
+            </a:r>
+            <a:r>
+              <a:rPr/>
+              <a:t>participants</a:t>
+            </a:r>
+            <a:r>
+              <a:rPr/>
+              <a:t> </a:t>
+            </a:r>
+            <a:r>
+              <a:rPr/>
+              <a:t>how</a:t>
+            </a:r>
+            <a:r>
+              <a:rPr/>
+              <a:t> </a:t>
+            </a:r>
+            <a:r>
+              <a:rPr/>
+              <a:t>to</a:t>
+            </a:r>
+            <a:r>
+              <a:rPr/>
+              <a:t> </a:t>
+            </a:r>
+            <a:r>
+              <a:rPr/>
+              <a:t>use</a:t>
+            </a:r>
+            <a:r>
+              <a:rPr/>
+              <a:t> </a:t>
+            </a:r>
+            <a:r>
+              <a:rPr/>
+              <a:t>a</a:t>
+            </a:r>
+            <a:r>
+              <a:rPr/>
+              <a:t> </a:t>
+            </a:r>
+            <a:r>
+              <a:rPr/>
+              <a:t>file</a:t>
+            </a:r>
+            <a:r>
+              <a:rPr/>
+              <a:t> </a:t>
+            </a:r>
+            <a:r>
+              <a:rPr/>
+              <a:t>transfer</a:t>
+            </a:r>
+            <a:r>
+              <a:rPr/>
+              <a:t> </a:t>
+            </a:r>
+            <a:r>
+              <a:rPr/>
+              <a:t>application</a:t>
+            </a:r>
+            <a:r>
+              <a:rPr/>
+              <a:t> </a:t>
+            </a:r>
+            <a:r>
+              <a:rPr/>
+              <a:t>(such</a:t>
+            </a:r>
+            <a:r>
+              <a:rPr/>
+              <a:t> </a:t>
+            </a:r>
+            <a:r>
+              <a:rPr/>
+              <a:t>as</a:t>
+            </a:r>
+            <a:r>
+              <a:rPr/>
+              <a:t> </a:t>
+            </a:r>
+            <a:r>
+              <a:rPr/>
+              <a:t>fetch)</a:t>
+            </a:r>
+            <a:r>
+              <a:rPr/>
+              <a:t> </a:t>
+            </a:r>
+            <a:r>
+              <a:rPr/>
+              <a:t>to</a:t>
+            </a:r>
+            <a:r>
+              <a:rPr/>
+              <a:t> </a:t>
+            </a:r>
+            <a:r>
+              <a:rPr/>
+              <a:t>transfer</a:t>
+            </a:r>
+            <a:r>
+              <a:rPr/>
+              <a:t> </a:t>
+            </a:r>
+            <a:r>
+              <a:rPr/>
+              <a:t>their</a:t>
+            </a:r>
+            <a:r>
+              <a:rPr/>
+              <a:t> </a:t>
+            </a:r>
+            <a:r>
+              <a:rPr/>
+              <a:t>pages</a:t>
+            </a:r>
+            <a:r>
+              <a:rPr/>
+              <a:t> </a:t>
+            </a:r>
+            <a:r>
+              <a:rPr/>
+              <a:t>to</a:t>
+            </a:r>
+            <a:r>
+              <a:rPr/>
+              <a:t> </a:t>
+            </a:r>
+            <a:r>
+              <a:rPr/>
+              <a:t>a</a:t>
+            </a:r>
+            <a:r>
+              <a:rPr/>
+              <a:t> </a:t>
+            </a:r>
+            <a:r>
+              <a:rPr/>
+              <a:t>folder</a:t>
+            </a:r>
+            <a:r>
+              <a:rPr/>
+              <a:t> </a:t>
+            </a:r>
+            <a:r>
+              <a:rPr/>
+              <a:t>on</a:t>
+            </a:r>
+            <a:r>
+              <a:rPr/>
+              <a:t> </a:t>
+            </a:r>
+            <a:r>
+              <a:rPr/>
+              <a:t>the</a:t>
+            </a:r>
+            <a:r>
+              <a:rPr/>
+              <a:t> </a:t>
+            </a:r>
+            <a:r>
+              <a:rPr/>
+              <a:t>server.</a:t>
+            </a:r>
+            <a:r>
+              <a:rPr/>
+              <a:t> </a:t>
+            </a:r>
+            <a:r>
+              <a:rPr/>
+              <a:t>Talk</a:t>
+            </a:r>
+            <a:r>
+              <a:rPr/>
+              <a:t> </a:t>
+            </a:r>
+            <a:r>
+              <a:rPr/>
+              <a:t>about</a:t>
+            </a:r>
+            <a:r>
+              <a:rPr/>
+              <a:t> </a:t>
+            </a:r>
+            <a:r>
+              <a:rPr/>
+              <a:t>UPLOADING</a:t>
+            </a:r>
+            <a:r>
+              <a:rPr/>
+              <a:t> </a:t>
+            </a:r>
+            <a:r>
+              <a:rPr/>
+              <a:t>vs</a:t>
+            </a:r>
+            <a:r>
+              <a:rPr/>
+              <a:t> </a:t>
+            </a:r>
+            <a:r>
+              <a:rPr/>
+              <a:t>DOWNLOADING</a:t>
+            </a:r>
+          </a:p>
+          <a:p>
+            <a:pPr lvl="0" marL="0" indent="0">
+              <a:buNone/>
+            </a:pPr>
+          </a:p>
+          <a:p>
+            <a:pPr lvl="1"/>
+            <a:r>
+              <a:rPr/>
+              <a:t>Discuss</a:t>
+            </a:r>
+            <a:r>
+              <a:rPr/>
+              <a:t> </a:t>
+            </a:r>
+            <a:r>
+              <a:rPr/>
+              <a:t>how</a:t>
+            </a:r>
+            <a:r>
+              <a:rPr/>
+              <a:t> </a:t>
+            </a:r>
+            <a:r>
+              <a:rPr/>
+              <a:t>the</a:t>
+            </a:r>
+            <a:r>
+              <a:rPr/>
+              <a:t> </a:t>
+            </a:r>
+            <a:r>
+              <a:rPr/>
+              <a:t>URL</a:t>
+            </a:r>
+            <a:r>
+              <a:rPr/>
+              <a:t> </a:t>
+            </a:r>
+            <a:r>
+              <a:rPr/>
+              <a:t>will</a:t>
+            </a:r>
+            <a:r>
+              <a:rPr/>
+              <a:t> </a:t>
+            </a:r>
+            <a:r>
+              <a:rPr/>
+              <a:t>be</a:t>
+            </a:r>
+            <a:r>
+              <a:rPr/>
+              <a:t> </a:t>
+            </a:r>
+            <a:r>
+              <a:rPr/>
+              <a:t>constructed,</a:t>
+            </a:r>
+            <a:r>
+              <a:rPr/>
+              <a:t> </a:t>
+            </a:r>
+            <a:r>
+              <a:rPr/>
+              <a:t>ask</a:t>
+            </a:r>
+            <a:r>
+              <a:rPr/>
+              <a:t> </a:t>
+            </a:r>
+            <a:r>
+              <a:rPr/>
+              <a:t>users</a:t>
+            </a:r>
+            <a:r>
+              <a:rPr/>
+              <a:t> </a:t>
+            </a:r>
+            <a:r>
+              <a:rPr/>
+              <a:t>to</a:t>
+            </a:r>
+            <a:r>
+              <a:rPr/>
+              <a:t> </a:t>
+            </a:r>
+            <a:r>
+              <a:rPr/>
+              <a:t>figure</a:t>
+            </a:r>
+            <a:r>
+              <a:rPr/>
+              <a:t> </a:t>
+            </a:r>
+            <a:r>
+              <a:rPr/>
+              <a:t>out</a:t>
+            </a:r>
+            <a:r>
+              <a:rPr/>
+              <a:t> </a:t>
+            </a:r>
+            <a:r>
+              <a:rPr/>
+              <a:t>their</a:t>
+            </a:r>
+            <a:r>
+              <a:rPr/>
+              <a:t> </a:t>
+            </a:r>
+            <a:r>
+              <a:rPr/>
+              <a:t>own</a:t>
+            </a:r>
+            <a:r>
+              <a:rPr/>
+              <a:t> </a:t>
+            </a:r>
+            <a:r>
+              <a:rPr/>
+              <a:t>URLs</a:t>
+            </a:r>
+            <a:r>
+              <a:rPr/>
+              <a:t> </a:t>
+            </a:r>
+            <a:r>
+              <a:rPr/>
+              <a:t>–</a:t>
+            </a:r>
+            <a:r>
+              <a:rPr/>
+              <a:t> </a:t>
+            </a:r>
+            <a:r>
+              <a:rPr/>
+              <a:t>domain</a:t>
+            </a:r>
+            <a:r>
+              <a:rPr/>
+              <a:t> </a:t>
+            </a:r>
+            <a:r>
+              <a:rPr/>
+              <a:t>name,</a:t>
+            </a:r>
+            <a:r>
+              <a:rPr/>
+              <a:t> </a:t>
+            </a:r>
+            <a:r>
+              <a:rPr/>
+              <a:t>class</a:t>
+            </a:r>
+            <a:r>
+              <a:rPr/>
+              <a:t> </a:t>
+            </a:r>
+            <a:r>
+              <a:rPr/>
+              <a:t>folder</a:t>
+            </a:r>
+            <a:r>
+              <a:rPr/>
+              <a:t> </a:t>
+            </a:r>
+            <a:r>
+              <a:rPr/>
+              <a:t>name,</a:t>
+            </a:r>
+            <a:r>
+              <a:rPr/>
+              <a:t> </a:t>
+            </a:r>
+            <a:r>
+              <a:rPr/>
+              <a:t>personal</a:t>
+            </a:r>
+            <a:r>
+              <a:rPr/>
+              <a:t> </a:t>
+            </a:r>
+            <a:r>
+              <a:rPr/>
+              <a:t>folder</a:t>
+            </a:r>
+            <a:r>
+              <a:rPr/>
+              <a:t> </a:t>
+            </a:r>
+            <a:r>
+              <a:rPr/>
+              <a:t>name,</a:t>
+            </a:r>
+            <a:r>
+              <a:rPr/>
+              <a:t> </a:t>
+            </a:r>
+            <a:r>
+              <a:rPr/>
+              <a:t>page</a:t>
+            </a:r>
+            <a:r>
+              <a:rPr/>
+              <a:t> </a:t>
+            </a:r>
+            <a:r>
+              <a:rPr/>
+              <a:t>name.</a:t>
+            </a:r>
+          </a:p>
+          <a:p>
+            <a:pPr lvl="0" marL="0" indent="0">
+              <a:buNone/>
+            </a:pPr>
+          </a:p>
+          <a:p>
+            <a:pPr lvl="1"/>
+            <a:r>
+              <a:rPr/>
+              <a:t>Once</a:t>
+            </a:r>
+            <a:r>
+              <a:rPr/>
+              <a:t> </a:t>
+            </a:r>
+            <a:r>
+              <a:rPr/>
+              <a:t>all</a:t>
+            </a:r>
+            <a:r>
+              <a:rPr/>
+              <a:t> </a:t>
+            </a:r>
+            <a:r>
+              <a:rPr/>
+              <a:t>the</a:t>
+            </a:r>
+            <a:r>
+              <a:rPr/>
+              <a:t> </a:t>
+            </a:r>
+            <a:r>
+              <a:rPr/>
+              <a:t>pages</a:t>
+            </a:r>
+            <a:r>
+              <a:rPr/>
+              <a:t> </a:t>
+            </a:r>
+            <a:r>
+              <a:rPr/>
+              <a:t>are</a:t>
+            </a:r>
+            <a:r>
+              <a:rPr/>
+              <a:t> </a:t>
+            </a:r>
+            <a:r>
+              <a:rPr/>
+              <a:t>on</a:t>
+            </a:r>
+            <a:r>
+              <a:rPr/>
+              <a:t> </a:t>
+            </a:r>
+            <a:r>
+              <a:rPr/>
+              <a:t>the</a:t>
+            </a:r>
+            <a:r>
+              <a:rPr/>
+              <a:t> </a:t>
+            </a:r>
+            <a:r>
+              <a:rPr/>
+              <a:t>server,</a:t>
+            </a:r>
+            <a:r>
+              <a:rPr/>
+              <a:t> </a:t>
+            </a:r>
+            <a:r>
+              <a:rPr/>
+              <a:t>have</a:t>
+            </a:r>
+            <a:r>
+              <a:rPr/>
+              <a:t> </a:t>
+            </a:r>
+            <a:r>
+              <a:rPr/>
+              <a:t>users</a:t>
+            </a:r>
+            <a:r>
+              <a:rPr/>
+              <a:t> </a:t>
+            </a:r>
+            <a:r>
+              <a:rPr/>
+              <a:t>point</a:t>
+            </a:r>
+            <a:r>
+              <a:rPr/>
+              <a:t> </a:t>
+            </a:r>
+            <a:r>
+              <a:rPr/>
+              <a:t>their</a:t>
+            </a:r>
+            <a:r>
+              <a:rPr/>
+              <a:t> </a:t>
+            </a:r>
+            <a:r>
+              <a:rPr/>
+              <a:t>browsers</a:t>
+            </a:r>
+            <a:r>
+              <a:rPr/>
+              <a:t> </a:t>
+            </a:r>
+            <a:r>
+              <a:rPr/>
+              <a:t>to</a:t>
+            </a:r>
+            <a:r>
+              <a:rPr/>
+              <a:t> </a:t>
+            </a:r>
+            <a:r>
+              <a:rPr/>
+              <a:t>the</a:t>
+            </a:r>
+            <a:r>
+              <a:rPr/>
+              <a:t> </a:t>
+            </a:r>
+            <a:r>
+              <a:rPr/>
+              <a:t>URL</a:t>
+            </a:r>
+            <a:r>
+              <a:rPr/>
+              <a:t> </a:t>
+            </a:r>
+            <a:r>
+              <a:rPr/>
+              <a:t>on</a:t>
+            </a:r>
+            <a:r>
+              <a:rPr/>
+              <a:t> </a:t>
+            </a:r>
+            <a:r>
+              <a:rPr/>
+              <a:t>the</a:t>
+            </a:r>
+            <a:r>
+              <a:rPr/>
+              <a:t> </a:t>
+            </a:r>
+            <a:r>
+              <a:rPr/>
+              <a:t>web</a:t>
+            </a:r>
+            <a:r>
+              <a:rPr/>
+              <a:t> </a:t>
+            </a:r>
+            <a:r>
+              <a:rPr/>
+              <a:t>to</a:t>
+            </a:r>
+            <a:r>
+              <a:rPr/>
+              <a:t> </a:t>
+            </a:r>
+            <a:r>
+              <a:rPr/>
+              <a:t>see</a:t>
+            </a:r>
+            <a:r>
+              <a:rPr/>
+              <a:t> </a:t>
+            </a:r>
+            <a:r>
+              <a:rPr/>
+              <a:t>their</a:t>
+            </a:r>
+            <a:r>
+              <a:rPr/>
+              <a:t> </a:t>
+            </a:r>
+            <a:r>
+              <a:rPr/>
+              <a:t>pages.</a:t>
+            </a:r>
+            <a:r>
+              <a:rPr/>
+              <a:t> </a:t>
+            </a:r>
+            <a:r>
+              <a:rPr/>
+              <a:t>You’re</a:t>
+            </a:r>
+            <a:r>
+              <a:rPr/>
+              <a:t> </a:t>
+            </a:r>
+            <a:r>
+              <a:rPr/>
+              <a:t>on</a:t>
+            </a:r>
+            <a:r>
+              <a:rPr/>
+              <a:t> </a:t>
+            </a:r>
+            <a:r>
+              <a:rPr/>
+              <a:t>the</a:t>
+            </a:r>
+            <a:r>
+              <a:rPr/>
+              <a:t> </a:t>
+            </a:r>
+            <a:r>
+              <a:rPr/>
+              <a:t>web</a:t>
+            </a:r>
+            <a:r>
+              <a:rPr/>
+              <a:t> </a:t>
+            </a:r>
+            <a:r>
+              <a:rPr/>
+              <a:t>for</a:t>
+            </a:r>
+            <a:r>
+              <a:rPr/>
+              <a:t> </a:t>
+            </a:r>
+            <a:r>
+              <a:rPr/>
+              <a:t>real!</a:t>
+            </a:r>
+            <a:r>
+              <a:rPr/>
+              <a:t> </a:t>
+            </a:r>
+            <a:r>
+              <a:rPr/>
+              <a:t>Woo-hoo!</a:t>
+            </a:r>
+          </a:p>
+          <a:p>
+            <a:pPr lvl="0" marL="0" indent="0">
+              <a:buNone/>
+            </a:pPr>
+          </a:p>
+          <a:p>
+            <a:pPr lvl="0" marL="1270000" indent="0">
+              <a:buNone/>
+            </a:pPr>
+            <a:r>
+              <a:rPr sz="2000"/>
+              <a:t>Tip!</a:t>
+            </a:r>
+            <a:r>
+              <a:rPr sz="2000"/>
+              <a:t> </a:t>
+            </a:r>
+            <a:r>
+              <a:rPr sz="2000"/>
+              <a:t>If</a:t>
+            </a:r>
+            <a:r>
+              <a:rPr sz="2000"/>
+              <a:t> </a:t>
+            </a:r>
+            <a:r>
+              <a:rPr sz="2000"/>
+              <a:t>time,</a:t>
+            </a:r>
+            <a:r>
+              <a:rPr sz="2000"/>
+              <a:t> </a:t>
+            </a:r>
+            <a:r>
+              <a:rPr sz="2000"/>
+              <a:t>have</a:t>
+            </a:r>
+            <a:r>
+              <a:rPr sz="2000"/>
+              <a:t> </a:t>
+            </a:r>
+            <a:r>
+              <a:rPr sz="2000"/>
+              <a:t>a</a:t>
+            </a:r>
+            <a:r>
+              <a:rPr sz="2000"/>
+              <a:t> </a:t>
+            </a:r>
+            <a:r>
+              <a:rPr sz="2000"/>
+              <a:t>brief</a:t>
+            </a:r>
+            <a:r>
+              <a:rPr sz="2000"/>
+              <a:t> </a:t>
+            </a:r>
+            <a:r>
+              <a:rPr sz="2000"/>
+              <a:t>discussion</a:t>
+            </a:r>
+            <a:r>
+              <a:rPr sz="2000"/>
+              <a:t> </a:t>
+            </a:r>
+            <a:r>
+              <a:rPr sz="2000"/>
+              <a:t>of</a:t>
+            </a:r>
+            <a:r>
+              <a:rPr sz="2000"/>
+              <a:t> </a:t>
+            </a:r>
+            <a:r>
+              <a:rPr sz="2000"/>
+              <a:t>web</a:t>
+            </a:r>
+            <a:r>
+              <a:rPr sz="2000"/>
+              <a:t> </a:t>
+            </a:r>
+            <a:r>
+              <a:rPr sz="2000"/>
+              <a:t>hosting,</a:t>
+            </a:r>
+            <a:r>
+              <a:rPr sz="2000"/>
+              <a:t> </a:t>
+            </a:r>
+            <a:r>
+              <a:rPr sz="2000"/>
+              <a:t>what</a:t>
+            </a:r>
+            <a:r>
+              <a:rPr sz="2000"/>
+              <a:t> </a:t>
+            </a:r>
+            <a:r>
+              <a:rPr sz="2000"/>
+              <a:t>it</a:t>
+            </a:r>
+            <a:r>
+              <a:rPr sz="2000"/>
+              <a:t> </a:t>
+            </a:r>
+            <a:r>
+              <a:rPr sz="2000"/>
+              <a:t>means,</a:t>
+            </a:r>
+            <a:r>
+              <a:rPr sz="2000"/>
+              <a:t> </a:t>
+            </a:r>
+            <a:r>
+              <a:rPr sz="2000"/>
+              <a:t>how</a:t>
+            </a:r>
+            <a:r>
+              <a:rPr sz="2000"/>
+              <a:t> </a:t>
+            </a:r>
+            <a:r>
+              <a:rPr sz="2000"/>
+              <a:t>it</a:t>
+            </a:r>
+            <a:r>
+              <a:rPr sz="2000"/>
+              <a:t> </a:t>
+            </a:r>
+            <a:r>
+              <a:rPr sz="2000"/>
+              <a:t>works,</a:t>
+            </a:r>
+            <a:r>
+              <a:rPr sz="2000"/>
+              <a:t> </a:t>
+            </a:r>
+            <a:r>
+              <a:rPr sz="2000"/>
+              <a:t>how</a:t>
+            </a:r>
+            <a:r>
+              <a:rPr sz="2000"/>
+              <a:t> </a:t>
+            </a:r>
+            <a:r>
+              <a:rPr sz="2000"/>
+              <a:t>much</a:t>
+            </a:r>
+            <a:r>
+              <a:rPr sz="2000"/>
+              <a:t> </a:t>
+            </a:r>
+            <a:r>
+              <a:rPr sz="2000"/>
+              <a:t>it</a:t>
+            </a:r>
+            <a:r>
+              <a:rPr sz="2000"/>
+              <a:t> </a:t>
+            </a:r>
+            <a:r>
+              <a:rPr sz="2000"/>
+              <a:t>costs,</a:t>
+            </a:r>
+            <a:r>
+              <a:rPr sz="2000"/>
+              <a:t> </a:t>
+            </a:r>
+            <a:r>
+              <a:rPr sz="2000"/>
+              <a:t>what</a:t>
+            </a:r>
+            <a:r>
+              <a:rPr sz="2000"/>
+              <a:t> </a:t>
+            </a:r>
+            <a:r>
+              <a:rPr sz="2000"/>
+              <a:t>hosting</a:t>
+            </a:r>
+            <a:r>
+              <a:rPr sz="2000"/>
+              <a:t> </a:t>
+            </a:r>
+            <a:r>
+              <a:rPr sz="2000"/>
+              <a:t>companies</a:t>
+            </a:r>
+            <a:r>
+              <a:rPr sz="2000"/>
+              <a:t> </a:t>
+            </a:r>
+            <a:r>
+              <a:rPr sz="2000"/>
+              <a:t>do.</a:t>
+            </a:r>
+          </a:p>
+          <a:p>
+            <a:pPr lvl="0" marL="0" indent="0">
+              <a:buNone/>
+            </a:pPr>
+          </a:p>
+          <a:p>
+            <a:pPr lvl="0" marL="0" indent="0">
+              <a:spcBef>
+                <a:spcPts val="3000"/>
+              </a:spcBef>
+              <a:buNone/>
+            </a:pPr>
+            <a:r>
+              <a:rPr b="1"/>
+              <a:t>Learning</a:t>
+            </a:r>
+            <a:r>
+              <a:rPr b="1"/>
+              <a:t> </a:t>
+            </a:r>
+            <a:r>
+              <a:rPr b="1"/>
+              <a:t>Experience</a:t>
+            </a:r>
+            <a:r>
+              <a:rPr b="1"/>
+              <a:t> </a:t>
+            </a:r>
+            <a:r>
+              <a:rPr b="1"/>
+              <a:t>Reflection</a:t>
+            </a:r>
+          </a:p>
+          <a:p>
+            <a:pPr lvl="0" marL="0" indent="0">
+              <a:buNone/>
+            </a:pPr>
+          </a:p>
+          <a:p>
+            <a:pPr lvl="0" marL="0" indent="0">
+              <a:buNone/>
+            </a:pPr>
+            <a:r>
+              <a:rPr/>
+              <a:t>[5</a:t>
+            </a:r>
+            <a:r>
+              <a:rPr/>
+              <a:t> </a:t>
+            </a:r>
+            <a:r>
+              <a:rPr/>
+              <a:t>mins]</a:t>
+            </a:r>
+          </a:p>
+          <a:p>
+            <a:pPr lvl="0" marL="0" indent="0">
+              <a:buNone/>
+            </a:pPr>
+          </a:p>
+          <a:p>
+            <a:pPr lvl="1"/>
+            <a:r>
+              <a:rPr/>
+              <a:t>What</a:t>
+            </a:r>
+            <a:r>
+              <a:rPr/>
+              <a:t> </a:t>
+            </a:r>
+            <a:r>
+              <a:rPr/>
+              <a:t>did</a:t>
+            </a:r>
+            <a:r>
+              <a:rPr/>
+              <a:t> </a:t>
+            </a:r>
+            <a:r>
+              <a:rPr/>
+              <a:t>you</a:t>
+            </a:r>
+            <a:r>
+              <a:rPr/>
+              <a:t> </a:t>
+            </a:r>
+            <a:r>
+              <a:rPr/>
+              <a:t>like</a:t>
+            </a:r>
+            <a:r>
+              <a:rPr/>
+              <a:t> </a:t>
+            </a:r>
+            <a:r>
+              <a:rPr/>
+              <a:t>about</a:t>
+            </a:r>
+            <a:r>
+              <a:rPr/>
+              <a:t> </a:t>
+            </a:r>
+            <a:r>
+              <a:rPr/>
+              <a:t>this</a:t>
+            </a:r>
+            <a:r>
+              <a:rPr/>
+              <a:t> </a:t>
+            </a:r>
+            <a:r>
+              <a:rPr/>
+              <a:t>activity?</a:t>
+            </a:r>
+          </a:p>
+          <a:p>
+            <a:pPr lvl="0" marL="0" indent="0">
+              <a:buNone/>
+            </a:pPr>
+          </a:p>
+          <a:p>
+            <a:pPr lvl="1"/>
+            <a:r>
+              <a:rPr/>
+              <a:t>If</a:t>
+            </a:r>
+            <a:r>
+              <a:rPr/>
+              <a:t> </a:t>
+            </a:r>
+            <a:r>
+              <a:rPr/>
+              <a:t>you</a:t>
+            </a:r>
+            <a:r>
+              <a:rPr/>
+              <a:t> </a:t>
+            </a:r>
+            <a:r>
+              <a:rPr/>
+              <a:t>might</a:t>
+            </a:r>
+            <a:r>
+              <a:rPr/>
+              <a:t> </a:t>
+            </a:r>
+            <a:r>
+              <a:rPr/>
+              <a:t>teach</a:t>
+            </a:r>
+            <a:r>
+              <a:rPr/>
+              <a:t> </a:t>
+            </a:r>
+            <a:r>
+              <a:rPr/>
+              <a:t>this</a:t>
+            </a:r>
+            <a:r>
+              <a:rPr/>
+              <a:t> </a:t>
+            </a:r>
+            <a:r>
+              <a:rPr/>
+              <a:t>activity</a:t>
+            </a:r>
+            <a:r>
+              <a:rPr/>
+              <a:t> </a:t>
+            </a:r>
+            <a:r>
+              <a:rPr/>
+              <a:t>to</a:t>
+            </a:r>
+            <a:r>
+              <a:rPr/>
+              <a:t> </a:t>
+            </a:r>
+            <a:r>
+              <a:rPr/>
+              <a:t>a</a:t>
+            </a:r>
+            <a:r>
+              <a:rPr/>
+              <a:t> </a:t>
+            </a:r>
+            <a:r>
+              <a:rPr/>
+              <a:t>particular</a:t>
+            </a:r>
+            <a:r>
+              <a:rPr/>
+              <a:t> </a:t>
+            </a:r>
+            <a:r>
+              <a:rPr/>
+              <a:t>audience,</a:t>
+            </a:r>
+            <a:r>
+              <a:rPr/>
+              <a:t> </a:t>
+            </a:r>
+            <a:r>
+              <a:rPr/>
+              <a:t>what</a:t>
+            </a:r>
+            <a:r>
+              <a:rPr/>
+              <a:t> </a:t>
+            </a:r>
+            <a:r>
+              <a:rPr/>
+              <a:t>might</a:t>
+            </a:r>
+            <a:r>
+              <a:rPr/>
+              <a:t> </a:t>
+            </a:r>
+            <a:r>
+              <a:rPr/>
+              <a:t>you</a:t>
+            </a:r>
+            <a:r>
+              <a:rPr/>
+              <a:t> </a:t>
+            </a:r>
+            <a:r>
+              <a:rPr/>
+              <a:t>change</a:t>
+            </a:r>
+            <a:r>
+              <a:rPr/>
+              <a:t> </a:t>
+            </a:r>
+            <a:r>
+              <a:rPr/>
+              <a:t>about</a:t>
+            </a:r>
+            <a:r>
+              <a:rPr/>
+              <a:t> </a:t>
+            </a:r>
+            <a:r>
+              <a:rPr/>
+              <a:t>the</a:t>
+            </a:r>
+            <a:r>
+              <a:rPr/>
+              <a:t> </a:t>
+            </a:r>
+            <a:r>
+              <a:rPr/>
+              <a:t>process,</a:t>
+            </a:r>
+            <a:r>
+              <a:rPr/>
+              <a:t> </a:t>
+            </a:r>
+            <a:r>
+              <a:rPr/>
+              <a:t>structure,</a:t>
+            </a:r>
+            <a:r>
+              <a:rPr/>
+              <a:t> </a:t>
+            </a:r>
+            <a:r>
+              <a:rPr/>
+              <a:t>or</a:t>
+            </a:r>
+            <a:r>
+              <a:rPr/>
+              <a:t> </a:t>
+            </a:r>
+            <a:r>
+              <a:rPr/>
+              <a:t>content</a:t>
+            </a:r>
+            <a:r>
+              <a:rPr/>
+              <a:t> </a:t>
+            </a:r>
+            <a:r>
+              <a:rPr/>
+              <a:t>to</a:t>
+            </a:r>
+            <a:r>
+              <a:rPr/>
+              <a:t> </a:t>
+            </a:r>
+            <a:r>
+              <a:rPr/>
+              <a:t>better</a:t>
+            </a:r>
+            <a:r>
+              <a:rPr/>
+              <a:t> </a:t>
+            </a:r>
+            <a:r>
+              <a:rPr/>
+              <a:t>meet</a:t>
+            </a:r>
+            <a:r>
+              <a:rPr/>
+              <a:t> </a:t>
+            </a:r>
+            <a:r>
+              <a:rPr/>
+              <a:t>the</a:t>
+            </a:r>
+            <a:r>
+              <a:rPr/>
+              <a:t> </a:t>
+            </a:r>
+            <a:r>
+              <a:rPr/>
+              <a:t>needs</a:t>
+            </a:r>
+            <a:r>
+              <a:rPr/>
+              <a:t> </a:t>
+            </a:r>
+            <a:r>
+              <a:rPr/>
+              <a:t>of</a:t>
+            </a:r>
+            <a:r>
+              <a:rPr/>
+              <a:t> </a:t>
+            </a:r>
+            <a:r>
+              <a:rPr/>
+              <a:t>that</a:t>
+            </a:r>
+            <a:r>
+              <a:rPr/>
+              <a:t> </a:t>
+            </a:r>
+            <a:r>
+              <a:rPr/>
+              <a:t>audience?</a:t>
+            </a:r>
+          </a:p>
+          <a:p>
+            <a:pPr lvl="0" marL="0" indent="0">
+              <a:buNone/>
+            </a:pPr>
+          </a:p>
+          <a:p>
+            <a:pPr lvl="0" marL="0" indent="0">
+              <a:spcBef>
+                <a:spcPts val="3000"/>
+              </a:spcBef>
+              <a:buNone/>
+            </a:pPr>
+            <a:r>
+              <a:rPr b="1"/>
+              <a:t>Feedback</a:t>
+            </a:r>
+            <a:r>
+              <a:rPr b="1"/>
+              <a:t> </a:t>
+            </a:r>
+            <a:r>
+              <a:rPr b="1"/>
+              <a:t>on</a:t>
+            </a:r>
+            <a:r>
+              <a:rPr b="1"/>
+              <a:t> </a:t>
+            </a:r>
+            <a:r>
+              <a:rPr b="1"/>
+              <a:t>Core</a:t>
+            </a:r>
+            <a:r>
+              <a:rPr b="1"/>
+              <a:t> </a:t>
+            </a:r>
+            <a:r>
+              <a:rPr b="1"/>
+              <a:t>Curriculum</a:t>
+            </a:r>
+          </a:p>
+          <a:p>
+            <a:pPr lvl="0" marL="0" indent="0">
+              <a:buNone/>
+            </a:pPr>
+          </a:p>
+          <a:p>
+            <a:pPr lvl="1"/>
+            <a:r>
+              <a:rPr/>
+              <a:t>Tell</a:t>
+            </a:r>
+            <a:r>
+              <a:rPr/>
+              <a:t> </a:t>
+            </a:r>
+            <a:r>
+              <a:rPr/>
+              <a:t>us</a:t>
+            </a:r>
+            <a:r>
+              <a:rPr/>
+              <a:t> </a:t>
+            </a:r>
+            <a:r>
+              <a:rPr/>
+              <a:t>how</a:t>
+            </a:r>
+            <a:r>
+              <a:rPr/>
+              <a:t> </a:t>
+            </a:r>
+            <a:r>
+              <a:rPr/>
+              <a:t>and</a:t>
+            </a:r>
+            <a:r>
+              <a:rPr/>
+              <a:t> </a:t>
+            </a:r>
+            <a:r>
+              <a:rPr/>
+              <a:t>where</a:t>
+            </a:r>
+            <a:r>
+              <a:rPr/>
+              <a:t> </a:t>
+            </a:r>
+            <a:r>
+              <a:rPr/>
+              <a:t>you’re</a:t>
+            </a:r>
+            <a:r>
+              <a:rPr/>
+              <a:t> </a:t>
+            </a:r>
+            <a:r>
+              <a:rPr/>
+              <a:t>using</a:t>
+            </a:r>
+            <a:r>
+              <a:rPr/>
+              <a:t> </a:t>
+            </a:r>
+            <a:r>
+              <a:rPr/>
+              <a:t>the</a:t>
+            </a:r>
+            <a:r>
+              <a:rPr/>
+              <a:t> </a:t>
+            </a:r>
+            <a:r>
+              <a:rPr/>
+              <a:t>curriculum</a:t>
+            </a:r>
+            <a:r>
+              <a:rPr/>
+              <a:t> </a:t>
+            </a:r>
+            <a:r>
+              <a:rPr/>
+              <a:t>and</a:t>
+            </a:r>
+            <a:r>
+              <a:rPr/>
+              <a:t> </a:t>
+            </a:r>
+            <a:r>
+              <a:rPr/>
+              <a:t>what</a:t>
+            </a:r>
+            <a:r>
+              <a:rPr/>
+              <a:t> </a:t>
+            </a:r>
+            <a:r>
+              <a:rPr/>
+              <a:t>you’ve</a:t>
+            </a:r>
+            <a:r>
+              <a:rPr/>
+              <a:t> </a:t>
+            </a:r>
+            <a:r>
+              <a:rPr/>
+              <a:t>learned</a:t>
+            </a:r>
+            <a:r>
+              <a:rPr/>
+              <a:t> </a:t>
+            </a:r>
+            <a:r>
+              <a:rPr/>
+              <a:t>and</a:t>
+            </a:r>
+            <a:r>
+              <a:rPr/>
+              <a:t> </a:t>
+            </a:r>
+            <a:r>
+              <a:rPr/>
+              <a:t>what</a:t>
+            </a:r>
+            <a:r>
+              <a:rPr/>
+              <a:t> </a:t>
+            </a:r>
+            <a:r>
+              <a:rPr/>
+              <a:t>you</a:t>
+            </a:r>
+            <a:r>
+              <a:rPr/>
+              <a:t> </a:t>
+            </a:r>
+            <a:r>
+              <a:rPr/>
+              <a:t>might</a:t>
+            </a:r>
+            <a:r>
+              <a:rPr/>
+              <a:t> </a:t>
+            </a:r>
+            <a:r>
+              <a:rPr/>
+              <a:t>change</a:t>
+            </a:r>
+            <a:r>
+              <a:rPr/>
+              <a:t>.</a:t>
+            </a:r>
+          </a:p>
+        </p:txBody>
+      </p:sp>
+      <p:sp>
+        <p:nvSpPr>
+          <p:cNvPr id="4" name="Slide Number Placeholder 3"/>
+          <p:cNvSpPr>
+            <a:spLocks noGrp="1"/>
+          </p:cNvSpPr>
+          <p:nvPr>
+            <p:ph type="sldNum" sz="quarter" idx="10"/>
+          </p:nvPr>
+        </p:nvSpPr>
+        <p:spPr/>
+        <p:txBody>
+          <a:bodyPr/>
+          <a:lstStyle/>
+          <a:p>
+            <a:fld id="{18BDFEC3-8487-43E8-A154-7C12CBC1FFF2}" type="slidenum">
+              <a:rPr lang="en-US"/>
+              <a:t>9</a:t>
             </a:fld>
             <a:endParaRPr lang="en-US"/>
           </a:p>
@@ -10955,6 +17566,84 @@
 </p:sld>
 </file>
 
+<file path=ppt/slides/slide10.xml><?xml version="1.0" encoding="utf-8"?>
+<p:sld xmlns:a="http://schemas.openxmlformats.org/drawingml/2006/main" xmlns:r="http://schemas.openxmlformats.org/officeDocument/2006/relationships" xmlns:p="http://schemas.openxmlformats.org/presentationml/2006/main">
+  <p:cSld>
+    <p:spTree>
+      <p:nvGrpSpPr>
+        <p:cNvPr id="1" name=""/>
+        <p:cNvGrpSpPr/>
+        <p:nvPr/>
+      </p:nvGrpSpPr>
+      <p:grpSpPr>
+        <a:xfrm>
+          <a:off x="0" y="0"/>
+          <a:ext cx="0" cy="0"/>
+          <a:chOff x="0" y="0"/>
+          <a:chExt cx="0" cy="0"/>
+        </a:xfrm>
+      </p:grpSpPr>
+      <p:sp>
+        <p:nvSpPr>
+          <p:cNvPr id="2" name="Title 1"/>
+          <p:cNvSpPr>
+            <a:spLocks noGrp="1"/>
+          </p:cNvSpPr>
+          <p:nvPr>
+            <p:ph type="title"/>
+          </p:nvPr>
+        </p:nvSpPr>
+        <p:spPr/>
+        <p:txBody>
+          <a:bodyPr/>
+          <a:lstStyle/>
+          <a:p>
+            <a:pPr lvl="0" marL="0" indent="0">
+              <a:buNone/>
+            </a:pPr>
+            <a:r>
+              <a:rPr/>
+              <a:t>mozilla</a:t>
+            </a:r>
+          </a:p>
+        </p:txBody>
+      </p:sp>
+      <p:sp>
+        <p:nvSpPr>
+          <p:cNvPr id="3" name="Content Placeholder 2"/>
+          <p:cNvSpPr>
+            <a:spLocks noGrp="1"/>
+          </p:cNvSpPr>
+          <p:nvPr>
+            <p:ph idx="1"/>
+          </p:nvPr>
+        </p:nvSpPr>
+        <p:spPr/>
+        <p:txBody>
+          <a:bodyPr/>
+          <a:lstStyle/>
+          <a:p>
+            <a:pPr lvl="0" marL="0" indent="0">
+              <a:buNone/>
+            </a:pPr>
+            <a:r>
+              <a:rPr/>
+              <a:t>Mozilla is a global non-profit dedicated to putting you in control of your online experience and shaping the future of the web for the public good. Visit us at </a:t>
+            </a:r>
+            <a:r>
+              <a:rPr>
+                <a:hlinkClick r:id="rId2"/>
+              </a:rPr>
+              <a:t>mozilla.org</a:t>
+            </a:r>
+          </a:p>
+        </p:txBody>
+      </p:sp>
+    </p:spTree>
+  </p:cSld>
+</p:sld>
+</file>
+
 <file path=ppt/slides/slide2.xml><?xml version="1.0" encoding="utf-8"?>
 <p:sld xmlns:a="http://schemas.openxmlformats.org/drawingml/2006/main" xmlns:r="http://schemas.openxmlformats.org/officeDocument/2006/relationships" xmlns:p="http://schemas.openxmlformats.org/presentationml/2006/main">
   <p:cSld>
@@ -11124,13 +17813,6 @@
               <a:t>Create a simple web page</a:t>
             </a:r>
           </a:p>
-          <a:p>
-            <a:pPr lvl="1"/>
-            <a:r>
-              <a:rPr/>
-              <a:t>Transfer web page online</a:t>
-            </a:r>
-          </a:p>
         </p:txBody>
       </p:sp>
     </p:spTree>
@@ -11212,14 +17894,21 @@
             <a:pPr lvl="1"/>
             <a:r>
               <a:rPr/>
-              <a:t>HTML file + Browser, like Firefox = WEB PAGE AMAZINGNESS FOR YOU (hopefully).</a:t>
+              <a:t>HTML file + Browser, like Firefox / Edge = WEB PAGE AMAZINGNESS FOR YOU (hopefully).</a:t>
             </a:r>
           </a:p>
           <a:p>
             <a:pPr lvl="1"/>
             <a:r>
               <a:rPr/>
-              <a:t>To get started, we need CONTENT– because the web is all about communication and sharing of information and ideas. Let’s generate some content together!</a:t>
+              <a:t>To get started, we need CONTENT</a:t>
+            </a:r>
+          </a:p>
+          <a:p>
+            <a:pPr lvl="2"/>
+            <a:r>
+              <a:rPr/>
+              <a:t>The web is all about communication and sharing of information and ideas. Let’s generate some content together!</a:t>
             </a:r>
           </a:p>
         </p:txBody>
@@ -11305,49 +17994,70 @@
             <a:pPr lvl="1"/>
             <a:r>
               <a:rPr/>
-              <a:t>Write your Biography or “About” page. Have participants break into pairs and interview each other about their lives. As facilitator, keep track of time to ensure that each learner has equal time for their story.</a:t>
+              <a:t>You will write your Biography or “About Me” article.</a:t>
             </a:r>
           </a:p>
           <a:p>
             <a:pPr lvl="1"/>
             <a:r>
               <a:rPr/>
-              <a:t>Review/Edit: Have each learner take the notes from their story and review them– consider adding details, think of what you left out.</a:t>
-            </a:r>
-          </a:p>
-          <a:p>
-            <a:pPr lvl="1"/>
-            <a:r>
-              <a:rPr/>
-              <a:t>Organize, and Type Up: Have learners type up their stories in a basic text editor, being sure to use “plain text mode” (not Rich Text mode). As they type up the story, they might consider organizing and structuring the story into a beginning, middle, and end. Maybe they can think of titles for the sections: “Early Days” “These Days” “What’s Next” Or they can find ways other ways to organize the content, if they talked more about interest sections– “My favorite songs” “My favorite places” etc. Creating these sections will help structure the biography for easy reading as a web page.</a:t>
-            </a:r>
-          </a:p>
-          <a:p>
-            <a:pPr lvl="1"/>
-            <a:r>
-              <a:rPr/>
-              <a:t>Title Your Story! Come up with a snappy title for your story or content or go with something basic.</a:t>
-            </a:r>
-          </a:p>
-          <a:p>
-            <a:pPr lvl="1"/>
-            <a:r>
-              <a:rPr/>
-              <a:t>Make a new folder on your computer and call it “xx-webpage” using your initials.</a:t>
-            </a:r>
-          </a:p>
-          <a:p>
-            <a:pPr lvl="1"/>
-            <a:r>
-              <a:rPr/>
-              <a:t>Save your story in the folder with .txt as the extension– Give it a title with no spaces or punctuation other than dashes or underscores, like “about-zm.txt” This is the text version of your story, the raw content.</a:t>
-            </a:r>
-          </a:p>
-          <a:p>
-            <a:pPr lvl="1"/>
-            <a:r>
-              <a:rPr/>
-              <a:t>Also, save your story in the folder with .html as the extension, instead of .txt– this will be your web version. The .html tells the browser to look for html code in the file. Give it a title with no spaces or punctuation other than dashes or underscores, like “about-zm.html”</a:t>
+              <a:t>In pairs, interview each other about your lives.</a:t>
+            </a:r>
+          </a:p>
+          <a:p>
+            <a:pPr lvl="2"/>
+            <a:r>
+              <a:rPr/>
+              <a:t>5 mins each</a:t>
+            </a:r>
+          </a:p>
+          <a:p>
+            <a:pPr lvl="2"/>
+            <a:r>
+              <a:rPr/>
+              <a:t>If you don’t want to share personal stuff, make up a fictional character and tell that character’s story.</a:t>
+            </a:r>
+          </a:p>
+          <a:p>
+            <a:pPr lvl="2"/>
+            <a:r>
+              <a:rPr/>
+              <a:t>The listener takes notes</a:t>
+            </a:r>
+          </a:p>
+          <a:p>
+            <a:pPr lvl="3"/>
+            <a:r>
+              <a:rPr/>
+              <a:t>What’s your name?</a:t>
+            </a:r>
+          </a:p>
+          <a:p>
+            <a:pPr lvl="3"/>
+            <a:r>
+              <a:rPr/>
+              <a:t>Where were you born? Where did you grow up? What was that like?</a:t>
+            </a:r>
+          </a:p>
+          <a:p>
+            <a:pPr lvl="3"/>
+            <a:r>
+              <a:rPr/>
+              <a:t>What are you doing now? How do you spend your time? What are your favorite things to do, favorite places, foods, music, etc</a:t>
+            </a:r>
+          </a:p>
+          <a:p>
+            <a:pPr lvl="3"/>
+            <a:r>
+              <a:rPr/>
+              <a:t>Is there a favorite moment, proudest moment that stands out?</a:t>
+            </a:r>
+          </a:p>
+          <a:p>
+            <a:pPr lvl="3"/>
+            <a:r>
+              <a:rPr/>
+              <a:t>What are your plans and dreams for the future?</a:t>
             </a:r>
           </a:p>
         </p:txBody>
@@ -11394,15 +18104,7 @@
             </a:pPr>
             <a:r>
               <a:rPr/>
-              <a:t>Get</a:t>
-            </a:r>
-            <a:r>
-              <a:rPr/>
-              <a:t> </a:t>
-            </a:r>
-            <a:r>
-              <a:rPr/>
-              <a:t>Tagging!</a:t>
+              <a:t>Review/Edit</a:t>
             </a:r>
           </a:p>
         </p:txBody>
@@ -11422,185 +18124,59 @@
           <a:bodyPr/>
           <a:lstStyle/>
           <a:p>
-            <a:pPr lvl="0" marL="0" indent="0">
-              <a:buNone/>
-            </a:pPr>
-            <a:r>
-              <a:rPr/>
-              <a:t>marking up their story</a:t>
-            </a:r>
-          </a:p>
-          <a:p>
-            <a:pPr lvl="0" marL="0" indent="0">
-              <a:buNone/>
-            </a:pPr>
-            <a:r>
-              <a:rPr/>
-              <a:t>::: notes</a:t>
-            </a:r>
-          </a:p>
-          <a:p>
             <a:pPr lvl="1"/>
             <a:r>
               <a:rPr/>
-              <a:t>Explain to users that they’ll be marking up their story– the .html version– with HTML, to make it ready for display in the browser. Explain that since coding HTML and thinking of and writing content are two different ways of thinking, they should always have content written before they mark it up, rather than write and mark-up at the same time.</a:t>
-            </a:r>
-          </a:p>
-          <a:p>
-            <a:pPr lvl="0" marL="1270000" indent="0">
-              <a:buNone/>
-            </a:pPr>
-            <a:r>
-              <a:rPr sz="2000"/>
-              <a:t>Tip! A great way to help learners do this, if you have access to an instructor’s computer and projector, is to do the activity on your own content along with learners, and project the results so everyone can see what you’re doing.</a:t>
+              <a:t>Open Visual Studio Code / Atom / Notepad</a:t>
             </a:r>
           </a:p>
           <a:p>
             <a:pPr lvl="1"/>
             <a:r>
               <a:rPr/>
-              <a:t>Start the file with a doctype tag– this is one of the only tags that doesn’t have content inside, and no closing tag– it’s a lonely single tag, reminding the browser, again that we’re writing html&lt;!DOCTYPE html&gt;</a:t>
+              <a:t>Take the notes from your story and type them up</a:t>
+            </a:r>
+          </a:p>
+          <a:p>
+            <a:pPr lvl="2"/>
+            <a:r>
+              <a:rPr/>
+              <a:t>review them as you go</a:t>
+            </a:r>
+          </a:p>
+          <a:p>
+            <a:pPr lvl="2"/>
+            <a:r>
+              <a:rPr/>
+              <a:t>consider adding details,</a:t>
+            </a:r>
+          </a:p>
+          <a:p>
+            <a:pPr lvl="2"/>
+            <a:r>
+              <a:rPr/>
+              <a:t>think of what you left out.</a:t>
             </a:r>
           </a:p>
           <a:p>
             <a:pPr lvl="1"/>
             <a:r>
               <a:rPr/>
-              <a:t>Add an</a:t>
-            </a:r>
-          </a:p>
-          <a:p>
-            <a:pPr lvl="1">
-              <a:buNone/>
-            </a:pPr>
-            <a:r>
-              <a:rPr/>
-              <a:t>and</a:t>
-            </a:r>
-          </a:p>
-          <a:p>
-            <a:pPr lvl="1">
-              <a:buNone/>
-            </a:pPr>
-            <a:r>
-              <a:rPr/>
-              <a:t>tags that wrap around the ENTIRE page– so everything inside can get tagged with markup language.</a:t>
+              <a:t>Consider organizing and structuring the story into a beginning, middle, and end.</a:t>
             </a:r>
           </a:p>
           <a:p>
             <a:pPr lvl="1"/>
             <a:r>
               <a:rPr/>
-              <a:t>After this, make a section with a set of tags called</a:t>
-            </a:r>
-          </a:p>
-          <a:p>
-            <a:pPr lvl="1">
-              <a:buNone/>
-            </a:pPr>
-            <a:r>
-              <a:rPr/>
-              <a:t>at the top of the page, before all your written content. We’ll put one bit of content in here for the browser, but we won’t see it appear on the main page itself. This is the page title, which:</a:t>
-            </a:r>
-          </a:p>
-          <a:p>
-            <a:pPr lvl="2"/>
-            <a:r>
-              <a:rPr/>
-              <a:t>defines a title in the browser tab</a:t>
-            </a:r>
-          </a:p>
-          <a:p>
-            <a:pPr lvl="2"/>
-            <a:r>
-              <a:rPr/>
-              <a:t>provides a title for the page when it is added to favorites</a:t>
-            </a:r>
-          </a:p>
-          <a:p>
-            <a:pPr lvl="2"/>
-            <a:r>
-              <a:rPr/>
-              <a:t>displays a title for the page in search engine results.</a:t>
+              <a:t>Maybe think of titles for the sections: “Early Days” “These Days” “What’s Next”. Or another way to organize the content</a:t>
             </a:r>
           </a:p>
           <a:p>
             <a:pPr lvl="1"/>
             <a:r>
               <a:rPr/>
-              <a:t>Next, add the tags– these should be around the entire text for the page.</a:t>
-            </a:r>
-          </a:p>
-          <a:p>
-            <a:pPr lvl="1"/>
-            <a:r>
-              <a:rPr/>
-              <a:t>Use h1 for your page’s top headline, the on-screen title for your story (different from the title tag)</a:t>
-            </a:r>
-          </a:p>
-          <a:p>
-            <a:pPr lvl="1"/>
-            <a:r>
-              <a:rPr/>
-              <a:t>Use h2 or h3 tags for section headings</a:t>
-            </a:r>
-          </a:p>
-          <a:p>
-            <a:pPr lvl="1"/>
-            <a:r>
-              <a:rPr/>
-              <a:t>Use p tags for paragraphs</a:t>
-            </a:r>
-          </a:p>
-          <a:p>
-            <a:pPr lvl="1"/>
-            <a:r>
-              <a:rPr/>
-              <a:t>Don’t forget your closing tags!</a:t>
-            </a:r>
-          </a:p>
-          <a:p>
-            <a:pPr lvl="1"/>
-            <a:r>
-              <a:rPr/>
-              <a:t>For extra credit, add links to other sites (such as a page about your hometown, your favorite sports team, artist or musician, or a favorite recipe). You can also download and add images, just make sure they are in the “xx-webpage” folder.</a:t>
-            </a:r>
-          </a:p>
-          <a:p>
-            <a:pPr lvl="1"/>
-            <a:r>
-              <a:rPr/>
-              <a:t>Finally, when you’ve added all your tags, save the page!</a:t>
-            </a:r>
-          </a:p>
-          <a:p>
-            <a:pPr lvl="1"/>
-            <a:r>
-              <a:rPr/>
-              <a:t>Now, open your favorite browser, and go to File &gt; open file. Navigate to your folder, and click on the html file you just made. How does it look? Are you seeing your content formatted for the web? Do you see your title appearing in the tab at the top of the browser bar? If things don’t look right, what might have happened?</a:t>
-            </a:r>
-          </a:p>
-          <a:p>
-            <a:pPr lvl="0" marL="1270000" indent="0">
-              <a:buNone/>
-            </a:pPr>
-            <a:r>
-              <a:rPr sz="2000"/>
-              <a:t>Tip! Facilitator can troubleshoot here— common problems are missing tags, especially closing tags, typos in tags, a document not saved as html, problems with image file names, etc. Facilitator can walk around and check pages, and discuss or even demo on the projected example what happens when tags are left off (for example, never closing an h1 tag is a great way to show the importance of closing tags).</a:t>
-            </a:r>
-          </a:p>
-          <a:p>
-            <a:pPr lvl="1"/>
-            <a:r>
-              <a:rPr/>
-              <a:t>Congratulate everyone on the pages they’ve made! They are now web designers! Remind folks that the pages are still on their local computers, and not actually on the web! But they are ready to go there.</a:t>
-            </a:r>
-          </a:p>
-          <a:p>
-            <a:pPr lvl="1"/>
-            <a:r>
-              <a:rPr/>
-              <a:t>Have a brief discussion about uploading to servers, about web hosting, what it means, how it works, how much it costs, what hosting companies do.</a:t>
+              <a:t>Title Your Story! Come up with a snappy title for your story or content or go with something basic.</a:t>
             </a:r>
           </a:p>
         </p:txBody>
@@ -11647,15 +18223,7 @@
             </a:pPr>
             <a:r>
               <a:rPr/>
-              <a:t>Go</a:t>
-            </a:r>
-            <a:r>
-              <a:rPr/>
-              <a:t> </a:t>
-            </a:r>
-            <a:r>
-              <a:rPr/>
-              <a:t>Online!</a:t>
+              <a:t>Saving</a:t>
             </a:r>
           </a:p>
         </p:txBody>
@@ -11678,30 +18246,21 @@
             <a:pPr lvl="1"/>
             <a:r>
               <a:rPr/>
-              <a:t>If your institution has server space and resources available, show participants how to use a file transfer application (such as fetch) to transfer their pages to a folder on the server. Talk about UPLOADING vs DOWNLOADING</a:t>
+              <a:t>Make a new folder on your computer and call it “xx-webpage” using your initials.</a:t>
             </a:r>
           </a:p>
           <a:p>
             <a:pPr lvl="1"/>
             <a:r>
               <a:rPr/>
-              <a:t>Discuss how the URL will be constructed, ask users to figure out their own URLs – domain name, class folder name, personal folder name, page name.</a:t>
+              <a:t>Save your story in the folder with .txt as the extension– Give it a title with no spaces or punctuation other than dashes or underscores, like “about-zm.txt” This is the text version of your story, the raw content.</a:t>
             </a:r>
           </a:p>
           <a:p>
             <a:pPr lvl="1"/>
             <a:r>
               <a:rPr/>
-              <a:t>Once all the pages are on the server, have users point their browsers to the URL on the web to see their pages. You’re on the web for real! Woo-hoo!</a:t>
-            </a:r>
-          </a:p>
-          <a:p>
-            <a:pPr lvl="0" marL="1270000" indent="0">
-              <a:buNone/>
-            </a:pPr>
-            <a:r>
-              <a:rPr sz="2000"/>
-              <a:t>Tip! If time, have a brief discussion of web hosting, what it means, how it works, how much it costs, what hosting companies do.</a:t>
+              <a:t>Also, save your story in the folder with .html as the extension, instead of .txt– this will be your web version. The .html tells the browser to look for html code in the file. Give it a title with no spaces or punctuation other than dashes or underscores, like “about-zm.html”</a:t>
             </a:r>
           </a:p>
         </p:txBody>
@@ -11748,7 +18307,15 @@
             </a:pPr>
             <a:r>
               <a:rPr/>
-              <a:t>mozilla</a:t>
+              <a:t>Get</a:t>
+            </a:r>
+            <a:r>
+              <a:rPr/>
+              <a:t> </a:t>
+            </a:r>
+            <a:r>
+              <a:rPr/>
+              <a:t>Tagging!</a:t>
             </a:r>
           </a:p>
         </p:txBody>
@@ -11769,17 +18336,269 @@
           <a:lstStyle/>
           <a:p>
             <a:pPr lvl="0" marL="0" indent="0">
+              <a:spcBef>
+                <a:spcPts val="3000"/>
+              </a:spcBef>
               <a:buNone/>
             </a:pPr>
             <a:r>
-              <a:rPr/>
-              <a:t>Mozilla is a global non-profit dedicated to putting you in control of your online experience and shaping the future of the web for the public good. Visit us at </a:t>
+              <a:rPr b="1"/>
+              <a:t>marking up their story</a:t>
+            </a:r>
+          </a:p>
+          <a:p>
+            <a:pPr lvl="1"/>
+            <a:r>
+              <a:rPr/>
+              <a:t>Start the file </a:t>
             </a:r>
             <a:r>
               <a:rPr>
-                <a:hlinkClick r:id="rId2"/>
+                <a:latin typeface="Courier"/>
               </a:rPr>
-              <a:t>mozilla.org</a:t>
+              <a:t>&lt;!DOCTYPE html&gt;</a:t>
+            </a:r>
+          </a:p>
+          <a:p>
+            <a:pPr lvl="1"/>
+            <a:r>
+              <a:rPr/>
+              <a:t>Add an </a:t>
+            </a:r>
+            <a:r>
+              <a:rPr>
+                <a:latin typeface="Courier"/>
+              </a:rPr>
+              <a:t>&lt;html&gt;</a:t>
+            </a:r>
+            <a:r>
+              <a:rPr/>
+              <a:t> and </a:t>
+            </a:r>
+            <a:r>
+              <a:rPr>
+                <a:latin typeface="Courier"/>
+              </a:rPr>
+              <a:t>&lt;/html&gt;</a:t>
+            </a:r>
+            <a:r>
+              <a:rPr/>
+              <a:t> tags that wrap around the ENTIRE page – so everything inside can get tagged with markup language.</a:t>
+            </a:r>
+          </a:p>
+          <a:p>
+            <a:pPr lvl="1"/>
+            <a:r>
+              <a:rPr/>
+              <a:t>After this, make a section with a set of tags called </a:t>
+            </a:r>
+            <a:r>
+              <a:rPr>
+                <a:latin typeface="Courier"/>
+              </a:rPr>
+              <a:t>&lt;head&gt; &lt;/head&gt;</a:t>
+            </a:r>
+            <a:r>
+              <a:rPr/>
+              <a:t> at the top of the page, before all your written content.</a:t>
+            </a:r>
+          </a:p>
+          <a:p>
+            <a:pPr lvl="2"/>
+            <a:r>
+              <a:rPr/>
+              <a:t>Put </a:t>
+            </a:r>
+            <a:r>
+              <a:rPr>
+                <a:latin typeface="Courier"/>
+              </a:rPr>
+              <a:t>&lt;title&gt; Your Title&lt;/title&gt;</a:t>
+            </a:r>
+            <a:r>
+              <a:rPr/>
+              <a:t> inside the head</a:t>
+            </a:r>
+          </a:p>
+          <a:p>
+            <a:pPr lvl="1"/>
+            <a:r>
+              <a:rPr/>
+              <a:t>Add </a:t>
+            </a:r>
+            <a:r>
+              <a:rPr>
+                <a:latin typeface="Courier"/>
+              </a:rPr>
+              <a:t>&lt;body&gt;</a:t>
+            </a:r>
+            <a:r>
+              <a:rPr/>
+              <a:t> tags around the entire text for the page.</a:t>
+            </a:r>
+          </a:p>
+          <a:p>
+            <a:pPr lvl="1"/>
+            <a:r>
+              <a:rPr/>
+              <a:t>Use h1 for your page’s top headline, the on-screen title for your story (different from the title tag)</a:t>
+            </a:r>
+          </a:p>
+          <a:p>
+            <a:pPr lvl="1"/>
+            <a:r>
+              <a:rPr/>
+              <a:t>Use h2 or h3 tags for section headings</a:t>
+            </a:r>
+          </a:p>
+          <a:p>
+            <a:pPr lvl="1"/>
+            <a:r>
+              <a:rPr/>
+              <a:t>Use p tags for paragraphs</a:t>
+            </a:r>
+          </a:p>
+          <a:p>
+            <a:pPr lvl="1"/>
+            <a:r>
+              <a:rPr/>
+              <a:t>Don’t forget your closing tags!</a:t>
+            </a:r>
+          </a:p>
+          <a:p>
+            <a:pPr lvl="1"/>
+            <a:r>
+              <a:rPr/>
+              <a:t>Finally, when you’ve added all your tags, save the page!</a:t>
+            </a:r>
+          </a:p>
+        </p:txBody>
+      </p:sp>
+    </p:spTree>
+  </p:cSld>
+</p:sld>
+</file>
+
+<file path=ppt/slides/slide9.xml><?xml version="1.0" encoding="utf-8"?>
+<p:sld xmlns:a="http://schemas.openxmlformats.org/drawingml/2006/main" xmlns:r="http://schemas.openxmlformats.org/officeDocument/2006/relationships" xmlns:p="http://schemas.openxmlformats.org/presentationml/2006/main">
+  <p:cSld>
+    <p:spTree>
+      <p:nvGrpSpPr>
+        <p:cNvPr id="1" name=""/>
+        <p:cNvGrpSpPr/>
+        <p:nvPr/>
+      </p:nvGrpSpPr>
+      <p:grpSpPr>
+        <a:xfrm>
+          <a:off x="0" y="0"/>
+          <a:ext cx="0" cy="0"/>
+          <a:chOff x="0" y="0"/>
+          <a:chExt cx="0" cy="0"/>
+        </a:xfrm>
+      </p:grpSpPr>
+      <p:sp>
+        <p:nvSpPr>
+          <p:cNvPr id="2" name="Title 1"/>
+          <p:cNvSpPr>
+            <a:spLocks noGrp="1"/>
+          </p:cNvSpPr>
+          <p:nvPr>
+            <p:ph type="title"/>
+          </p:nvPr>
+        </p:nvSpPr>
+        <p:spPr/>
+        <p:txBody>
+          <a:bodyPr/>
+          <a:lstStyle/>
+          <a:p>
+            <a:pPr lvl="0" marL="0" indent="0">
+              <a:buNone/>
+            </a:pPr>
+            <a:r>
+              <a:rPr/>
+              <a:t>Lets</a:t>
+            </a:r>
+            <a:r>
+              <a:rPr/>
+              <a:t> </a:t>
+            </a:r>
+            <a:r>
+              <a:rPr/>
+              <a:t>have</a:t>
+            </a:r>
+            <a:r>
+              <a:rPr/>
+              <a:t> </a:t>
+            </a:r>
+            <a:r>
+              <a:rPr/>
+              <a:t>a</a:t>
+            </a:r>
+            <a:r>
+              <a:rPr/>
+              <a:t> </a:t>
+            </a:r>
+            <a:r>
+              <a:rPr/>
+              <a:t>look</a:t>
+            </a:r>
+          </a:p>
+        </p:txBody>
+      </p:sp>
+      <p:sp>
+        <p:nvSpPr>
+          <p:cNvPr id="3" name="Content Placeholder 2"/>
+          <p:cNvSpPr>
+            <a:spLocks noGrp="1"/>
+          </p:cNvSpPr>
+          <p:nvPr>
+            <p:ph idx="1"/>
+          </p:nvPr>
+        </p:nvSpPr>
+        <p:spPr/>
+        <p:txBody>
+          <a:bodyPr/>
+          <a:lstStyle/>
+          <a:p>
+            <a:pPr lvl="1"/>
+            <a:r>
+              <a:rPr/>
+              <a:t>Now, open your favorite browser</a:t>
+            </a:r>
+          </a:p>
+          <a:p>
+            <a:pPr lvl="1"/>
+            <a:r>
+              <a:rPr/>
+              <a:t>Go to File &gt; open file. Navigate to your folder, and click on the html file you just made.</a:t>
+            </a:r>
+          </a:p>
+          <a:p>
+            <a:pPr lvl="1"/>
+            <a:r>
+              <a:rPr/>
+              <a:t>How does it look?</a:t>
+            </a:r>
+          </a:p>
+          <a:p>
+            <a:pPr lvl="1"/>
+            <a:r>
+              <a:rPr/>
+              <a:t>Are you seeing your content formatted for the web?</a:t>
+            </a:r>
+          </a:p>
+          <a:p>
+            <a:pPr lvl="1"/>
+            <a:r>
+              <a:rPr/>
+              <a:t>Do you see your title appearing in the tab at the top of the browser bar?</a:t>
+            </a:r>
+          </a:p>
+          <a:p>
+            <a:pPr lvl="1"/>
+            <a:r>
+              <a:rPr/>
+              <a:t>If things don’t look right, what might have happened?</a:t>
             </a:r>
           </a:p>
         </p:txBody>

--- a/powerpoints/08-building-basic-pages.pptx
+++ b/powerpoints/08-building-basic-pages.pptx
@@ -18261,6 +18261,15 @@
             <a:r>
               <a:rPr/>
               <a:t>Also, save your story in the folder with .html as the extension, instead of .txt– this will be your web version. The .html tells the browser to look for html code in the file. Give it a title with no spaces or punctuation other than dashes or underscores, like “about-zm.html”</a:t>
+            </a:r>
+          </a:p>
+          <a:p>
+            <a:pPr lvl="0" marL="0" indent="0">
+              <a:buNone/>
+            </a:pPr>
+            <a:r>
+              <a:rPr/>
+              <a:t>Fast track : If you know html, mark up your story (in semantic html5) and then use the best css3 tricks you know to make it pretty</a:t>
             </a:r>
           </a:p>
         </p:txBody>
